--- a/7. Presentation/OGO_Presentation_preparation.pptx
+++ b/7. Presentation/OGO_Presentation_preparation.pptx
@@ -8,14 +8,16 @@
     <p:sldMasterId id="2147483706" r:id="rId4"/>
   </p:sldMasterIdLst>
   <p:notesMasterIdLst>
-    <p:notesMasterId r:id="rId10"/>
+    <p:notesMasterId r:id="rId12"/>
   </p:notesMasterIdLst>
   <p:sldIdLst>
     <p:sldId id="333" r:id="rId5"/>
     <p:sldId id="332" r:id="rId6"/>
     <p:sldId id="336" r:id="rId7"/>
     <p:sldId id="335" r:id="rId8"/>
-    <p:sldId id="337" r:id="rId9"/>
+    <p:sldId id="339" r:id="rId9"/>
+    <p:sldId id="340" r:id="rId10"/>
+    <p:sldId id="337" r:id="rId11"/>
   </p:sldIdLst>
   <p:sldSz cx="12192000" cy="6858000"/>
   <p:notesSz cx="6858000" cy="9144000"/>
@@ -219,7 +221,7 @@
           <a:p>
             <a:fld id="{3389243F-B1BB-4202-BD78-416ACA555174}" type="datetimeFigureOut">
               <a:rPr lang="en-US" smtClean="0"/>
-              <a:t>9/16/2021</a:t>
+              <a:t>9/28/2021</a:t>
             </a:fld>
             <a:endParaRPr lang="en-US"/>
           </a:p>
@@ -575,6 +577,224 @@
 </p:notes>
 </file>
 
+<file path=ppt/notesSlides/notesSlide2.xml><?xml version="1.0" encoding="utf-8"?>
+<p:notes xmlns:a="http://schemas.openxmlformats.org/drawingml/2006/main" xmlns:r="http://schemas.openxmlformats.org/officeDocument/2006/relationships" xmlns:p="http://schemas.openxmlformats.org/presentationml/2006/main" showMasterSp="0" showMasterPhAnim="0">
+  <p:cSld>
+    <p:spTree>
+      <p:nvGrpSpPr>
+        <p:cNvPr id="1" name="Shape 1642"/>
+        <p:cNvGrpSpPr/>
+        <p:nvPr/>
+      </p:nvGrpSpPr>
+      <p:grpSpPr>
+        <a:xfrm>
+          <a:off x="0" y="0"/>
+          <a:ext cx="0" cy="0"/>
+          <a:chOff x="0" y="0"/>
+          <a:chExt cx="0" cy="0"/>
+        </a:xfrm>
+      </p:grpSpPr>
+      <p:sp>
+        <p:nvSpPr>
+          <p:cNvPr id="1643" name="Google Shape;1643;g53acc99f1c_0_154:notes"/>
+          <p:cNvSpPr>
+            <a:spLocks noGrp="1" noRot="1" noChangeAspect="1"/>
+          </p:cNvSpPr>
+          <p:nvPr>
+            <p:ph type="sldImg" idx="2"/>
+          </p:nvPr>
+        </p:nvSpPr>
+        <p:spPr>
+          <a:xfrm>
+            <a:off x="381000" y="685800"/>
+            <a:ext cx="6096000" cy="3429000"/>
+          </a:xfrm>
+          <a:custGeom>
+            <a:avLst/>
+            <a:gdLst/>
+            <a:ahLst/>
+            <a:cxnLst/>
+            <a:rect l="l" t="t" r="r" b="b"/>
+            <a:pathLst>
+              <a:path w="120000" h="120000" extrusionOk="0">
+                <a:moveTo>
+                  <a:pt x="0" y="0"/>
+                </a:moveTo>
+                <a:lnTo>
+                  <a:pt x="120000" y="0"/>
+                </a:lnTo>
+                <a:lnTo>
+                  <a:pt x="120000" y="120000"/>
+                </a:lnTo>
+                <a:lnTo>
+                  <a:pt x="0" y="120000"/>
+                </a:lnTo>
+                <a:close/>
+              </a:path>
+            </a:pathLst>
+          </a:custGeom>
+        </p:spPr>
+      </p:sp>
+      <p:sp>
+        <p:nvSpPr>
+          <p:cNvPr id="1644" name="Google Shape;1644;g53acc99f1c_0_154:notes"/>
+          <p:cNvSpPr txBox="1">
+            <a:spLocks noGrp="1"/>
+          </p:cNvSpPr>
+          <p:nvPr>
+            <p:ph type="body" idx="1"/>
+          </p:nvPr>
+        </p:nvSpPr>
+        <p:spPr>
+          <a:xfrm>
+            <a:off x="685800" y="4343400"/>
+            <a:ext cx="5486400" cy="4114800"/>
+          </a:xfrm>
+          <a:prstGeom prst="rect">
+            <a:avLst/>
+          </a:prstGeom>
+        </p:spPr>
+        <p:txBody>
+          <a:bodyPr spcFirstLastPara="1" wrap="square" lIns="91425" tIns="91425" rIns="91425" bIns="91425" anchor="t" anchorCtr="0">
+            <a:noAutofit/>
+          </a:bodyPr>
+          <a:lstStyle/>
+          <a:p>
+            <a:pPr marL="0" lvl="0" indent="0" algn="l" rtl="0">
+              <a:spcBef>
+                <a:spcPts val="0"/>
+              </a:spcBef>
+              <a:spcAft>
+                <a:spcPts val="0"/>
+              </a:spcAft>
+              <a:buNone/>
+            </a:pPr>
+            <a:endParaRPr/>
+          </a:p>
+        </p:txBody>
+      </p:sp>
+    </p:spTree>
+    <p:extLst>
+      <p:ext uri="{BB962C8B-B14F-4D97-AF65-F5344CB8AC3E}">
+        <p14:creationId xmlns:p14="http://schemas.microsoft.com/office/powerpoint/2010/main" val="3370232848"/>
+      </p:ext>
+    </p:extLst>
+  </p:cSld>
+  <p:clrMapOvr>
+    <a:masterClrMapping/>
+  </p:clrMapOvr>
+</p:notes>
+</file>
+
+<file path=ppt/notesSlides/notesSlide3.xml><?xml version="1.0" encoding="utf-8"?>
+<p:notes xmlns:a="http://schemas.openxmlformats.org/drawingml/2006/main" xmlns:r="http://schemas.openxmlformats.org/officeDocument/2006/relationships" xmlns:p="http://schemas.openxmlformats.org/presentationml/2006/main" showMasterSp="0" showMasterPhAnim="0">
+  <p:cSld>
+    <p:spTree>
+      <p:nvGrpSpPr>
+        <p:cNvPr id="1" name="Shape 1642"/>
+        <p:cNvGrpSpPr/>
+        <p:nvPr/>
+      </p:nvGrpSpPr>
+      <p:grpSpPr>
+        <a:xfrm>
+          <a:off x="0" y="0"/>
+          <a:ext cx="0" cy="0"/>
+          <a:chOff x="0" y="0"/>
+          <a:chExt cx="0" cy="0"/>
+        </a:xfrm>
+      </p:grpSpPr>
+      <p:sp>
+        <p:nvSpPr>
+          <p:cNvPr id="1643" name="Google Shape;1643;g53acc99f1c_0_154:notes"/>
+          <p:cNvSpPr>
+            <a:spLocks noGrp="1" noRot="1" noChangeAspect="1"/>
+          </p:cNvSpPr>
+          <p:nvPr>
+            <p:ph type="sldImg" idx="2"/>
+          </p:nvPr>
+        </p:nvSpPr>
+        <p:spPr>
+          <a:xfrm>
+            <a:off x="381000" y="685800"/>
+            <a:ext cx="6096000" cy="3429000"/>
+          </a:xfrm>
+          <a:custGeom>
+            <a:avLst/>
+            <a:gdLst/>
+            <a:ahLst/>
+            <a:cxnLst/>
+            <a:rect l="l" t="t" r="r" b="b"/>
+            <a:pathLst>
+              <a:path w="120000" h="120000" extrusionOk="0">
+                <a:moveTo>
+                  <a:pt x="0" y="0"/>
+                </a:moveTo>
+                <a:lnTo>
+                  <a:pt x="120000" y="0"/>
+                </a:lnTo>
+                <a:lnTo>
+                  <a:pt x="120000" y="120000"/>
+                </a:lnTo>
+                <a:lnTo>
+                  <a:pt x="0" y="120000"/>
+                </a:lnTo>
+                <a:close/>
+              </a:path>
+            </a:pathLst>
+          </a:custGeom>
+        </p:spPr>
+      </p:sp>
+      <p:sp>
+        <p:nvSpPr>
+          <p:cNvPr id="1644" name="Google Shape;1644;g53acc99f1c_0_154:notes"/>
+          <p:cNvSpPr txBox="1">
+            <a:spLocks noGrp="1"/>
+          </p:cNvSpPr>
+          <p:nvPr>
+            <p:ph type="body" idx="1"/>
+          </p:nvPr>
+        </p:nvSpPr>
+        <p:spPr>
+          <a:xfrm>
+            <a:off x="685800" y="4343400"/>
+            <a:ext cx="5486400" cy="4114800"/>
+          </a:xfrm>
+          <a:prstGeom prst="rect">
+            <a:avLst/>
+          </a:prstGeom>
+        </p:spPr>
+        <p:txBody>
+          <a:bodyPr spcFirstLastPara="1" wrap="square" lIns="91425" tIns="91425" rIns="91425" bIns="91425" anchor="t" anchorCtr="0">
+            <a:noAutofit/>
+          </a:bodyPr>
+          <a:lstStyle/>
+          <a:p>
+            <a:pPr marL="0" lvl="0" indent="0" algn="l" rtl="0">
+              <a:spcBef>
+                <a:spcPts val="0"/>
+              </a:spcBef>
+              <a:spcAft>
+                <a:spcPts val="0"/>
+              </a:spcAft>
+              <a:buNone/>
+            </a:pPr>
+            <a:endParaRPr/>
+          </a:p>
+        </p:txBody>
+      </p:sp>
+    </p:spTree>
+    <p:extLst>
+      <p:ext uri="{BB962C8B-B14F-4D97-AF65-F5344CB8AC3E}">
+        <p14:creationId xmlns:p14="http://schemas.microsoft.com/office/powerpoint/2010/main" val="3445599031"/>
+      </p:ext>
+    </p:extLst>
+  </p:cSld>
+  <p:clrMapOvr>
+    <a:masterClrMapping/>
+  </p:clrMapOvr>
+</p:notes>
+</file>
+
 <file path=ppt/slideLayouts/slideLayout1.xml><?xml version="1.0" encoding="utf-8"?>
 <p:sldLayout xmlns:a="http://schemas.openxmlformats.org/drawingml/2006/main" xmlns:r="http://schemas.openxmlformats.org/officeDocument/2006/relationships" xmlns:p="http://schemas.openxmlformats.org/presentationml/2006/main" type="titleOnly" preserve="1">
   <p:cSld name="Title Only">
@@ -695,7 +915,7 @@
           <a:p>
             <a:fld id="{85B4A127-4600-478B-B5E1-9EDCC2C22FDD}" type="datetimeFigureOut">
               <a:rPr lang="en-IN" smtClean="0"/>
-              <a:t>16-09-2021</a:t>
+              <a:t>28-09-2021</a:t>
             </a:fld>
             <a:endParaRPr lang="en-IN"/>
           </a:p>
@@ -790,7 +1010,7 @@
           <a:p>
             <a:fld id="{997E942A-26CB-4FC8-A61F-ED7BAF06B75B}" type="datetimeFigureOut">
               <a:rPr lang="en-US" smtClean="0"/>
-              <a:t>9/16/2021</a:t>
+              <a:t>9/28/2021</a:t>
             </a:fld>
             <a:endParaRPr lang="en-US"/>
           </a:p>
@@ -1067,7 +1287,7 @@
           <a:p>
             <a:fld id="{997E942A-26CB-4FC8-A61F-ED7BAF06B75B}" type="datetimeFigureOut">
               <a:rPr lang="en-US" smtClean="0"/>
-              <a:t>9/16/2021</a:t>
+              <a:t>9/28/2021</a:t>
             </a:fld>
             <a:endParaRPr lang="en-US"/>
           </a:p>
@@ -1320,7 +1540,7 @@
           <a:p>
             <a:fld id="{997E942A-26CB-4FC8-A61F-ED7BAF06B75B}" type="datetimeFigureOut">
               <a:rPr lang="en-US" smtClean="0"/>
-              <a:t>9/16/2021</a:t>
+              <a:t>9/28/2021</a:t>
             </a:fld>
             <a:endParaRPr lang="en-US"/>
           </a:p>
@@ -1490,7 +1710,7 @@
           <a:p>
             <a:fld id="{997E942A-26CB-4FC8-A61F-ED7BAF06B75B}" type="datetimeFigureOut">
               <a:rPr lang="en-US" smtClean="0"/>
-              <a:t>9/16/2021</a:t>
+              <a:t>9/28/2021</a:t>
             </a:fld>
             <a:endParaRPr lang="en-US"/>
           </a:p>
@@ -1670,7 +1890,7 @@
           <a:p>
             <a:fld id="{997E942A-26CB-4FC8-A61F-ED7BAF06B75B}" type="datetimeFigureOut">
               <a:rPr lang="en-US" smtClean="0"/>
-              <a:t>9/16/2021</a:t>
+              <a:t>9/28/2021</a:t>
             </a:fld>
             <a:endParaRPr lang="en-US"/>
           </a:p>
@@ -1728,6 +1948,119 @@
   <p:clrMapOvr>
     <a:masterClrMapping/>
   </p:clrMapOvr>
+</p:sldLayout>
+</file>
+
+<file path=ppt/slideLayouts/slideLayout16.xml><?xml version="1.0" encoding="utf-8"?>
+<p:sldLayout xmlns:a="http://schemas.openxmlformats.org/drawingml/2006/main" xmlns:r="http://schemas.openxmlformats.org/officeDocument/2006/relationships" xmlns:p="http://schemas.openxmlformats.org/presentationml/2006/main" matchingName="Title slide" type="title">
+  <p:cSld name="1_Title slide">
+    <p:spTree>
+      <p:nvGrpSpPr>
+        <p:cNvPr id="1" name="Shape 9"/>
+        <p:cNvGrpSpPr/>
+        <p:nvPr/>
+      </p:nvGrpSpPr>
+      <p:grpSpPr>
+        <a:xfrm>
+          <a:off x="0" y="0"/>
+          <a:ext cx="0" cy="0"/>
+          <a:chOff x="0" y="0"/>
+          <a:chExt cx="0" cy="0"/>
+        </a:xfrm>
+      </p:grpSpPr>
+      <p:sp>
+        <p:nvSpPr>
+          <p:cNvPr id="10" name="Google Shape;10;p2"/>
+          <p:cNvSpPr txBox="1"/>
+          <p:nvPr/>
+        </p:nvSpPr>
+        <p:spPr>
+          <a:xfrm>
+            <a:off x="481467" y="311233"/>
+            <a:ext cx="5473600" cy="750400"/>
+          </a:xfrm>
+          <a:prstGeom prst="rect">
+            <a:avLst/>
+          </a:prstGeom>
+          <a:noFill/>
+          <a:ln>
+            <a:noFill/>
+          </a:ln>
+        </p:spPr>
+        <p:txBody>
+          <a:bodyPr spcFirstLastPara="1" wrap="square" lIns="121900" tIns="121900" rIns="121900" bIns="121900" anchor="t" anchorCtr="0">
+            <a:noAutofit/>
+          </a:bodyPr>
+          <a:lstStyle/>
+          <a:p>
+            <a:pPr marL="0" lvl="0" indent="0" algn="l" rtl="0">
+              <a:spcBef>
+                <a:spcPts val="0"/>
+              </a:spcBef>
+              <a:spcAft>
+                <a:spcPts val="0"/>
+              </a:spcAft>
+              <a:buNone/>
+            </a:pPr>
+            <a:r>
+              <a:rPr lang="en" sz="3600" b="1">
+                <a:latin typeface="Fira Sans Extra Condensed"/>
+                <a:ea typeface="Fira Sans Extra Condensed"/>
+                <a:cs typeface="Fira Sans Extra Condensed"/>
+                <a:sym typeface="Fira Sans Extra Condensed"/>
+              </a:rPr>
+              <a:t>Customer Journey Map</a:t>
+            </a:r>
+            <a:endParaRPr sz="3600" b="1">
+              <a:latin typeface="Fira Sans Extra Condensed"/>
+              <a:ea typeface="Fira Sans Extra Condensed"/>
+              <a:cs typeface="Fira Sans Extra Condensed"/>
+              <a:sym typeface="Fira Sans Extra Condensed"/>
+            </a:endParaRPr>
+          </a:p>
+        </p:txBody>
+      </p:sp>
+    </p:spTree>
+    <p:extLst>
+      <p:ext uri="{BB962C8B-B14F-4D97-AF65-F5344CB8AC3E}">
+        <p14:creationId xmlns:p14="http://schemas.microsoft.com/office/powerpoint/2010/main" val="1405400973"/>
+      </p:ext>
+    </p:extLst>
+  </p:cSld>
+  <p:clrMapOvr>
+    <a:masterClrMapping/>
+  </p:clrMapOvr>
+  <p:extLst mod="1">
+    <p:ext uri="{DCECCB84-F9BA-43D5-87BE-67443E8EF086}">
+      <p15:sldGuideLst xmlns:p15="http://schemas.microsoft.com/office/powerpoint/2012/main">
+        <p15:guide id="4294967295" pos="288">
+          <p15:clr>
+            <a:srgbClr val="FA7B17"/>
+          </p15:clr>
+        </p15:guide>
+        <p15:guide id="4294967295" orient="horz" pos="259">
+          <p15:clr>
+            <a:srgbClr val="FA7B17"/>
+          </p15:clr>
+        </p15:guide>
+        <p15:guide id="4294967295" orient="horz" pos="2972">
+          <p15:clr>
+            <a:srgbClr val="FA7B17"/>
+          </p15:clr>
+        </p15:guide>
+        <p15:guide id="4294967295" pos="5472">
+          <p15:clr>
+            <a:srgbClr val="FA7B17"/>
+          </p15:clr>
+        </p15:guide>
+        <p15:guide id="4294967295" pos="2880">
+          <p15:clr>
+            <a:srgbClr val="FA7B17"/>
+          </p15:clr>
+        </p15:guide>
+      </p15:sldGuideLst>
+    </p:ext>
+  </p:extLst>
 </p:sldLayout>
 </file>
 
@@ -2507,7 +2840,7 @@
           <a:p>
             <a:fld id="{997E942A-26CB-4FC8-A61F-ED7BAF06B75B}" type="datetimeFigureOut">
               <a:rPr lang="en-US" smtClean="0"/>
-              <a:t>9/16/2021</a:t>
+              <a:t>9/28/2021</a:t>
             </a:fld>
             <a:endParaRPr lang="en-US"/>
           </a:p>
@@ -2677,7 +3010,7 @@
           <a:p>
             <a:fld id="{997E942A-26CB-4FC8-A61F-ED7BAF06B75B}" type="datetimeFigureOut">
               <a:rPr lang="en-US" smtClean="0"/>
-              <a:t>9/16/2021</a:t>
+              <a:t>9/28/2021</a:t>
             </a:fld>
             <a:endParaRPr lang="en-US"/>
           </a:p>
@@ -2923,7 +3256,7 @@
           <a:p>
             <a:fld id="{997E942A-26CB-4FC8-A61F-ED7BAF06B75B}" type="datetimeFigureOut">
               <a:rPr lang="en-US" smtClean="0"/>
-              <a:t>9/16/2021</a:t>
+              <a:t>9/28/2021</a:t>
             </a:fld>
             <a:endParaRPr lang="en-US"/>
           </a:p>
@@ -3155,7 +3488,7 @@
           <a:p>
             <a:fld id="{997E942A-26CB-4FC8-A61F-ED7BAF06B75B}" type="datetimeFigureOut">
               <a:rPr lang="en-US" smtClean="0"/>
-              <a:t>9/16/2021</a:t>
+              <a:t>9/28/2021</a:t>
             </a:fld>
             <a:endParaRPr lang="en-US"/>
           </a:p>
@@ -3522,7 +3855,7 @@
           <a:p>
             <a:fld id="{997E942A-26CB-4FC8-A61F-ED7BAF06B75B}" type="datetimeFigureOut">
               <a:rPr lang="en-US" smtClean="0"/>
-              <a:t>9/16/2021</a:t>
+              <a:t>9/28/2021</a:t>
             </a:fld>
             <a:endParaRPr lang="en-US"/>
           </a:p>
@@ -5697,7 +6030,7 @@
           <a:p>
             <a:fld id="{997E942A-26CB-4FC8-A61F-ED7BAF06B75B}" type="datetimeFigureOut">
               <a:rPr lang="en-US" smtClean="0"/>
-              <a:t>9/16/2021</a:t>
+              <a:t>9/28/2021</a:t>
             </a:fld>
             <a:endParaRPr lang="en-US"/>
           </a:p>
@@ -6228,7 +6561,7 @@
           <a:p>
             <a:fld id="{85B4A127-4600-478B-B5E1-9EDCC2C22FDD}" type="datetimeFigureOut">
               <a:rPr lang="en-IN" smtClean="0"/>
-              <a:t>16-09-2021</a:t>
+              <a:t>28-09-2021</a:t>
             </a:fld>
             <a:endParaRPr lang="en-IN"/>
           </a:p>
@@ -6332,6 +6665,7 @@
     <p:sldLayoutId id="2147483715" r:id="rId9"/>
     <p:sldLayoutId id="2147483716" r:id="rId10"/>
     <p:sldLayoutId id="2147483717" r:id="rId11"/>
+    <p:sldLayoutId id="2147483718" r:id="rId12"/>
   </p:sldLayoutIdLst>
   <p:txStyles>
     <p:titleStyle>
@@ -6686,7 +7020,7 @@
           <p:cNvPr id="3" name="Title 1">
             <a:extLst>
               <a:ext uri="{FF2B5EF4-FFF2-40B4-BE49-F238E27FC236}">
-                <a16:creationId xmlns:a16="http://schemas.microsoft.com/office/drawing/2014/main" xmlns="" id="{2C2BFAE1-45D3-4B3B-81D2-0BF25FA84FB8}"/>
+                <a16:creationId xmlns="" xmlns:a16="http://schemas.microsoft.com/office/drawing/2014/main" id="{2C2BFAE1-45D3-4B3B-81D2-0BF25FA84FB8}"/>
               </a:ext>
             </a:extLst>
           </p:cNvPr>
@@ -6709,15 +7043,7 @@
           <a:p>
             <a:r>
               <a:rPr lang="en-US" b="1" dirty="0" smtClean="0"/>
-              <a:t>O.G.O </a:t>
-            </a:r>
-            <a:r>
-              <a:rPr lang="en-US" b="1" dirty="0" smtClean="0"/>
-              <a:t>Initiative : </a:t>
-            </a:r>
-            <a:r>
-              <a:rPr lang="en-US" b="1" dirty="0" smtClean="0"/>
-              <a:t>Hackathon Portal</a:t>
+              <a:t>O.G.O Initiative : Hackathon Portal</a:t>
             </a:r>
             <a:endParaRPr lang="en-US" b="1" dirty="0"/>
           </a:p>
@@ -6728,7 +7054,7 @@
           <p:cNvPr id="4" name="Shape">
             <a:extLst>
               <a:ext uri="{FF2B5EF4-FFF2-40B4-BE49-F238E27FC236}">
-                <a16:creationId xmlns:a16="http://schemas.microsoft.com/office/drawing/2014/main" xmlns="" id="{413D8E05-5544-479C-8D23-B38BF3E37ABD}"/>
+                <a16:creationId xmlns="" xmlns:a16="http://schemas.microsoft.com/office/drawing/2014/main" id="{413D8E05-5544-479C-8D23-B38BF3E37ABD}"/>
               </a:ext>
             </a:extLst>
           </p:cNvPr>
@@ -6810,7 +7136,7 @@
           <p:cNvPr id="5" name="Shape">
             <a:extLst>
               <a:ext uri="{FF2B5EF4-FFF2-40B4-BE49-F238E27FC236}">
-                <a16:creationId xmlns:a16="http://schemas.microsoft.com/office/drawing/2014/main" xmlns="" id="{2896C1C0-0C3D-4996-BD3E-8F7DDC7D1002}"/>
+                <a16:creationId xmlns="" xmlns:a16="http://schemas.microsoft.com/office/drawing/2014/main" id="{2896C1C0-0C3D-4996-BD3E-8F7DDC7D1002}"/>
               </a:ext>
             </a:extLst>
           </p:cNvPr>
@@ -6888,7 +7214,7 @@
           <p:cNvPr id="6" name="Shape">
             <a:extLst>
               <a:ext uri="{FF2B5EF4-FFF2-40B4-BE49-F238E27FC236}">
-                <a16:creationId xmlns:a16="http://schemas.microsoft.com/office/drawing/2014/main" xmlns="" id="{55F68C15-1704-47D1-AEE8-F7743C4FD08F}"/>
+                <a16:creationId xmlns="" xmlns:a16="http://schemas.microsoft.com/office/drawing/2014/main" id="{55F68C15-1704-47D1-AEE8-F7743C4FD08F}"/>
               </a:ext>
             </a:extLst>
           </p:cNvPr>
@@ -6972,7 +7298,7 @@
           <p:cNvPr id="7" name="Shape">
             <a:extLst>
               <a:ext uri="{FF2B5EF4-FFF2-40B4-BE49-F238E27FC236}">
-                <a16:creationId xmlns:a16="http://schemas.microsoft.com/office/drawing/2014/main" xmlns="" id="{646AE90E-1E09-444F-8DA8-2B86B1B1BD8E}"/>
+                <a16:creationId xmlns="" xmlns:a16="http://schemas.microsoft.com/office/drawing/2014/main" id="{646AE90E-1E09-444F-8DA8-2B86B1B1BD8E}"/>
               </a:ext>
             </a:extLst>
           </p:cNvPr>
@@ -7074,7 +7400,7 @@
           <p:cNvPr id="8" name="Shape">
             <a:extLst>
               <a:ext uri="{FF2B5EF4-FFF2-40B4-BE49-F238E27FC236}">
-                <a16:creationId xmlns:a16="http://schemas.microsoft.com/office/drawing/2014/main" xmlns="" id="{148B4D96-377E-47C8-8AFB-B84506EA5FA4}"/>
+                <a16:creationId xmlns="" xmlns:a16="http://schemas.microsoft.com/office/drawing/2014/main" id="{148B4D96-377E-47C8-8AFB-B84506EA5FA4}"/>
               </a:ext>
             </a:extLst>
           </p:cNvPr>
@@ -7229,7 +7555,7 @@
           <p:cNvPr id="9" name="Shape">
             <a:extLst>
               <a:ext uri="{FF2B5EF4-FFF2-40B4-BE49-F238E27FC236}">
-                <a16:creationId xmlns:a16="http://schemas.microsoft.com/office/drawing/2014/main" xmlns="" id="{0AE7B5B9-0262-4069-85F4-410FC9B2B0C5}"/>
+                <a16:creationId xmlns="" xmlns:a16="http://schemas.microsoft.com/office/drawing/2014/main" id="{0AE7B5B9-0262-4069-85F4-410FC9B2B0C5}"/>
               </a:ext>
             </a:extLst>
           </p:cNvPr>
@@ -7577,7 +7903,7 @@
           <p:cNvPr id="10" name="Shape">
             <a:extLst>
               <a:ext uri="{FF2B5EF4-FFF2-40B4-BE49-F238E27FC236}">
-                <a16:creationId xmlns:a16="http://schemas.microsoft.com/office/drawing/2014/main" xmlns="" id="{66E28C3B-2DA7-4D2D-AD0A-27BD9449CC78}"/>
+                <a16:creationId xmlns="" xmlns:a16="http://schemas.microsoft.com/office/drawing/2014/main" id="{66E28C3B-2DA7-4D2D-AD0A-27BD9449CC78}"/>
               </a:ext>
             </a:extLst>
           </p:cNvPr>
@@ -7653,7 +7979,7 @@
           <p:cNvPr id="11" name="Shape">
             <a:extLst>
               <a:ext uri="{FF2B5EF4-FFF2-40B4-BE49-F238E27FC236}">
-                <a16:creationId xmlns:a16="http://schemas.microsoft.com/office/drawing/2014/main" xmlns="" id="{8BE02893-E6D9-479E-9B18-B6AEB935C1DD}"/>
+                <a16:creationId xmlns="" xmlns:a16="http://schemas.microsoft.com/office/drawing/2014/main" id="{8BE02893-E6D9-479E-9B18-B6AEB935C1DD}"/>
               </a:ext>
             </a:extLst>
           </p:cNvPr>
@@ -7738,7 +8064,7 @@
           <p:cNvPr id="12" name="Shape">
             <a:extLst>
               <a:ext uri="{FF2B5EF4-FFF2-40B4-BE49-F238E27FC236}">
-                <a16:creationId xmlns:a16="http://schemas.microsoft.com/office/drawing/2014/main" xmlns="" id="{3BCAB2D2-B732-4024-9CBE-869CE4DA727D}"/>
+                <a16:creationId xmlns="" xmlns:a16="http://schemas.microsoft.com/office/drawing/2014/main" id="{3BCAB2D2-B732-4024-9CBE-869CE4DA727D}"/>
               </a:ext>
             </a:extLst>
           </p:cNvPr>
@@ -7816,7 +8142,7 @@
           <p:cNvPr id="13" name="Shape">
             <a:extLst>
               <a:ext uri="{FF2B5EF4-FFF2-40B4-BE49-F238E27FC236}">
-                <a16:creationId xmlns:a16="http://schemas.microsoft.com/office/drawing/2014/main" xmlns="" id="{F1716BC3-11AD-40F4-B46F-320F03A702F9}"/>
+                <a16:creationId xmlns="" xmlns:a16="http://schemas.microsoft.com/office/drawing/2014/main" id="{F1716BC3-11AD-40F4-B46F-320F03A702F9}"/>
               </a:ext>
             </a:extLst>
           </p:cNvPr>
@@ -7901,7 +8227,7 @@
           <p:cNvPr id="14" name="Shape">
             <a:extLst>
               <a:ext uri="{FF2B5EF4-FFF2-40B4-BE49-F238E27FC236}">
-                <a16:creationId xmlns:a16="http://schemas.microsoft.com/office/drawing/2014/main" xmlns="" id="{7876C0C2-41B1-4361-9F5F-16F4BABD8C0A}"/>
+                <a16:creationId xmlns="" xmlns:a16="http://schemas.microsoft.com/office/drawing/2014/main" id="{7876C0C2-41B1-4361-9F5F-16F4BABD8C0A}"/>
               </a:ext>
             </a:extLst>
           </p:cNvPr>
@@ -8016,7 +8342,7 @@
           <p:cNvPr id="15" name="Shape">
             <a:extLst>
               <a:ext uri="{FF2B5EF4-FFF2-40B4-BE49-F238E27FC236}">
-                <a16:creationId xmlns:a16="http://schemas.microsoft.com/office/drawing/2014/main" xmlns="" id="{E73492CC-F6AA-466D-925D-D23FF81B0296}"/>
+                <a16:creationId xmlns="" xmlns:a16="http://schemas.microsoft.com/office/drawing/2014/main" id="{E73492CC-F6AA-466D-925D-D23FF81B0296}"/>
               </a:ext>
             </a:extLst>
           </p:cNvPr>
@@ -8150,7 +8476,7 @@
           <p:cNvPr id="16" name="Shape">
             <a:extLst>
               <a:ext uri="{FF2B5EF4-FFF2-40B4-BE49-F238E27FC236}">
-                <a16:creationId xmlns:a16="http://schemas.microsoft.com/office/drawing/2014/main" xmlns="" id="{FA76131F-5DCC-46AA-8760-C8259907ECB2}"/>
+                <a16:creationId xmlns="" xmlns:a16="http://schemas.microsoft.com/office/drawing/2014/main" id="{FA76131F-5DCC-46AA-8760-C8259907ECB2}"/>
               </a:ext>
             </a:extLst>
           </p:cNvPr>
@@ -8246,7 +8572,7 @@
           <p:cNvPr id="17" name="Shape">
             <a:extLst>
               <a:ext uri="{FF2B5EF4-FFF2-40B4-BE49-F238E27FC236}">
-                <a16:creationId xmlns:a16="http://schemas.microsoft.com/office/drawing/2014/main" xmlns="" id="{DFDD038F-E0CC-4A9B-BEFD-7B7A763E1908}"/>
+                <a16:creationId xmlns="" xmlns:a16="http://schemas.microsoft.com/office/drawing/2014/main" id="{DFDD038F-E0CC-4A9B-BEFD-7B7A763E1908}"/>
               </a:ext>
             </a:extLst>
           </p:cNvPr>
@@ -8384,7 +8710,7 @@
           <p:cNvPr id="18" name="Shape">
             <a:extLst>
               <a:ext uri="{FF2B5EF4-FFF2-40B4-BE49-F238E27FC236}">
-                <a16:creationId xmlns:a16="http://schemas.microsoft.com/office/drawing/2014/main" xmlns="" id="{1F1E91A5-30DA-4DC9-A713-FF803F3E72FD}"/>
+                <a16:creationId xmlns="" xmlns:a16="http://schemas.microsoft.com/office/drawing/2014/main" id="{1F1E91A5-30DA-4DC9-A713-FF803F3E72FD}"/>
               </a:ext>
             </a:extLst>
           </p:cNvPr>
@@ -8523,7 +8849,7 @@
           <p:cNvPr id="19" name="Shape">
             <a:extLst>
               <a:ext uri="{FF2B5EF4-FFF2-40B4-BE49-F238E27FC236}">
-                <a16:creationId xmlns:a16="http://schemas.microsoft.com/office/drawing/2014/main" xmlns="" id="{5F5793BD-3D5F-4802-95EE-BC28C7018F0D}"/>
+                <a16:creationId xmlns="" xmlns:a16="http://schemas.microsoft.com/office/drawing/2014/main" id="{5F5793BD-3D5F-4802-95EE-BC28C7018F0D}"/>
               </a:ext>
             </a:extLst>
           </p:cNvPr>
@@ -8677,7 +9003,7 @@
           <p:cNvPr id="20" name="Shape">
             <a:extLst>
               <a:ext uri="{FF2B5EF4-FFF2-40B4-BE49-F238E27FC236}">
-                <a16:creationId xmlns:a16="http://schemas.microsoft.com/office/drawing/2014/main" xmlns="" id="{DC9C4DC0-B3E4-4237-B517-E0B973CD02E5}"/>
+                <a16:creationId xmlns="" xmlns:a16="http://schemas.microsoft.com/office/drawing/2014/main" id="{DC9C4DC0-B3E4-4237-B517-E0B973CD02E5}"/>
               </a:ext>
             </a:extLst>
           </p:cNvPr>
@@ -8799,7 +9125,7 @@
           <p:cNvPr id="21" name="Shape">
             <a:extLst>
               <a:ext uri="{FF2B5EF4-FFF2-40B4-BE49-F238E27FC236}">
-                <a16:creationId xmlns:a16="http://schemas.microsoft.com/office/drawing/2014/main" xmlns="" id="{C30F3F09-80C6-4BD2-894C-BB8BAED12B3E}"/>
+                <a16:creationId xmlns="" xmlns:a16="http://schemas.microsoft.com/office/drawing/2014/main" id="{C30F3F09-80C6-4BD2-894C-BB8BAED12B3E}"/>
               </a:ext>
             </a:extLst>
           </p:cNvPr>
@@ -8914,7 +9240,7 @@
           <p:cNvPr id="22" name="Shape">
             <a:extLst>
               <a:ext uri="{FF2B5EF4-FFF2-40B4-BE49-F238E27FC236}">
-                <a16:creationId xmlns:a16="http://schemas.microsoft.com/office/drawing/2014/main" xmlns="" id="{01D8E841-36AF-4684-9803-8516B5538488}"/>
+                <a16:creationId xmlns="" xmlns:a16="http://schemas.microsoft.com/office/drawing/2014/main" id="{01D8E841-36AF-4684-9803-8516B5538488}"/>
               </a:ext>
             </a:extLst>
           </p:cNvPr>
@@ -9130,7 +9456,7 @@
           <p:cNvPr id="23" name="Shape">
             <a:extLst>
               <a:ext uri="{FF2B5EF4-FFF2-40B4-BE49-F238E27FC236}">
-                <a16:creationId xmlns:a16="http://schemas.microsoft.com/office/drawing/2014/main" xmlns="" id="{FE81BEF8-2316-4EC5-AB5C-3A2EFD69A667}"/>
+                <a16:creationId xmlns="" xmlns:a16="http://schemas.microsoft.com/office/drawing/2014/main" id="{FE81BEF8-2316-4EC5-AB5C-3A2EFD69A667}"/>
               </a:ext>
             </a:extLst>
           </p:cNvPr>
@@ -9226,7 +9552,7 @@
           <p:cNvPr id="24" name="Shape">
             <a:extLst>
               <a:ext uri="{FF2B5EF4-FFF2-40B4-BE49-F238E27FC236}">
-                <a16:creationId xmlns:a16="http://schemas.microsoft.com/office/drawing/2014/main" xmlns="" id="{ACA863F1-F436-42E1-A31A-FCF65E8B636F}"/>
+                <a16:creationId xmlns="" xmlns:a16="http://schemas.microsoft.com/office/drawing/2014/main" id="{ACA863F1-F436-42E1-A31A-FCF65E8B636F}"/>
               </a:ext>
             </a:extLst>
           </p:cNvPr>
@@ -9348,7 +9674,7 @@
           <p:cNvPr id="25" name="Shape">
             <a:extLst>
               <a:ext uri="{FF2B5EF4-FFF2-40B4-BE49-F238E27FC236}">
-                <a16:creationId xmlns:a16="http://schemas.microsoft.com/office/drawing/2014/main" xmlns="" id="{65226533-5C90-4948-AC90-7B7F98BD1340}"/>
+                <a16:creationId xmlns="" xmlns:a16="http://schemas.microsoft.com/office/drawing/2014/main" id="{65226533-5C90-4948-AC90-7B7F98BD1340}"/>
               </a:ext>
             </a:extLst>
           </p:cNvPr>
@@ -9501,7 +9827,7 @@
           <p:cNvPr id="26" name="Shape">
             <a:extLst>
               <a:ext uri="{FF2B5EF4-FFF2-40B4-BE49-F238E27FC236}">
-                <a16:creationId xmlns:a16="http://schemas.microsoft.com/office/drawing/2014/main" xmlns="" id="{66376EA0-102D-4560-95E4-3DB9274468E7}"/>
+                <a16:creationId xmlns="" xmlns:a16="http://schemas.microsoft.com/office/drawing/2014/main" id="{66376EA0-102D-4560-95E4-3DB9274468E7}"/>
               </a:ext>
             </a:extLst>
           </p:cNvPr>
@@ -9616,7 +9942,7 @@
           <p:cNvPr id="27" name="Shape">
             <a:extLst>
               <a:ext uri="{FF2B5EF4-FFF2-40B4-BE49-F238E27FC236}">
-                <a16:creationId xmlns:a16="http://schemas.microsoft.com/office/drawing/2014/main" xmlns="" id="{32989B95-CEBC-470F-BD16-68A0562A5E8F}"/>
+                <a16:creationId xmlns="" xmlns:a16="http://schemas.microsoft.com/office/drawing/2014/main" id="{32989B95-CEBC-470F-BD16-68A0562A5E8F}"/>
               </a:ext>
             </a:extLst>
           </p:cNvPr>
@@ -9750,7 +10076,7 @@
           <p:cNvPr id="28" name="Shape">
             <a:extLst>
               <a:ext uri="{FF2B5EF4-FFF2-40B4-BE49-F238E27FC236}">
-                <a16:creationId xmlns:a16="http://schemas.microsoft.com/office/drawing/2014/main" xmlns="" id="{86A1809C-1099-4AAE-8C8F-A47B49A079DC}"/>
+                <a16:creationId xmlns="" xmlns:a16="http://schemas.microsoft.com/office/drawing/2014/main" id="{86A1809C-1099-4AAE-8C8F-A47B49A079DC}"/>
               </a:ext>
             </a:extLst>
           </p:cNvPr>
@@ -9903,7 +10229,7 @@
           <p:cNvPr id="29" name="Shape">
             <a:extLst>
               <a:ext uri="{FF2B5EF4-FFF2-40B4-BE49-F238E27FC236}">
-                <a16:creationId xmlns:a16="http://schemas.microsoft.com/office/drawing/2014/main" xmlns="" id="{979738F9-D04A-4A0F-B9F2-F6D45FCF8A58}"/>
+                <a16:creationId xmlns="" xmlns:a16="http://schemas.microsoft.com/office/drawing/2014/main" id="{979738F9-D04A-4A0F-B9F2-F6D45FCF8A58}"/>
               </a:ext>
             </a:extLst>
           </p:cNvPr>
@@ -10078,7 +10404,7 @@
           <p:cNvPr id="30" name="Shape">
             <a:extLst>
               <a:ext uri="{FF2B5EF4-FFF2-40B4-BE49-F238E27FC236}">
-                <a16:creationId xmlns:a16="http://schemas.microsoft.com/office/drawing/2014/main" xmlns="" id="{5795B015-7515-4008-AA0E-F3AD94C14D97}"/>
+                <a16:creationId xmlns="" xmlns:a16="http://schemas.microsoft.com/office/drawing/2014/main" id="{5795B015-7515-4008-AA0E-F3AD94C14D97}"/>
               </a:ext>
             </a:extLst>
           </p:cNvPr>
@@ -10232,7 +10558,7 @@
           <p:cNvPr id="31" name="Shape">
             <a:extLst>
               <a:ext uri="{FF2B5EF4-FFF2-40B4-BE49-F238E27FC236}">
-                <a16:creationId xmlns:a16="http://schemas.microsoft.com/office/drawing/2014/main" xmlns="" id="{8259CC08-6482-42AC-90BF-CB141375EA9F}"/>
+                <a16:creationId xmlns="" xmlns:a16="http://schemas.microsoft.com/office/drawing/2014/main" id="{8259CC08-6482-42AC-90BF-CB141375EA9F}"/>
               </a:ext>
             </a:extLst>
           </p:cNvPr>
@@ -10383,7 +10709,7 @@
           <p:cNvPr id="32" name="Shape">
             <a:extLst>
               <a:ext uri="{FF2B5EF4-FFF2-40B4-BE49-F238E27FC236}">
-                <a16:creationId xmlns:a16="http://schemas.microsoft.com/office/drawing/2014/main" xmlns="" id="{FCF6255B-71FB-407C-95D6-F77720CA0BEB}"/>
+                <a16:creationId xmlns="" xmlns:a16="http://schemas.microsoft.com/office/drawing/2014/main" id="{FCF6255B-71FB-407C-95D6-F77720CA0BEB}"/>
               </a:ext>
             </a:extLst>
           </p:cNvPr>
@@ -10524,7 +10850,7 @@
           <p:cNvPr id="33" name="Shape">
             <a:extLst>
               <a:ext uri="{FF2B5EF4-FFF2-40B4-BE49-F238E27FC236}">
-                <a16:creationId xmlns:a16="http://schemas.microsoft.com/office/drawing/2014/main" xmlns="" id="{F2D8A16B-195B-403A-9B63-99D00639C038}"/>
+                <a16:creationId xmlns="" xmlns:a16="http://schemas.microsoft.com/office/drawing/2014/main" id="{F2D8A16B-195B-403A-9B63-99D00639C038}"/>
               </a:ext>
             </a:extLst>
           </p:cNvPr>
@@ -10665,7 +10991,7 @@
           <p:cNvPr id="34" name="Shape">
             <a:extLst>
               <a:ext uri="{FF2B5EF4-FFF2-40B4-BE49-F238E27FC236}">
-                <a16:creationId xmlns:a16="http://schemas.microsoft.com/office/drawing/2014/main" xmlns="" id="{280AEDA8-2623-4F7A-BD01-195F9F0A43C4}"/>
+                <a16:creationId xmlns="" xmlns:a16="http://schemas.microsoft.com/office/drawing/2014/main" id="{280AEDA8-2623-4F7A-BD01-195F9F0A43C4}"/>
               </a:ext>
             </a:extLst>
           </p:cNvPr>
@@ -10816,7 +11142,7 @@
           <p:cNvPr id="35" name="Shape">
             <a:extLst>
               <a:ext uri="{FF2B5EF4-FFF2-40B4-BE49-F238E27FC236}">
-                <a16:creationId xmlns:a16="http://schemas.microsoft.com/office/drawing/2014/main" xmlns="" id="{8FEEDCEE-F851-473F-A45A-90E930F69ECC}"/>
+                <a16:creationId xmlns="" xmlns:a16="http://schemas.microsoft.com/office/drawing/2014/main" id="{8FEEDCEE-F851-473F-A45A-90E930F69ECC}"/>
               </a:ext>
             </a:extLst>
           </p:cNvPr>
@@ -10967,7 +11293,7 @@
           <p:cNvPr id="36" name="Shape">
             <a:extLst>
               <a:ext uri="{FF2B5EF4-FFF2-40B4-BE49-F238E27FC236}">
-                <a16:creationId xmlns:a16="http://schemas.microsoft.com/office/drawing/2014/main" xmlns="" id="{46899828-9233-4F21-8A08-1F576F742618}"/>
+                <a16:creationId xmlns="" xmlns:a16="http://schemas.microsoft.com/office/drawing/2014/main" id="{46899828-9233-4F21-8A08-1F576F742618}"/>
               </a:ext>
             </a:extLst>
           </p:cNvPr>
@@ -11118,7 +11444,7 @@
           <p:cNvPr id="37" name="Shape">
             <a:extLst>
               <a:ext uri="{FF2B5EF4-FFF2-40B4-BE49-F238E27FC236}">
-                <a16:creationId xmlns:a16="http://schemas.microsoft.com/office/drawing/2014/main" xmlns="" id="{273CE618-E88A-4A6A-A409-4F686617FA7F}"/>
+                <a16:creationId xmlns="" xmlns:a16="http://schemas.microsoft.com/office/drawing/2014/main" id="{273CE618-E88A-4A6A-A409-4F686617FA7F}"/>
               </a:ext>
             </a:extLst>
           </p:cNvPr>
@@ -11259,7 +11585,7 @@
           <p:cNvPr id="38" name="Shape">
             <a:extLst>
               <a:ext uri="{FF2B5EF4-FFF2-40B4-BE49-F238E27FC236}">
-                <a16:creationId xmlns:a16="http://schemas.microsoft.com/office/drawing/2014/main" xmlns="" id="{0009DFBE-1FF3-4987-B62C-95F6F1C6A8DD}"/>
+                <a16:creationId xmlns="" xmlns:a16="http://schemas.microsoft.com/office/drawing/2014/main" id="{0009DFBE-1FF3-4987-B62C-95F6F1C6A8DD}"/>
               </a:ext>
             </a:extLst>
           </p:cNvPr>
@@ -11400,7 +11726,7 @@
           <p:cNvPr id="39" name="Shape">
             <a:extLst>
               <a:ext uri="{FF2B5EF4-FFF2-40B4-BE49-F238E27FC236}">
-                <a16:creationId xmlns:a16="http://schemas.microsoft.com/office/drawing/2014/main" xmlns="" id="{7BB0EF01-9E1C-4C99-BD5A-DD5B0E82798F}"/>
+                <a16:creationId xmlns="" xmlns:a16="http://schemas.microsoft.com/office/drawing/2014/main" id="{7BB0EF01-9E1C-4C99-BD5A-DD5B0E82798F}"/>
               </a:ext>
             </a:extLst>
           </p:cNvPr>
@@ -11541,7 +11867,7 @@
           <p:cNvPr id="40" name="Shape">
             <a:extLst>
               <a:ext uri="{FF2B5EF4-FFF2-40B4-BE49-F238E27FC236}">
-                <a16:creationId xmlns:a16="http://schemas.microsoft.com/office/drawing/2014/main" xmlns="" id="{B7747532-DB5A-4FE0-90FD-3BEF13B50389}"/>
+                <a16:creationId xmlns="" xmlns:a16="http://schemas.microsoft.com/office/drawing/2014/main" id="{B7747532-DB5A-4FE0-90FD-3BEF13B50389}"/>
               </a:ext>
             </a:extLst>
           </p:cNvPr>
@@ -11634,7 +11960,7 @@
           <p:cNvPr id="41" name="Shape">
             <a:extLst>
               <a:ext uri="{FF2B5EF4-FFF2-40B4-BE49-F238E27FC236}">
-                <a16:creationId xmlns:a16="http://schemas.microsoft.com/office/drawing/2014/main" xmlns="" id="{6F05D766-E778-42EA-A6CC-CD598B3B66DC}"/>
+                <a16:creationId xmlns="" xmlns:a16="http://schemas.microsoft.com/office/drawing/2014/main" id="{6F05D766-E778-42EA-A6CC-CD598B3B66DC}"/>
               </a:ext>
             </a:extLst>
           </p:cNvPr>
@@ -11727,7 +12053,7 @@
           <p:cNvPr id="42" name="Shape">
             <a:extLst>
               <a:ext uri="{FF2B5EF4-FFF2-40B4-BE49-F238E27FC236}">
-                <a16:creationId xmlns:a16="http://schemas.microsoft.com/office/drawing/2014/main" xmlns="" id="{613E8FF8-35AB-42E5-91B8-DB16590CEDDF}"/>
+                <a16:creationId xmlns="" xmlns:a16="http://schemas.microsoft.com/office/drawing/2014/main" id="{613E8FF8-35AB-42E5-91B8-DB16590CEDDF}"/>
               </a:ext>
             </a:extLst>
           </p:cNvPr>
@@ -11820,7 +12146,7 @@
           <p:cNvPr id="43" name="Shape">
             <a:extLst>
               <a:ext uri="{FF2B5EF4-FFF2-40B4-BE49-F238E27FC236}">
-                <a16:creationId xmlns:a16="http://schemas.microsoft.com/office/drawing/2014/main" xmlns="" id="{0275E3CD-FCAC-4306-B4D5-821BDB84E0A4}"/>
+                <a16:creationId xmlns="" xmlns:a16="http://schemas.microsoft.com/office/drawing/2014/main" id="{0275E3CD-FCAC-4306-B4D5-821BDB84E0A4}"/>
               </a:ext>
             </a:extLst>
           </p:cNvPr>
@@ -11913,7 +12239,7 @@
           <p:cNvPr id="44" name="Shape">
             <a:extLst>
               <a:ext uri="{FF2B5EF4-FFF2-40B4-BE49-F238E27FC236}">
-                <a16:creationId xmlns:a16="http://schemas.microsoft.com/office/drawing/2014/main" xmlns="" id="{09116288-9132-43F2-A9F7-EE06697DE756}"/>
+                <a16:creationId xmlns="" xmlns:a16="http://schemas.microsoft.com/office/drawing/2014/main" id="{09116288-9132-43F2-A9F7-EE06697DE756}"/>
               </a:ext>
             </a:extLst>
           </p:cNvPr>
@@ -12054,7 +12380,7 @@
           <p:cNvPr id="45" name="Shape">
             <a:extLst>
               <a:ext uri="{FF2B5EF4-FFF2-40B4-BE49-F238E27FC236}">
-                <a16:creationId xmlns:a16="http://schemas.microsoft.com/office/drawing/2014/main" xmlns="" id="{F3CC8D01-9481-4F86-BE9E-134A6BCB8B9B}"/>
+                <a16:creationId xmlns="" xmlns:a16="http://schemas.microsoft.com/office/drawing/2014/main" id="{F3CC8D01-9481-4F86-BE9E-134A6BCB8B9B}"/>
               </a:ext>
             </a:extLst>
           </p:cNvPr>
@@ -12159,7 +12485,7 @@
           <p:cNvPr id="46" name="Group 45">
             <a:extLst>
               <a:ext uri="{FF2B5EF4-FFF2-40B4-BE49-F238E27FC236}">
-                <a16:creationId xmlns:a16="http://schemas.microsoft.com/office/drawing/2014/main" xmlns="" id="{2DF67139-9D0C-40E9-B3F0-3DEAEE147908}"/>
+                <a16:creationId xmlns="" xmlns:a16="http://schemas.microsoft.com/office/drawing/2014/main" id="{2DF67139-9D0C-40E9-B3F0-3DEAEE147908}"/>
               </a:ext>
             </a:extLst>
           </p:cNvPr>
@@ -12179,7 +12505,7 @@
             <p:cNvPr id="47" name="TextBox 46">
               <a:extLst>
                 <a:ext uri="{FF2B5EF4-FFF2-40B4-BE49-F238E27FC236}">
-                  <a16:creationId xmlns:a16="http://schemas.microsoft.com/office/drawing/2014/main" xmlns="" id="{A6899D07-633D-477C-9546-E8B459FBE027}"/>
+                  <a16:creationId xmlns="" xmlns:a16="http://schemas.microsoft.com/office/drawing/2014/main" id="{A6899D07-633D-477C-9546-E8B459FBE027}"/>
                 </a:ext>
               </a:extLst>
             </p:cNvPr>
@@ -12215,7 +12541,7 @@
             <p:cNvPr id="48" name="TextBox 47">
               <a:extLst>
                 <a:ext uri="{FF2B5EF4-FFF2-40B4-BE49-F238E27FC236}">
-                  <a16:creationId xmlns:a16="http://schemas.microsoft.com/office/drawing/2014/main" xmlns="" id="{5CD447DC-FB21-4C3C-B714-EF97737E7CFE}"/>
+                  <a16:creationId xmlns="" xmlns:a16="http://schemas.microsoft.com/office/drawing/2014/main" id="{5CD447DC-FB21-4C3C-B714-EF97737E7CFE}"/>
                 </a:ext>
               </a:extLst>
             </p:cNvPr>
@@ -12366,7 +12692,7 @@
           <p:cNvPr id="56" name="Title 1">
             <a:extLst>
               <a:ext uri="{FF2B5EF4-FFF2-40B4-BE49-F238E27FC236}">
-                <a16:creationId xmlns:a16="http://schemas.microsoft.com/office/drawing/2014/main" xmlns="" id="{2C2BFAE1-45D3-4B3B-81D2-0BF25FA84FB8}"/>
+                <a16:creationId xmlns="" xmlns:a16="http://schemas.microsoft.com/office/drawing/2014/main" id="{2C2BFAE1-45D3-4B3B-81D2-0BF25FA84FB8}"/>
               </a:ext>
             </a:extLst>
           </p:cNvPr>
@@ -12400,7 +12726,7 @@
           <p:cNvPr id="57" name="Shape">
             <a:extLst>
               <a:ext uri="{FF2B5EF4-FFF2-40B4-BE49-F238E27FC236}">
-                <a16:creationId xmlns:a16="http://schemas.microsoft.com/office/drawing/2014/main" xmlns="" id="{1595D0F9-39B9-4336-BA2E-C28EA2B87853}"/>
+                <a16:creationId xmlns="" xmlns:a16="http://schemas.microsoft.com/office/drawing/2014/main" id="{1595D0F9-39B9-4336-BA2E-C28EA2B87853}"/>
               </a:ext>
             </a:extLst>
           </p:cNvPr>
@@ -12581,7 +12907,7 @@
           <p:cNvPr id="58" name="Shape">
             <a:extLst>
               <a:ext uri="{FF2B5EF4-FFF2-40B4-BE49-F238E27FC236}">
-                <a16:creationId xmlns:a16="http://schemas.microsoft.com/office/drawing/2014/main" xmlns="" id="{6F32980E-C6CE-41B8-8CB6-A0E26CCFF79B}"/>
+                <a16:creationId xmlns="" xmlns:a16="http://schemas.microsoft.com/office/drawing/2014/main" id="{6F32980E-C6CE-41B8-8CB6-A0E26CCFF79B}"/>
               </a:ext>
             </a:extLst>
           </p:cNvPr>
@@ -12729,7 +13055,7 @@
           <p:cNvPr id="59" name="Shape">
             <a:extLst>
               <a:ext uri="{FF2B5EF4-FFF2-40B4-BE49-F238E27FC236}">
-                <a16:creationId xmlns:a16="http://schemas.microsoft.com/office/drawing/2014/main" xmlns="" id="{0BB77A23-0C8B-4D82-A03B-6840D40E4A43}"/>
+                <a16:creationId xmlns="" xmlns:a16="http://schemas.microsoft.com/office/drawing/2014/main" id="{0BB77A23-0C8B-4D82-A03B-6840D40E4A43}"/>
               </a:ext>
             </a:extLst>
           </p:cNvPr>
@@ -12877,7 +13203,7 @@
           <p:cNvPr id="60" name="Shape">
             <a:extLst>
               <a:ext uri="{FF2B5EF4-FFF2-40B4-BE49-F238E27FC236}">
-                <a16:creationId xmlns:a16="http://schemas.microsoft.com/office/drawing/2014/main" xmlns="" id="{FA6B88C6-91A1-48F6-9C2D-03DEE619B6B3}"/>
+                <a16:creationId xmlns="" xmlns:a16="http://schemas.microsoft.com/office/drawing/2014/main" id="{FA6B88C6-91A1-48F6-9C2D-03DEE619B6B3}"/>
               </a:ext>
             </a:extLst>
           </p:cNvPr>
@@ -13025,7 +13351,7 @@
           <p:cNvPr id="61" name="Shape">
             <a:extLst>
               <a:ext uri="{FF2B5EF4-FFF2-40B4-BE49-F238E27FC236}">
-                <a16:creationId xmlns:a16="http://schemas.microsoft.com/office/drawing/2014/main" xmlns="" id="{71E4FD2A-7B04-43BC-8453-6E1CC6C4CFA4}"/>
+                <a16:creationId xmlns="" xmlns:a16="http://schemas.microsoft.com/office/drawing/2014/main" id="{71E4FD2A-7B04-43BC-8453-6E1CC6C4CFA4}"/>
               </a:ext>
             </a:extLst>
           </p:cNvPr>
@@ -13173,7 +13499,7 @@
           <p:cNvPr id="62" name="Shape">
             <a:extLst>
               <a:ext uri="{FF2B5EF4-FFF2-40B4-BE49-F238E27FC236}">
-                <a16:creationId xmlns:a16="http://schemas.microsoft.com/office/drawing/2014/main" xmlns="" id="{7EBAB173-60FE-43FC-9875-5D0D928CCA02}"/>
+                <a16:creationId xmlns="" xmlns:a16="http://schemas.microsoft.com/office/drawing/2014/main" id="{7EBAB173-60FE-43FC-9875-5D0D928CCA02}"/>
               </a:ext>
             </a:extLst>
           </p:cNvPr>
@@ -13321,7 +13647,7 @@
           <p:cNvPr id="63" name="Shape">
             <a:extLst>
               <a:ext uri="{FF2B5EF4-FFF2-40B4-BE49-F238E27FC236}">
-                <a16:creationId xmlns:a16="http://schemas.microsoft.com/office/drawing/2014/main" xmlns="" id="{D48F5590-9170-4213-80B6-8E65E3D0C3DF}"/>
+                <a16:creationId xmlns="" xmlns:a16="http://schemas.microsoft.com/office/drawing/2014/main" id="{D48F5590-9170-4213-80B6-8E65E3D0C3DF}"/>
               </a:ext>
             </a:extLst>
           </p:cNvPr>
@@ -13433,7 +13759,7 @@
           <p:cNvPr id="64" name="Shape">
             <a:extLst>
               <a:ext uri="{FF2B5EF4-FFF2-40B4-BE49-F238E27FC236}">
-                <a16:creationId xmlns:a16="http://schemas.microsoft.com/office/drawing/2014/main" xmlns="" id="{647E7932-B829-46D0-B63C-E810106470C9}"/>
+                <a16:creationId xmlns="" xmlns:a16="http://schemas.microsoft.com/office/drawing/2014/main" id="{647E7932-B829-46D0-B63C-E810106470C9}"/>
               </a:ext>
             </a:extLst>
           </p:cNvPr>
@@ -13545,7 +13871,7 @@
           <p:cNvPr id="65" name="Shape">
             <a:extLst>
               <a:ext uri="{FF2B5EF4-FFF2-40B4-BE49-F238E27FC236}">
-                <a16:creationId xmlns:a16="http://schemas.microsoft.com/office/drawing/2014/main" xmlns="" id="{F6106E11-CF7E-461B-B503-EE4496478ECA}"/>
+                <a16:creationId xmlns="" xmlns:a16="http://schemas.microsoft.com/office/drawing/2014/main" id="{F6106E11-CF7E-461B-B503-EE4496478ECA}"/>
               </a:ext>
             </a:extLst>
           </p:cNvPr>
@@ -13657,7 +13983,7 @@
           <p:cNvPr id="66" name="Shape">
             <a:extLst>
               <a:ext uri="{FF2B5EF4-FFF2-40B4-BE49-F238E27FC236}">
-                <a16:creationId xmlns:a16="http://schemas.microsoft.com/office/drawing/2014/main" xmlns="" id="{2FA21DF4-44A2-45AE-86A9-66A6EB611F6C}"/>
+                <a16:creationId xmlns="" xmlns:a16="http://schemas.microsoft.com/office/drawing/2014/main" id="{2FA21DF4-44A2-45AE-86A9-66A6EB611F6C}"/>
               </a:ext>
             </a:extLst>
           </p:cNvPr>
@@ -13769,7 +14095,7 @@
           <p:cNvPr id="67" name="TextBox 66">
             <a:extLst>
               <a:ext uri="{FF2B5EF4-FFF2-40B4-BE49-F238E27FC236}">
-                <a16:creationId xmlns:a16="http://schemas.microsoft.com/office/drawing/2014/main" xmlns="" id="{BE309DD2-9202-4A78-960B-926C74056B45}"/>
+                <a16:creationId xmlns="" xmlns:a16="http://schemas.microsoft.com/office/drawing/2014/main" id="{BE309DD2-9202-4A78-960B-926C74056B45}"/>
               </a:ext>
             </a:extLst>
           </p:cNvPr>
@@ -13812,7 +14138,7 @@
           <p:cNvPr id="68" name="Graphic 39" descr="Bullseye with solid fill">
             <a:extLst>
               <a:ext uri="{FF2B5EF4-FFF2-40B4-BE49-F238E27FC236}">
-                <a16:creationId xmlns:a16="http://schemas.microsoft.com/office/drawing/2014/main" xmlns="" id="{62A12810-A92B-42C9-AB62-67B984E8442A}"/>
+                <a16:creationId xmlns="" xmlns:a16="http://schemas.microsoft.com/office/drawing/2014/main" id="{62A12810-A92B-42C9-AB62-67B984E8442A}"/>
               </a:ext>
             </a:extLst>
           </p:cNvPr>
@@ -13828,7 +14154,7 @@
                 <a14:useLocalDpi xmlns:a14="http://schemas.microsoft.com/office/drawing/2010/main" val="0"/>
               </a:ext>
               <a:ext uri="{96DAC541-7B7A-43D3-8B79-37D633B846F1}">
-                <asvg:svgBlip xmlns:asvg="http://schemas.microsoft.com/office/drawing/2016/SVG/main" xmlns="" r:embed="rId4"/>
+                <asvg:svgBlip xmlns="" xmlns:asvg="http://schemas.microsoft.com/office/drawing/2016/SVG/main" r:embed="rId4"/>
               </a:ext>
             </a:extLst>
           </a:blip>
@@ -13851,7 +14177,7 @@
           <p:cNvPr id="69" name="Graphic 40" descr="Gears with solid fill">
             <a:extLst>
               <a:ext uri="{FF2B5EF4-FFF2-40B4-BE49-F238E27FC236}">
-                <a16:creationId xmlns:a16="http://schemas.microsoft.com/office/drawing/2014/main" xmlns="" id="{AA92951C-8459-45C7-B93D-78E4E91BDFD7}"/>
+                <a16:creationId xmlns="" xmlns:a16="http://schemas.microsoft.com/office/drawing/2014/main" id="{AA92951C-8459-45C7-B93D-78E4E91BDFD7}"/>
               </a:ext>
             </a:extLst>
           </p:cNvPr>
@@ -13867,7 +14193,7 @@
                 <a14:useLocalDpi xmlns:a14="http://schemas.microsoft.com/office/drawing/2010/main" val="0"/>
               </a:ext>
               <a:ext uri="{96DAC541-7B7A-43D3-8B79-37D633B846F1}">
-                <asvg:svgBlip xmlns:asvg="http://schemas.microsoft.com/office/drawing/2016/SVG/main" xmlns="" r:embed="rId6"/>
+                <asvg:svgBlip xmlns="" xmlns:asvg="http://schemas.microsoft.com/office/drawing/2016/SVG/main" r:embed="rId6"/>
               </a:ext>
             </a:extLst>
           </a:blip>
@@ -13890,7 +14216,7 @@
           <p:cNvPr id="70" name="Graphic 41" descr="Hourglass 30% with solid fill">
             <a:extLst>
               <a:ext uri="{FF2B5EF4-FFF2-40B4-BE49-F238E27FC236}">
-                <a16:creationId xmlns:a16="http://schemas.microsoft.com/office/drawing/2014/main" xmlns="" id="{280A909D-177A-4EBB-9669-2E751867A9DA}"/>
+                <a16:creationId xmlns="" xmlns:a16="http://schemas.microsoft.com/office/drawing/2014/main" id="{280A909D-177A-4EBB-9669-2E751867A9DA}"/>
               </a:ext>
             </a:extLst>
           </p:cNvPr>
@@ -13906,7 +14232,7 @@
                 <a14:useLocalDpi xmlns:a14="http://schemas.microsoft.com/office/drawing/2010/main" val="0"/>
               </a:ext>
               <a:ext uri="{96DAC541-7B7A-43D3-8B79-37D633B846F1}">
-                <asvg:svgBlip xmlns:asvg="http://schemas.microsoft.com/office/drawing/2016/SVG/main" xmlns="" r:embed="rId8"/>
+                <asvg:svgBlip xmlns="" xmlns:asvg="http://schemas.microsoft.com/office/drawing/2016/SVG/main" r:embed="rId8"/>
               </a:ext>
             </a:extLst>
           </a:blip>
@@ -13929,7 +14255,7 @@
           <p:cNvPr id="71" name="Graphic 42" descr="Lightbulb with solid fill">
             <a:extLst>
               <a:ext uri="{FF2B5EF4-FFF2-40B4-BE49-F238E27FC236}">
-                <a16:creationId xmlns:a16="http://schemas.microsoft.com/office/drawing/2014/main" xmlns="" id="{90BFCA62-4BC2-481B-A2DB-A2AEEB8B96BC}"/>
+                <a16:creationId xmlns="" xmlns:a16="http://schemas.microsoft.com/office/drawing/2014/main" id="{90BFCA62-4BC2-481B-A2DB-A2AEEB8B96BC}"/>
               </a:ext>
             </a:extLst>
           </p:cNvPr>
@@ -13945,7 +14271,7 @@
                 <a14:useLocalDpi xmlns:a14="http://schemas.microsoft.com/office/drawing/2010/main" val="0"/>
               </a:ext>
               <a:ext uri="{96DAC541-7B7A-43D3-8B79-37D633B846F1}">
-                <asvg:svgBlip xmlns:asvg="http://schemas.microsoft.com/office/drawing/2016/SVG/main" xmlns="" r:embed="rId10"/>
+                <asvg:svgBlip xmlns="" xmlns:asvg="http://schemas.microsoft.com/office/drawing/2016/SVG/main" r:embed="rId10"/>
               </a:ext>
             </a:extLst>
           </a:blip>
@@ -13968,7 +14294,7 @@
           <p:cNvPr id="72" name="Graphic 43" descr="Research with solid fill">
             <a:extLst>
               <a:ext uri="{FF2B5EF4-FFF2-40B4-BE49-F238E27FC236}">
-                <a16:creationId xmlns:a16="http://schemas.microsoft.com/office/drawing/2014/main" xmlns="" id="{8FC430B2-0B13-4684-9726-796FDE4BD64B}"/>
+                <a16:creationId xmlns="" xmlns:a16="http://schemas.microsoft.com/office/drawing/2014/main" id="{8FC430B2-0B13-4684-9726-796FDE4BD64B}"/>
               </a:ext>
             </a:extLst>
           </p:cNvPr>
@@ -13984,7 +14310,7 @@
                 <a14:useLocalDpi xmlns:a14="http://schemas.microsoft.com/office/drawing/2010/main" val="0"/>
               </a:ext>
               <a:ext uri="{96DAC541-7B7A-43D3-8B79-37D633B846F1}">
-                <asvg:svgBlip xmlns:asvg="http://schemas.microsoft.com/office/drawing/2016/SVG/main" xmlns="" r:embed="rId12"/>
+                <asvg:svgBlip xmlns="" xmlns:asvg="http://schemas.microsoft.com/office/drawing/2016/SVG/main" r:embed="rId12"/>
               </a:ext>
             </a:extLst>
           </a:blip>
@@ -14014,7 +14340,7 @@
           <p:cNvPr id="73" name="Freeform: Shape 44">
             <a:extLst>
               <a:ext uri="{FF2B5EF4-FFF2-40B4-BE49-F238E27FC236}">
-                <a16:creationId xmlns:a16="http://schemas.microsoft.com/office/drawing/2014/main" xmlns="" id="{3F88B5A4-F606-420F-A310-C285C9699173}"/>
+                <a16:creationId xmlns="" xmlns:a16="http://schemas.microsoft.com/office/drawing/2014/main" id="{3F88B5A4-F606-420F-A310-C285C9699173}"/>
               </a:ext>
             </a:extLst>
           </p:cNvPr>
@@ -14135,7 +14461,7 @@
           <p:cNvPr id="75" name="Freeform: Shape 45">
             <a:extLst>
               <a:ext uri="{FF2B5EF4-FFF2-40B4-BE49-F238E27FC236}">
-                <a16:creationId xmlns:a16="http://schemas.microsoft.com/office/drawing/2014/main" xmlns="" id="{AC3E214B-FD0D-404D-95F5-D1A591F10556}"/>
+                <a16:creationId xmlns="" xmlns:a16="http://schemas.microsoft.com/office/drawing/2014/main" id="{AC3E214B-FD0D-404D-95F5-D1A591F10556}"/>
               </a:ext>
             </a:extLst>
           </p:cNvPr>
@@ -14266,7 +14592,7 @@
           <p:cNvPr id="76" name="Freeform: Shape 46">
             <a:extLst>
               <a:ext uri="{FF2B5EF4-FFF2-40B4-BE49-F238E27FC236}">
-                <a16:creationId xmlns:a16="http://schemas.microsoft.com/office/drawing/2014/main" xmlns="" id="{2887C4BB-B536-4D9C-89CE-F977C65300E7}"/>
+                <a16:creationId xmlns="" xmlns:a16="http://schemas.microsoft.com/office/drawing/2014/main" id="{2887C4BB-B536-4D9C-89CE-F977C65300E7}"/>
               </a:ext>
             </a:extLst>
           </p:cNvPr>
@@ -14397,7 +14723,7 @@
           <p:cNvPr id="78" name="Freeform: Shape 47">
             <a:extLst>
               <a:ext uri="{FF2B5EF4-FFF2-40B4-BE49-F238E27FC236}">
-                <a16:creationId xmlns:a16="http://schemas.microsoft.com/office/drawing/2014/main" xmlns="" id="{AFBC3B63-3A39-4E16-8B82-957B0A0C81C5}"/>
+                <a16:creationId xmlns="" xmlns:a16="http://schemas.microsoft.com/office/drawing/2014/main" id="{AFBC3B63-3A39-4E16-8B82-957B0A0C81C5}"/>
               </a:ext>
             </a:extLst>
           </p:cNvPr>
@@ -14528,7 +14854,7 @@
           <p:cNvPr id="79" name="Freeform: Shape 48">
             <a:extLst>
               <a:ext uri="{FF2B5EF4-FFF2-40B4-BE49-F238E27FC236}">
-                <a16:creationId xmlns:a16="http://schemas.microsoft.com/office/drawing/2014/main" xmlns="" id="{D0B383AC-5C0E-42E9-B6B3-F0F1E03C7803}"/>
+                <a16:creationId xmlns="" xmlns:a16="http://schemas.microsoft.com/office/drawing/2014/main" id="{D0B383AC-5C0E-42E9-B6B3-F0F1E03C7803}"/>
               </a:ext>
             </a:extLst>
           </p:cNvPr>
@@ -14659,7 +14985,7 @@
           <p:cNvPr id="80" name="Group 79">
             <a:extLst>
               <a:ext uri="{FF2B5EF4-FFF2-40B4-BE49-F238E27FC236}">
-                <a16:creationId xmlns:a16="http://schemas.microsoft.com/office/drawing/2014/main" xmlns="" id="{14702DD2-48B0-47AE-974D-ED68821002A8}"/>
+                <a16:creationId xmlns="" xmlns:a16="http://schemas.microsoft.com/office/drawing/2014/main" id="{14702DD2-48B0-47AE-974D-ED68821002A8}"/>
               </a:ext>
             </a:extLst>
           </p:cNvPr>
@@ -14679,7 +15005,7 @@
             <p:cNvPr id="81" name="TextBox 80">
               <a:extLst>
                 <a:ext uri="{FF2B5EF4-FFF2-40B4-BE49-F238E27FC236}">
-                  <a16:creationId xmlns:a16="http://schemas.microsoft.com/office/drawing/2014/main" xmlns="" id="{F8C9FEBB-6590-4D83-BD7B-1BF063F52BFA}"/>
+                  <a16:creationId xmlns="" xmlns:a16="http://schemas.microsoft.com/office/drawing/2014/main" id="{F8C9FEBB-6590-4D83-BD7B-1BF063F52BFA}"/>
                 </a:ext>
               </a:extLst>
             </p:cNvPr>
@@ -14714,7 +15040,7 @@
             <p:cNvPr id="82" name="TextBox 81">
               <a:extLst>
                 <a:ext uri="{FF2B5EF4-FFF2-40B4-BE49-F238E27FC236}">
-                  <a16:creationId xmlns:a16="http://schemas.microsoft.com/office/drawing/2014/main" xmlns="" id="{97D3A74E-7D89-4100-948A-FBEEAF083F9E}"/>
+                  <a16:creationId xmlns="" xmlns:a16="http://schemas.microsoft.com/office/drawing/2014/main" id="{97D3A74E-7D89-4100-948A-FBEEAF083F9E}"/>
                 </a:ext>
               </a:extLst>
             </p:cNvPr>
@@ -14758,7 +15084,7 @@
           <p:cNvPr id="83" name="Group 82">
             <a:extLst>
               <a:ext uri="{FF2B5EF4-FFF2-40B4-BE49-F238E27FC236}">
-                <a16:creationId xmlns:a16="http://schemas.microsoft.com/office/drawing/2014/main" xmlns="" id="{4F5EF47B-552A-4972-8AE7-8566CA8BFD0F}"/>
+                <a16:creationId xmlns="" xmlns:a16="http://schemas.microsoft.com/office/drawing/2014/main" id="{4F5EF47B-552A-4972-8AE7-8566CA8BFD0F}"/>
               </a:ext>
             </a:extLst>
           </p:cNvPr>
@@ -14778,7 +15104,7 @@
             <p:cNvPr id="84" name="TextBox 83">
               <a:extLst>
                 <a:ext uri="{FF2B5EF4-FFF2-40B4-BE49-F238E27FC236}">
-                  <a16:creationId xmlns:a16="http://schemas.microsoft.com/office/drawing/2014/main" xmlns="" id="{F6AF8A0C-E2E0-4F30-901E-B5D2C67B3574}"/>
+                  <a16:creationId xmlns="" xmlns:a16="http://schemas.microsoft.com/office/drawing/2014/main" id="{F6AF8A0C-E2E0-4F30-901E-B5D2C67B3574}"/>
                 </a:ext>
               </a:extLst>
             </p:cNvPr>
@@ -14813,7 +15139,7 @@
             <p:cNvPr id="85" name="TextBox 84">
               <a:extLst>
                 <a:ext uri="{FF2B5EF4-FFF2-40B4-BE49-F238E27FC236}">
-                  <a16:creationId xmlns:a16="http://schemas.microsoft.com/office/drawing/2014/main" xmlns="" id="{733C523F-6FBE-42C3-91DE-D390494E2687}"/>
+                  <a16:creationId xmlns="" xmlns:a16="http://schemas.microsoft.com/office/drawing/2014/main" id="{733C523F-6FBE-42C3-91DE-D390494E2687}"/>
                 </a:ext>
               </a:extLst>
             </p:cNvPr>
@@ -14857,7 +15183,7 @@
           <p:cNvPr id="87" name="Group 86">
             <a:extLst>
               <a:ext uri="{FF2B5EF4-FFF2-40B4-BE49-F238E27FC236}">
-                <a16:creationId xmlns:a16="http://schemas.microsoft.com/office/drawing/2014/main" xmlns="" id="{9A3E0ADB-7FF7-40FD-B767-A0886F7E16DA}"/>
+                <a16:creationId xmlns="" xmlns:a16="http://schemas.microsoft.com/office/drawing/2014/main" id="{9A3E0ADB-7FF7-40FD-B767-A0886F7E16DA}"/>
               </a:ext>
             </a:extLst>
           </p:cNvPr>
@@ -14877,7 +15203,7 @@
             <p:cNvPr id="89" name="TextBox 88">
               <a:extLst>
                 <a:ext uri="{FF2B5EF4-FFF2-40B4-BE49-F238E27FC236}">
-                  <a16:creationId xmlns:a16="http://schemas.microsoft.com/office/drawing/2014/main" xmlns="" id="{ABA9EB94-D3ED-43E0-AAE6-0BDA66D7D421}"/>
+                  <a16:creationId xmlns="" xmlns:a16="http://schemas.microsoft.com/office/drawing/2014/main" id="{ABA9EB94-D3ED-43E0-AAE6-0BDA66D7D421}"/>
                 </a:ext>
               </a:extLst>
             </p:cNvPr>
@@ -14913,7 +15239,7 @@
             <p:cNvPr id="91" name="TextBox 90">
               <a:extLst>
                 <a:ext uri="{FF2B5EF4-FFF2-40B4-BE49-F238E27FC236}">
-                  <a16:creationId xmlns:a16="http://schemas.microsoft.com/office/drawing/2014/main" xmlns="" id="{BB9CABCE-7148-4CF3-B475-5370D382AEF4}"/>
+                  <a16:creationId xmlns="" xmlns:a16="http://schemas.microsoft.com/office/drawing/2014/main" id="{BB9CABCE-7148-4CF3-B475-5370D382AEF4}"/>
                 </a:ext>
               </a:extLst>
             </p:cNvPr>
@@ -14957,7 +15283,7 @@
           <p:cNvPr id="93" name="Group 92">
             <a:extLst>
               <a:ext uri="{FF2B5EF4-FFF2-40B4-BE49-F238E27FC236}">
-                <a16:creationId xmlns:a16="http://schemas.microsoft.com/office/drawing/2014/main" xmlns="" id="{9AD43968-6E9F-46DF-8F6A-7EA1588FB397}"/>
+                <a16:creationId xmlns="" xmlns:a16="http://schemas.microsoft.com/office/drawing/2014/main" id="{9AD43968-6E9F-46DF-8F6A-7EA1588FB397}"/>
               </a:ext>
             </a:extLst>
           </p:cNvPr>
@@ -14977,7 +15303,7 @@
             <p:cNvPr id="94" name="TextBox 93">
               <a:extLst>
                 <a:ext uri="{FF2B5EF4-FFF2-40B4-BE49-F238E27FC236}">
-                  <a16:creationId xmlns:a16="http://schemas.microsoft.com/office/drawing/2014/main" xmlns="" id="{98BFBADE-17E4-4BBC-90D5-363CC8E1ED6E}"/>
+                  <a16:creationId xmlns="" xmlns:a16="http://schemas.microsoft.com/office/drawing/2014/main" id="{98BFBADE-17E4-4BBC-90D5-363CC8E1ED6E}"/>
                 </a:ext>
               </a:extLst>
             </p:cNvPr>
@@ -15013,7 +15339,7 @@
             <p:cNvPr id="95" name="TextBox 94">
               <a:extLst>
                 <a:ext uri="{FF2B5EF4-FFF2-40B4-BE49-F238E27FC236}">
-                  <a16:creationId xmlns:a16="http://schemas.microsoft.com/office/drawing/2014/main" xmlns="" id="{9E415D89-0464-4266-8373-F772217CE0B6}"/>
+                  <a16:creationId xmlns="" xmlns:a16="http://schemas.microsoft.com/office/drawing/2014/main" id="{9E415D89-0464-4266-8373-F772217CE0B6}"/>
                 </a:ext>
               </a:extLst>
             </p:cNvPr>
@@ -15057,7 +15383,7 @@
           <p:cNvPr id="96" name="Group 95">
             <a:extLst>
               <a:ext uri="{FF2B5EF4-FFF2-40B4-BE49-F238E27FC236}">
-                <a16:creationId xmlns:a16="http://schemas.microsoft.com/office/drawing/2014/main" xmlns="" id="{C8C96806-9F1A-41FB-932C-7E941283663E}"/>
+                <a16:creationId xmlns="" xmlns:a16="http://schemas.microsoft.com/office/drawing/2014/main" id="{C8C96806-9F1A-41FB-932C-7E941283663E}"/>
               </a:ext>
             </a:extLst>
           </p:cNvPr>
@@ -15077,7 +15403,7 @@
             <p:cNvPr id="98" name="TextBox 97">
               <a:extLst>
                 <a:ext uri="{FF2B5EF4-FFF2-40B4-BE49-F238E27FC236}">
-                  <a16:creationId xmlns:a16="http://schemas.microsoft.com/office/drawing/2014/main" xmlns="" id="{BA38B9D6-EAAC-40C4-9B2B-CD3D24422C29}"/>
+                  <a16:creationId xmlns="" xmlns:a16="http://schemas.microsoft.com/office/drawing/2014/main" id="{BA38B9D6-EAAC-40C4-9B2B-CD3D24422C29}"/>
                 </a:ext>
               </a:extLst>
             </p:cNvPr>
@@ -15113,7 +15439,7 @@
             <p:cNvPr id="100" name="TextBox 99">
               <a:extLst>
                 <a:ext uri="{FF2B5EF4-FFF2-40B4-BE49-F238E27FC236}">
-                  <a16:creationId xmlns:a16="http://schemas.microsoft.com/office/drawing/2014/main" xmlns="" id="{96A2C120-25B3-4863-B25B-52DC809390C2}"/>
+                  <a16:creationId xmlns="" xmlns:a16="http://schemas.microsoft.com/office/drawing/2014/main" id="{96A2C120-25B3-4863-B25B-52DC809390C2}"/>
                 </a:ext>
               </a:extLst>
             </p:cNvPr>
@@ -15270,7 +15596,7 @@
           <p:cNvPr id="5" name="Freeform: Shape 60">
             <a:extLst>
               <a:ext uri="{FF2B5EF4-FFF2-40B4-BE49-F238E27FC236}">
-                <a16:creationId xmlns:a16="http://schemas.microsoft.com/office/drawing/2014/main" xmlns="" id="{9F25F077-5DCD-41F4-B28B-67B2E241CC31}"/>
+                <a16:creationId xmlns="" xmlns:a16="http://schemas.microsoft.com/office/drawing/2014/main" id="{9F25F077-5DCD-41F4-B28B-67B2E241CC31}"/>
               </a:ext>
             </a:extLst>
           </p:cNvPr>
@@ -18056,7 +18382,7 @@
           <p:cNvPr id="7" name="Circle">
             <a:extLst>
               <a:ext uri="{FF2B5EF4-FFF2-40B4-BE49-F238E27FC236}">
-                <a16:creationId xmlns:a16="http://schemas.microsoft.com/office/drawing/2014/main" xmlns="" id="{64C9D3EA-8DC6-49D0-BB14-31714400A680}"/>
+                <a16:creationId xmlns="" xmlns:a16="http://schemas.microsoft.com/office/drawing/2014/main" id="{64C9D3EA-8DC6-49D0-BB14-31714400A680}"/>
               </a:ext>
             </a:extLst>
           </p:cNvPr>
@@ -18095,142 +18421,10 @@
       </p:sp>
       <p:sp>
         <p:nvSpPr>
-          <p:cNvPr id="10" name="Circle">
-            <a:extLst>
-              <a:ext uri="{FF2B5EF4-FFF2-40B4-BE49-F238E27FC236}">
-                <a16:creationId xmlns:a16="http://schemas.microsoft.com/office/drawing/2014/main" xmlns="" id="{C251E2BF-336C-4A2F-86BA-410A47013320}"/>
-              </a:ext>
-            </a:extLst>
-          </p:cNvPr>
-          <p:cNvSpPr/>
-          <p:nvPr/>
-        </p:nvSpPr>
-        <p:spPr>
-          <a:xfrm>
-            <a:off x="7865658" y="3224195"/>
-            <a:ext cx="505450" cy="505450"/>
-          </a:xfrm>
-          <a:prstGeom prst="ellipse">
-            <a:avLst/>
-          </a:prstGeom>
-          <a:solidFill>
-            <a:schemeClr val="bg1">
-              <a:lumMod val="95000"/>
-            </a:schemeClr>
-          </a:solidFill>
-          <a:ln w="12700">
-            <a:miter lim="400000"/>
-          </a:ln>
-        </p:spPr>
-        <p:txBody>
-          <a:bodyPr lIns="38100" tIns="38100" rIns="38100" bIns="38100" anchor="ctr"/>
-          <a:lstStyle/>
-          <a:p>
-            <a:pPr>
-              <a:defRPr sz="3000">
-                <a:solidFill>
-                  <a:srgbClr val="FFFFFF"/>
-                </a:solidFill>
-              </a:defRPr>
-            </a:pPr>
-            <a:endParaRPr/>
-          </a:p>
-        </p:txBody>
-      </p:sp>
-      <p:sp>
-        <p:nvSpPr>
-          <p:cNvPr id="12" name="Circle">
-            <a:extLst>
-              <a:ext uri="{FF2B5EF4-FFF2-40B4-BE49-F238E27FC236}">
-                <a16:creationId xmlns:a16="http://schemas.microsoft.com/office/drawing/2014/main" xmlns="" id="{B5643006-4D38-4881-A4E8-2AFC45A67D83}"/>
-              </a:ext>
-            </a:extLst>
-          </p:cNvPr>
-          <p:cNvSpPr/>
-          <p:nvPr/>
-        </p:nvSpPr>
-        <p:spPr>
-          <a:xfrm>
-            <a:off x="5189755" y="5772673"/>
-            <a:ext cx="505450" cy="505450"/>
-          </a:xfrm>
-          <a:prstGeom prst="ellipse">
-            <a:avLst/>
-          </a:prstGeom>
-          <a:solidFill>
-            <a:schemeClr val="bg1">
-              <a:lumMod val="95000"/>
-            </a:schemeClr>
-          </a:solidFill>
-          <a:ln w="12700">
-            <a:miter lim="400000"/>
-          </a:ln>
-        </p:spPr>
-        <p:txBody>
-          <a:bodyPr lIns="38100" tIns="38100" rIns="38100" bIns="38100" anchor="ctr"/>
-          <a:lstStyle/>
-          <a:p>
-            <a:pPr>
-              <a:defRPr sz="3000">
-                <a:solidFill>
-                  <a:srgbClr val="FFFFFF"/>
-                </a:solidFill>
-              </a:defRPr>
-            </a:pPr>
-            <a:endParaRPr/>
-          </a:p>
-        </p:txBody>
-      </p:sp>
-      <p:sp>
-        <p:nvSpPr>
-          <p:cNvPr id="16" name="Circle">
-            <a:extLst>
-              <a:ext uri="{FF2B5EF4-FFF2-40B4-BE49-F238E27FC236}">
-                <a16:creationId xmlns:a16="http://schemas.microsoft.com/office/drawing/2014/main" xmlns="" id="{BF89A7A2-97B3-4293-91A5-36F7D6085BFE}"/>
-              </a:ext>
-            </a:extLst>
-          </p:cNvPr>
-          <p:cNvSpPr/>
-          <p:nvPr/>
-        </p:nvSpPr>
-        <p:spPr>
-          <a:xfrm>
-            <a:off x="3936752" y="2013668"/>
-            <a:ext cx="505450" cy="505450"/>
-          </a:xfrm>
-          <a:prstGeom prst="ellipse">
-            <a:avLst/>
-          </a:prstGeom>
-          <a:solidFill>
-            <a:schemeClr val="bg1">
-              <a:lumMod val="95000"/>
-            </a:schemeClr>
-          </a:solidFill>
-          <a:ln w="12700">
-            <a:miter lim="400000"/>
-          </a:ln>
-        </p:spPr>
-        <p:txBody>
-          <a:bodyPr lIns="38100" tIns="38100" rIns="38100" bIns="38100" anchor="ctr"/>
-          <a:lstStyle/>
-          <a:p>
-            <a:pPr>
-              <a:defRPr sz="3000">
-                <a:solidFill>
-                  <a:srgbClr val="FFFFFF"/>
-                </a:solidFill>
-              </a:defRPr>
-            </a:pPr>
-            <a:endParaRPr/>
-          </a:p>
-        </p:txBody>
-      </p:sp>
-      <p:sp>
-        <p:nvSpPr>
           <p:cNvPr id="17" name="Circle">
             <a:extLst>
               <a:ext uri="{FF2B5EF4-FFF2-40B4-BE49-F238E27FC236}">
-                <a16:creationId xmlns:a16="http://schemas.microsoft.com/office/drawing/2014/main" xmlns="" id="{230A9C15-CA60-40DA-93A0-80D920BF250B}"/>
+                <a16:creationId xmlns="" xmlns:a16="http://schemas.microsoft.com/office/drawing/2014/main" id="{230A9C15-CA60-40DA-93A0-80D920BF250B}"/>
               </a:ext>
             </a:extLst>
           </p:cNvPr>
@@ -18272,7 +18466,7 @@
           <p:cNvPr id="21" name="Group 20">
             <a:extLst>
               <a:ext uri="{FF2B5EF4-FFF2-40B4-BE49-F238E27FC236}">
-                <a16:creationId xmlns:a16="http://schemas.microsoft.com/office/drawing/2014/main" xmlns="" id="{388F9E0A-ED79-4757-8A98-829CDEF74322}"/>
+                <a16:creationId xmlns="" xmlns:a16="http://schemas.microsoft.com/office/drawing/2014/main" id="{388F9E0A-ED79-4757-8A98-829CDEF74322}"/>
               </a:ext>
             </a:extLst>
           </p:cNvPr>
@@ -18292,7 +18486,7 @@
             <p:cNvPr id="22" name="TextBox 21">
               <a:extLst>
                 <a:ext uri="{FF2B5EF4-FFF2-40B4-BE49-F238E27FC236}">
-                  <a16:creationId xmlns:a16="http://schemas.microsoft.com/office/drawing/2014/main" xmlns="" id="{C4CC8EED-0C62-43A0-91A9-47CEB562D6B5}"/>
+                  <a16:creationId xmlns="" xmlns:a16="http://schemas.microsoft.com/office/drawing/2014/main" id="{C4CC8EED-0C62-43A0-91A9-47CEB562D6B5}"/>
                 </a:ext>
               </a:extLst>
             </p:cNvPr>
@@ -18327,7 +18521,7 @@
             <p:cNvPr id="23" name="TextBox 22">
               <a:extLst>
                 <a:ext uri="{FF2B5EF4-FFF2-40B4-BE49-F238E27FC236}">
-                  <a16:creationId xmlns:a16="http://schemas.microsoft.com/office/drawing/2014/main" xmlns="" id="{4EDBD354-7B8C-4F93-A90F-88FF9AA9753B}"/>
+                  <a16:creationId xmlns="" xmlns:a16="http://schemas.microsoft.com/office/drawing/2014/main" id="{4EDBD354-7B8C-4F93-A90F-88FF9AA9753B}"/>
                 </a:ext>
               </a:extLst>
             </p:cNvPr>
@@ -18371,7 +18565,7 @@
           <p:cNvPr id="33" name="Group 32">
             <a:extLst>
               <a:ext uri="{FF2B5EF4-FFF2-40B4-BE49-F238E27FC236}">
-                <a16:creationId xmlns:a16="http://schemas.microsoft.com/office/drawing/2014/main" xmlns="" id="{D8CF3863-D1C0-43DC-9733-3295F35236EE}"/>
+                <a16:creationId xmlns="" xmlns:a16="http://schemas.microsoft.com/office/drawing/2014/main" id="{D8CF3863-D1C0-43DC-9733-3295F35236EE}"/>
               </a:ext>
             </a:extLst>
           </p:cNvPr>
@@ -18391,7 +18585,7 @@
             <p:cNvPr id="34" name="TextBox 33">
               <a:extLst>
                 <a:ext uri="{FF2B5EF4-FFF2-40B4-BE49-F238E27FC236}">
-                  <a16:creationId xmlns:a16="http://schemas.microsoft.com/office/drawing/2014/main" xmlns="" id="{225B8A87-9FD5-42F1-97F3-2371C83167AD}"/>
+                  <a16:creationId xmlns="" xmlns:a16="http://schemas.microsoft.com/office/drawing/2014/main" id="{225B8A87-9FD5-42F1-97F3-2371C83167AD}"/>
                 </a:ext>
               </a:extLst>
             </p:cNvPr>
@@ -18427,7 +18621,7 @@
             <p:cNvPr id="35" name="TextBox 34">
               <a:extLst>
                 <a:ext uri="{FF2B5EF4-FFF2-40B4-BE49-F238E27FC236}">
-                  <a16:creationId xmlns:a16="http://schemas.microsoft.com/office/drawing/2014/main" xmlns="" id="{3C97DAA4-24F9-4590-89B2-506ABADBD55C}"/>
+                  <a16:creationId xmlns="" xmlns:a16="http://schemas.microsoft.com/office/drawing/2014/main" id="{3C97DAA4-24F9-4590-89B2-506ABADBD55C}"/>
                 </a:ext>
               </a:extLst>
             </p:cNvPr>
@@ -18471,7 +18665,7 @@
           <p:cNvPr id="37" name="Circle">
             <a:extLst>
               <a:ext uri="{FF2B5EF4-FFF2-40B4-BE49-F238E27FC236}">
-                <a16:creationId xmlns:a16="http://schemas.microsoft.com/office/drawing/2014/main" xmlns="" id="{E3DFDC85-E1A5-46DA-8A61-595DEDB11A05}"/>
+                <a16:creationId xmlns="" xmlns:a16="http://schemas.microsoft.com/office/drawing/2014/main" id="{E3DFDC85-E1A5-46DA-8A61-595DEDB11A05}"/>
               </a:ext>
             </a:extLst>
           </p:cNvPr>
@@ -18513,7 +18707,7 @@
           <p:cNvPr id="38" name="Circle">
             <a:extLst>
               <a:ext uri="{FF2B5EF4-FFF2-40B4-BE49-F238E27FC236}">
-                <a16:creationId xmlns:a16="http://schemas.microsoft.com/office/drawing/2014/main" xmlns="" id="{67BCC40C-E07D-4EC0-BA3A-B2CAF87B13E2}"/>
+                <a16:creationId xmlns="" xmlns:a16="http://schemas.microsoft.com/office/drawing/2014/main" id="{67BCC40C-E07D-4EC0-BA3A-B2CAF87B13E2}"/>
               </a:ext>
             </a:extLst>
           </p:cNvPr>
@@ -25034,6 +25228,6538 @@
   <p:cSld>
     <p:spTree>
       <p:nvGrpSpPr>
+        <p:cNvPr id="1" name="Shape 1645"/>
+        <p:cNvGrpSpPr/>
+        <p:nvPr/>
+      </p:nvGrpSpPr>
+      <p:grpSpPr>
+        <a:xfrm>
+          <a:off x="0" y="0"/>
+          <a:ext cx="0" cy="0"/>
+          <a:chOff x="0" y="0"/>
+          <a:chExt cx="0" cy="0"/>
+        </a:xfrm>
+      </p:grpSpPr>
+      <p:sp>
+        <p:nvSpPr>
+          <p:cNvPr id="46" name="Rectangle 45"/>
+          <p:cNvSpPr/>
+          <p:nvPr/>
+        </p:nvSpPr>
+        <p:spPr>
+          <a:xfrm>
+            <a:off x="260803" y="238198"/>
+            <a:ext cx="11670384" cy="6363092"/>
+          </a:xfrm>
+          <a:prstGeom prst="rect">
+            <a:avLst/>
+          </a:prstGeom>
+          <a:noFill/>
+          <a:ln w="19050">
+            <a:solidFill>
+              <a:schemeClr val="tx1"/>
+            </a:solidFill>
+          </a:ln>
+        </p:spPr>
+        <p:style>
+          <a:lnRef idx="2">
+            <a:schemeClr val="accent1">
+              <a:shade val="50000"/>
+            </a:schemeClr>
+          </a:lnRef>
+          <a:fillRef idx="1">
+            <a:schemeClr val="accent1"/>
+          </a:fillRef>
+          <a:effectRef idx="0">
+            <a:schemeClr val="accent1"/>
+          </a:effectRef>
+          <a:fontRef idx="minor">
+            <a:schemeClr val="lt1"/>
+          </a:fontRef>
+        </p:style>
+        <p:txBody>
+          <a:bodyPr rtlCol="0" anchor="ctr"/>
+          <a:lstStyle/>
+          <a:p>
+            <a:pPr algn="ctr"/>
+            <a:endParaRPr lang="en-IN"/>
+          </a:p>
+        </p:txBody>
+      </p:sp>
+      <p:grpSp>
+        <p:nvGrpSpPr>
+          <p:cNvPr id="1646" name="Google Shape;1646;p42"/>
+          <p:cNvGrpSpPr/>
+          <p:nvPr/>
+        </p:nvGrpSpPr>
+        <p:grpSpPr>
+          <a:xfrm>
+            <a:off x="1089292" y="4155399"/>
+            <a:ext cx="1912400" cy="1301184"/>
+            <a:chOff x="543013" y="3588675"/>
+            <a:chExt cx="1434300" cy="975888"/>
+          </a:xfrm>
+        </p:grpSpPr>
+        <p:sp>
+          <p:nvSpPr>
+            <p:cNvPr id="1647" name="Google Shape;1647;p42"/>
+            <p:cNvSpPr txBox="1"/>
+            <p:nvPr/>
+          </p:nvSpPr>
+          <p:spPr>
+            <a:xfrm>
+              <a:off x="543013" y="4045863"/>
+              <a:ext cx="1434300" cy="518700"/>
+            </a:xfrm>
+            <a:prstGeom prst="rect">
+              <a:avLst/>
+            </a:prstGeom>
+            <a:noFill/>
+            <a:ln>
+              <a:noFill/>
+            </a:ln>
+          </p:spPr>
+          <p:txBody>
+            <a:bodyPr spcFirstLastPara="1" wrap="square" lIns="121900" tIns="121900" rIns="121900" bIns="121900" anchor="ctr" anchorCtr="0">
+              <a:noAutofit/>
+            </a:bodyPr>
+            <a:lstStyle/>
+            <a:p>
+              <a:r>
+                <a:rPr lang="en" sz="1333">
+                  <a:solidFill>
+                    <a:srgbClr val="000000"/>
+                  </a:solidFill>
+                  <a:latin typeface="Roboto"/>
+                  <a:ea typeface="Roboto"/>
+                  <a:cs typeface="Roboto"/>
+                  <a:sym typeface="Roboto"/>
+                </a:rPr>
+                <a:t>Neptune is the farthest planet. It’s the fourth-largest</a:t>
+              </a:r>
+              <a:endParaRPr sz="1333">
+                <a:solidFill>
+                  <a:srgbClr val="000000"/>
+                </a:solidFill>
+                <a:latin typeface="Roboto"/>
+                <a:ea typeface="Roboto"/>
+                <a:cs typeface="Roboto"/>
+                <a:sym typeface="Roboto"/>
+              </a:endParaRPr>
+            </a:p>
+          </p:txBody>
+        </p:sp>
+        <p:sp>
+          <p:nvSpPr>
+            <p:cNvPr id="1648" name="Google Shape;1648;p42"/>
+            <p:cNvSpPr txBox="1"/>
+            <p:nvPr/>
+          </p:nvSpPr>
+          <p:spPr>
+            <a:xfrm>
+              <a:off x="543024" y="3588675"/>
+              <a:ext cx="667741" cy="381000"/>
+            </a:xfrm>
+            <a:prstGeom prst="rect">
+              <a:avLst/>
+            </a:prstGeom>
+            <a:noFill/>
+            <a:ln>
+              <a:noFill/>
+            </a:ln>
+          </p:spPr>
+          <p:txBody>
+            <a:bodyPr spcFirstLastPara="1" wrap="square" lIns="121900" tIns="121900" rIns="121900" bIns="121900" anchor="t" anchorCtr="0">
+              <a:noAutofit/>
+            </a:bodyPr>
+            <a:lstStyle/>
+            <a:p>
+              <a:r>
+                <a:rPr lang="en" sz="3467" b="1" dirty="0" smtClean="0">
+                  <a:solidFill>
+                    <a:schemeClr val="accent1"/>
+                  </a:solidFill>
+                  <a:latin typeface="Fira Sans Extra Condensed"/>
+                  <a:ea typeface="Fira Sans Extra Condensed"/>
+                  <a:cs typeface="Fira Sans Extra Condensed"/>
+                  <a:sym typeface="Fira Sans Extra Condensed"/>
+                </a:rPr>
+                <a:t>01</a:t>
+              </a:r>
+              <a:endParaRPr sz="3467" b="1" dirty="0">
+                <a:solidFill>
+                  <a:schemeClr val="accent1"/>
+                </a:solidFill>
+                <a:latin typeface="Fira Sans Extra Condensed"/>
+                <a:ea typeface="Fira Sans Extra Condensed"/>
+                <a:cs typeface="Fira Sans Extra Condensed"/>
+                <a:sym typeface="Fira Sans Extra Condensed"/>
+              </a:endParaRPr>
+            </a:p>
+          </p:txBody>
+        </p:sp>
+      </p:grpSp>
+      <p:grpSp>
+        <p:nvGrpSpPr>
+          <p:cNvPr id="1649" name="Google Shape;1649;p42"/>
+          <p:cNvGrpSpPr/>
+          <p:nvPr/>
+        </p:nvGrpSpPr>
+        <p:grpSpPr>
+          <a:xfrm>
+            <a:off x="3072123" y="4155400"/>
+            <a:ext cx="1912400" cy="1294833"/>
+            <a:chOff x="1990604" y="3588675"/>
+            <a:chExt cx="1434300" cy="971125"/>
+          </a:xfrm>
+        </p:grpSpPr>
+        <p:sp>
+          <p:nvSpPr>
+            <p:cNvPr id="1650" name="Google Shape;1650;p42"/>
+            <p:cNvSpPr txBox="1"/>
+            <p:nvPr/>
+          </p:nvSpPr>
+          <p:spPr>
+            <a:xfrm>
+              <a:off x="1990604" y="4041100"/>
+              <a:ext cx="1434300" cy="518700"/>
+            </a:xfrm>
+            <a:prstGeom prst="rect">
+              <a:avLst/>
+            </a:prstGeom>
+            <a:noFill/>
+            <a:ln>
+              <a:noFill/>
+            </a:ln>
+          </p:spPr>
+          <p:txBody>
+            <a:bodyPr spcFirstLastPara="1" wrap="square" lIns="121900" tIns="121900" rIns="121900" bIns="121900" anchor="ctr" anchorCtr="0">
+              <a:noAutofit/>
+            </a:bodyPr>
+            <a:lstStyle/>
+            <a:p>
+              <a:r>
+                <a:rPr lang="en" sz="1333">
+                  <a:solidFill>
+                    <a:srgbClr val="000000"/>
+                  </a:solidFill>
+                  <a:latin typeface="Roboto"/>
+                  <a:ea typeface="Roboto"/>
+                  <a:cs typeface="Roboto"/>
+                  <a:sym typeface="Roboto"/>
+                </a:rPr>
+                <a:t>Mercury is the closest planet and the smallest one</a:t>
+              </a:r>
+              <a:endParaRPr sz="1333">
+                <a:solidFill>
+                  <a:srgbClr val="000000"/>
+                </a:solidFill>
+                <a:latin typeface="Roboto"/>
+                <a:ea typeface="Roboto"/>
+                <a:cs typeface="Roboto"/>
+                <a:sym typeface="Roboto"/>
+              </a:endParaRPr>
+            </a:p>
+          </p:txBody>
+        </p:sp>
+        <p:sp>
+          <p:nvSpPr>
+            <p:cNvPr id="1651" name="Google Shape;1651;p42"/>
+            <p:cNvSpPr txBox="1"/>
+            <p:nvPr/>
+          </p:nvSpPr>
+          <p:spPr>
+            <a:xfrm>
+              <a:off x="1990613" y="3588675"/>
+              <a:ext cx="647294" cy="381000"/>
+            </a:xfrm>
+            <a:prstGeom prst="rect">
+              <a:avLst/>
+            </a:prstGeom>
+            <a:noFill/>
+            <a:ln>
+              <a:noFill/>
+            </a:ln>
+          </p:spPr>
+          <p:txBody>
+            <a:bodyPr spcFirstLastPara="1" wrap="square" lIns="121900" tIns="121900" rIns="121900" bIns="121900" anchor="t" anchorCtr="0">
+              <a:noAutofit/>
+            </a:bodyPr>
+            <a:lstStyle/>
+            <a:p>
+              <a:r>
+                <a:rPr lang="en" sz="3467" b="1" dirty="0">
+                  <a:solidFill>
+                    <a:schemeClr val="accent2"/>
+                  </a:solidFill>
+                  <a:latin typeface="Fira Sans Extra Condensed"/>
+                  <a:ea typeface="Fira Sans Extra Condensed"/>
+                  <a:cs typeface="Fira Sans Extra Condensed"/>
+                  <a:sym typeface="Fira Sans Extra Condensed"/>
+                </a:rPr>
+                <a:t>02</a:t>
+              </a:r>
+              <a:endParaRPr sz="3467" b="1" dirty="0">
+                <a:solidFill>
+                  <a:schemeClr val="accent2"/>
+                </a:solidFill>
+                <a:latin typeface="Fira Sans Extra Condensed"/>
+                <a:ea typeface="Fira Sans Extra Condensed"/>
+                <a:cs typeface="Fira Sans Extra Condensed"/>
+                <a:sym typeface="Fira Sans Extra Condensed"/>
+              </a:endParaRPr>
+            </a:p>
+          </p:txBody>
+        </p:sp>
+      </p:grpSp>
+      <p:grpSp>
+        <p:nvGrpSpPr>
+          <p:cNvPr id="1652" name="Google Shape;1652;p42"/>
+          <p:cNvGrpSpPr/>
+          <p:nvPr/>
+        </p:nvGrpSpPr>
+        <p:grpSpPr>
+          <a:xfrm>
+            <a:off x="5054954" y="4155399"/>
+            <a:ext cx="1912400" cy="1301184"/>
+            <a:chOff x="3452746" y="3588675"/>
+            <a:chExt cx="1434300" cy="975888"/>
+          </a:xfrm>
+        </p:grpSpPr>
+        <p:sp>
+          <p:nvSpPr>
+            <p:cNvPr id="1653" name="Google Shape;1653;p42"/>
+            <p:cNvSpPr txBox="1"/>
+            <p:nvPr/>
+          </p:nvSpPr>
+          <p:spPr>
+            <a:xfrm>
+              <a:off x="3452746" y="4045863"/>
+              <a:ext cx="1434300" cy="518700"/>
+            </a:xfrm>
+            <a:prstGeom prst="rect">
+              <a:avLst/>
+            </a:prstGeom>
+            <a:noFill/>
+            <a:ln>
+              <a:noFill/>
+            </a:ln>
+          </p:spPr>
+          <p:txBody>
+            <a:bodyPr spcFirstLastPara="1" wrap="square" lIns="121900" tIns="121900" rIns="121900" bIns="121900" anchor="ctr" anchorCtr="0">
+              <a:noAutofit/>
+            </a:bodyPr>
+            <a:lstStyle/>
+            <a:p>
+              <a:r>
+                <a:rPr lang="en" sz="1333">
+                  <a:solidFill>
+                    <a:srgbClr val="000000"/>
+                  </a:solidFill>
+                  <a:latin typeface="Roboto"/>
+                  <a:ea typeface="Roboto"/>
+                  <a:cs typeface="Roboto"/>
+                  <a:sym typeface="Roboto"/>
+                </a:rPr>
+                <a:t>Jupiter is a gas giant</a:t>
+              </a:r>
+              <a:br>
+                <a:rPr lang="en" sz="1333">
+                  <a:solidFill>
+                    <a:srgbClr val="000000"/>
+                  </a:solidFill>
+                  <a:latin typeface="Roboto"/>
+                  <a:ea typeface="Roboto"/>
+                  <a:cs typeface="Roboto"/>
+                  <a:sym typeface="Roboto"/>
+                </a:rPr>
+              </a:br>
+              <a:r>
+                <a:rPr lang="en" sz="1333">
+                  <a:solidFill>
+                    <a:srgbClr val="000000"/>
+                  </a:solidFill>
+                  <a:latin typeface="Roboto"/>
+                  <a:ea typeface="Roboto"/>
+                  <a:cs typeface="Roboto"/>
+                  <a:sym typeface="Roboto"/>
+                </a:rPr>
+                <a:t>and the biggest planet</a:t>
+              </a:r>
+              <a:r>
+                <a:rPr lang="en" sz="1333">
+                  <a:latin typeface="Roboto"/>
+                  <a:ea typeface="Roboto"/>
+                  <a:cs typeface="Roboto"/>
+                  <a:sym typeface="Roboto"/>
+                </a:rPr>
+                <a:t> of them all</a:t>
+              </a:r>
+              <a:endParaRPr sz="1333">
+                <a:solidFill>
+                  <a:srgbClr val="000000"/>
+                </a:solidFill>
+                <a:latin typeface="Roboto"/>
+                <a:ea typeface="Roboto"/>
+                <a:cs typeface="Roboto"/>
+                <a:sym typeface="Roboto"/>
+              </a:endParaRPr>
+            </a:p>
+          </p:txBody>
+        </p:sp>
+        <p:sp>
+          <p:nvSpPr>
+            <p:cNvPr id="1654" name="Google Shape;1654;p42"/>
+            <p:cNvSpPr txBox="1"/>
+            <p:nvPr/>
+          </p:nvSpPr>
+          <p:spPr>
+            <a:xfrm>
+              <a:off x="3452749" y="3588675"/>
+              <a:ext cx="599315" cy="381000"/>
+            </a:xfrm>
+            <a:prstGeom prst="rect">
+              <a:avLst/>
+            </a:prstGeom>
+            <a:noFill/>
+            <a:ln>
+              <a:noFill/>
+            </a:ln>
+          </p:spPr>
+          <p:txBody>
+            <a:bodyPr spcFirstLastPara="1" wrap="square" lIns="121900" tIns="121900" rIns="121900" bIns="121900" anchor="t" anchorCtr="0">
+              <a:noAutofit/>
+            </a:bodyPr>
+            <a:lstStyle/>
+            <a:p>
+              <a:r>
+                <a:rPr lang="en" sz="3467" b="1" dirty="0">
+                  <a:solidFill>
+                    <a:schemeClr val="accent3"/>
+                  </a:solidFill>
+                  <a:latin typeface="Fira Sans Extra Condensed"/>
+                  <a:ea typeface="Fira Sans Extra Condensed"/>
+                  <a:cs typeface="Fira Sans Extra Condensed"/>
+                  <a:sym typeface="Fira Sans Extra Condensed"/>
+                </a:rPr>
+                <a:t>03</a:t>
+              </a:r>
+              <a:endParaRPr sz="3467" b="1" dirty="0">
+                <a:solidFill>
+                  <a:schemeClr val="accent3"/>
+                </a:solidFill>
+                <a:latin typeface="Fira Sans Extra Condensed"/>
+                <a:ea typeface="Fira Sans Extra Condensed"/>
+                <a:cs typeface="Fira Sans Extra Condensed"/>
+                <a:sym typeface="Fira Sans Extra Condensed"/>
+              </a:endParaRPr>
+            </a:p>
+          </p:txBody>
+        </p:sp>
+      </p:grpSp>
+      <p:grpSp>
+        <p:nvGrpSpPr>
+          <p:cNvPr id="1655" name="Google Shape;1655;p42"/>
+          <p:cNvGrpSpPr/>
+          <p:nvPr/>
+        </p:nvGrpSpPr>
+        <p:grpSpPr>
+          <a:xfrm>
+            <a:off x="7037782" y="4155399"/>
+            <a:ext cx="1912401" cy="1301200"/>
+            <a:chOff x="4972112" y="3588675"/>
+            <a:chExt cx="1434301" cy="975900"/>
+          </a:xfrm>
+        </p:grpSpPr>
+        <p:sp>
+          <p:nvSpPr>
+            <p:cNvPr id="1656" name="Google Shape;1656;p42"/>
+            <p:cNvSpPr txBox="1"/>
+            <p:nvPr/>
+          </p:nvSpPr>
+          <p:spPr>
+            <a:xfrm>
+              <a:off x="4972113" y="4045875"/>
+              <a:ext cx="1434300" cy="518700"/>
+            </a:xfrm>
+            <a:prstGeom prst="rect">
+              <a:avLst/>
+            </a:prstGeom>
+            <a:noFill/>
+            <a:ln>
+              <a:noFill/>
+            </a:ln>
+          </p:spPr>
+          <p:txBody>
+            <a:bodyPr spcFirstLastPara="1" wrap="square" lIns="121900" tIns="121900" rIns="121900" bIns="121900" anchor="ctr" anchorCtr="0">
+              <a:noAutofit/>
+            </a:bodyPr>
+            <a:lstStyle/>
+            <a:p>
+              <a:r>
+                <a:rPr lang="en" sz="1333">
+                  <a:solidFill>
+                    <a:srgbClr val="000000"/>
+                  </a:solidFill>
+                  <a:latin typeface="Roboto"/>
+                  <a:ea typeface="Roboto"/>
+                  <a:cs typeface="Roboto"/>
+                  <a:sym typeface="Roboto"/>
+                </a:rPr>
+                <a:t>Saturn is composed mostly of hydrogen a</a:t>
+              </a:r>
+              <a:r>
+                <a:rPr lang="en" sz="1333">
+                  <a:latin typeface="Roboto"/>
+                  <a:ea typeface="Roboto"/>
+                  <a:cs typeface="Roboto"/>
+                  <a:sym typeface="Roboto"/>
+                </a:rPr>
+                <a:t>nd helium</a:t>
+              </a:r>
+              <a:endParaRPr sz="1333">
+                <a:solidFill>
+                  <a:srgbClr val="000000"/>
+                </a:solidFill>
+                <a:latin typeface="Roboto"/>
+                <a:ea typeface="Roboto"/>
+                <a:cs typeface="Roboto"/>
+                <a:sym typeface="Roboto"/>
+              </a:endParaRPr>
+            </a:p>
+          </p:txBody>
+        </p:sp>
+        <p:sp>
+          <p:nvSpPr>
+            <p:cNvPr id="1657" name="Google Shape;1657;p42"/>
+            <p:cNvSpPr txBox="1"/>
+            <p:nvPr/>
+          </p:nvSpPr>
+          <p:spPr>
+            <a:xfrm>
+              <a:off x="4972112" y="3588675"/>
+              <a:ext cx="603988" cy="381000"/>
+            </a:xfrm>
+            <a:prstGeom prst="rect">
+              <a:avLst/>
+            </a:prstGeom>
+            <a:noFill/>
+            <a:ln>
+              <a:noFill/>
+            </a:ln>
+          </p:spPr>
+          <p:txBody>
+            <a:bodyPr spcFirstLastPara="1" wrap="square" lIns="121900" tIns="121900" rIns="121900" bIns="121900" anchor="t" anchorCtr="0">
+              <a:noAutofit/>
+            </a:bodyPr>
+            <a:lstStyle/>
+            <a:p>
+              <a:r>
+                <a:rPr lang="en" sz="3467" b="1" dirty="0">
+                  <a:solidFill>
+                    <a:schemeClr val="accent4"/>
+                  </a:solidFill>
+                  <a:latin typeface="Fira Sans Extra Condensed"/>
+                  <a:ea typeface="Fira Sans Extra Condensed"/>
+                  <a:cs typeface="Fira Sans Extra Condensed"/>
+                  <a:sym typeface="Fira Sans Extra Condensed"/>
+                </a:rPr>
+                <a:t>04</a:t>
+              </a:r>
+              <a:endParaRPr sz="3467" b="1" dirty="0">
+                <a:solidFill>
+                  <a:schemeClr val="accent4"/>
+                </a:solidFill>
+                <a:latin typeface="Fira Sans Extra Condensed"/>
+                <a:ea typeface="Fira Sans Extra Condensed"/>
+                <a:cs typeface="Fira Sans Extra Condensed"/>
+                <a:sym typeface="Fira Sans Extra Condensed"/>
+              </a:endParaRPr>
+            </a:p>
+          </p:txBody>
+        </p:sp>
+      </p:grpSp>
+      <p:grpSp>
+        <p:nvGrpSpPr>
+          <p:cNvPr id="1658" name="Google Shape;1658;p42"/>
+          <p:cNvGrpSpPr/>
+          <p:nvPr/>
+        </p:nvGrpSpPr>
+        <p:grpSpPr>
+          <a:xfrm>
+            <a:off x="9020615" y="4155400"/>
+            <a:ext cx="1912400" cy="1301201"/>
+            <a:chOff x="6491505" y="3588675"/>
+            <a:chExt cx="1434300" cy="975901"/>
+          </a:xfrm>
+        </p:grpSpPr>
+        <p:sp>
+          <p:nvSpPr>
+            <p:cNvPr id="1659" name="Google Shape;1659;p42"/>
+            <p:cNvSpPr txBox="1"/>
+            <p:nvPr/>
+          </p:nvSpPr>
+          <p:spPr>
+            <a:xfrm>
+              <a:off x="6491505" y="4045876"/>
+              <a:ext cx="1434300" cy="518700"/>
+            </a:xfrm>
+            <a:prstGeom prst="rect">
+              <a:avLst/>
+            </a:prstGeom>
+            <a:noFill/>
+            <a:ln>
+              <a:noFill/>
+            </a:ln>
+          </p:spPr>
+          <p:txBody>
+            <a:bodyPr spcFirstLastPara="1" wrap="square" lIns="121900" tIns="121900" rIns="121900" bIns="121900" anchor="ctr" anchorCtr="0">
+              <a:noAutofit/>
+            </a:bodyPr>
+            <a:lstStyle/>
+            <a:p>
+              <a:r>
+                <a:rPr lang="en" sz="1333">
+                  <a:solidFill>
+                    <a:srgbClr val="000000"/>
+                  </a:solidFill>
+                  <a:latin typeface="Roboto"/>
+                  <a:ea typeface="Roboto"/>
+                  <a:cs typeface="Roboto"/>
+                  <a:sym typeface="Roboto"/>
+                </a:rPr>
+                <a:t>Venus has a beautiful name and is the second from the Sun</a:t>
+              </a:r>
+              <a:endParaRPr sz="1333">
+                <a:solidFill>
+                  <a:srgbClr val="000000"/>
+                </a:solidFill>
+                <a:latin typeface="Roboto"/>
+                <a:ea typeface="Roboto"/>
+                <a:cs typeface="Roboto"/>
+                <a:sym typeface="Roboto"/>
+              </a:endParaRPr>
+            </a:p>
+          </p:txBody>
+        </p:sp>
+        <p:sp>
+          <p:nvSpPr>
+            <p:cNvPr id="1660" name="Google Shape;1660;p42"/>
+            <p:cNvSpPr txBox="1"/>
+            <p:nvPr/>
+          </p:nvSpPr>
+          <p:spPr>
+            <a:xfrm>
+              <a:off x="6491513" y="3588675"/>
+              <a:ext cx="552088" cy="381000"/>
+            </a:xfrm>
+            <a:prstGeom prst="rect">
+              <a:avLst/>
+            </a:prstGeom>
+            <a:noFill/>
+            <a:ln>
+              <a:noFill/>
+            </a:ln>
+          </p:spPr>
+          <p:txBody>
+            <a:bodyPr spcFirstLastPara="1" wrap="square" lIns="121900" tIns="121900" rIns="121900" bIns="121900" anchor="t" anchorCtr="0">
+              <a:noAutofit/>
+            </a:bodyPr>
+            <a:lstStyle/>
+            <a:p>
+              <a:r>
+                <a:rPr lang="en" sz="3467" b="1" dirty="0">
+                  <a:solidFill>
+                    <a:schemeClr val="accent5"/>
+                  </a:solidFill>
+                  <a:latin typeface="Fira Sans Extra Condensed"/>
+                  <a:ea typeface="Fira Sans Extra Condensed"/>
+                  <a:cs typeface="Fira Sans Extra Condensed"/>
+                  <a:sym typeface="Fira Sans Extra Condensed"/>
+                </a:rPr>
+                <a:t>05</a:t>
+              </a:r>
+              <a:endParaRPr sz="3467" b="1" dirty="0">
+                <a:solidFill>
+                  <a:schemeClr val="accent5"/>
+                </a:solidFill>
+                <a:latin typeface="Fira Sans Extra Condensed"/>
+                <a:ea typeface="Fira Sans Extra Condensed"/>
+                <a:cs typeface="Fira Sans Extra Condensed"/>
+                <a:sym typeface="Fira Sans Extra Condensed"/>
+              </a:endParaRPr>
+            </a:p>
+          </p:txBody>
+        </p:sp>
+      </p:grpSp>
+      <p:sp>
+        <p:nvSpPr>
+          <p:cNvPr id="1661" name="Google Shape;1661;p42"/>
+          <p:cNvSpPr/>
+          <p:nvPr/>
+        </p:nvSpPr>
+        <p:spPr>
+          <a:xfrm>
+            <a:off x="8701940" y="1894999"/>
+            <a:ext cx="2681200" cy="1244400"/>
+          </a:xfrm>
+          <a:prstGeom prst="rightArrow">
+            <a:avLst>
+              <a:gd name="adj1" fmla="val 61398"/>
+              <a:gd name="adj2" fmla="val 69307"/>
+            </a:avLst>
+          </a:prstGeom>
+          <a:solidFill>
+            <a:schemeClr val="accent5"/>
+          </a:solidFill>
+          <a:ln>
+            <a:noFill/>
+          </a:ln>
+        </p:spPr>
+        <p:txBody>
+          <a:bodyPr spcFirstLastPara="1" wrap="square" lIns="121900" tIns="121900" rIns="121900" bIns="121900" anchor="ctr" anchorCtr="0">
+            <a:noAutofit/>
+          </a:bodyPr>
+          <a:lstStyle/>
+          <a:p>
+            <a:endParaRPr sz="2400"/>
+          </a:p>
+        </p:txBody>
+      </p:sp>
+      <p:sp>
+        <p:nvSpPr>
+          <p:cNvPr id="1662" name="Google Shape;1662;p42"/>
+          <p:cNvSpPr/>
+          <p:nvPr/>
+        </p:nvSpPr>
+        <p:spPr>
+          <a:xfrm>
+            <a:off x="6686252" y="1894999"/>
+            <a:ext cx="2681200" cy="1244400"/>
+          </a:xfrm>
+          <a:prstGeom prst="rightArrow">
+            <a:avLst>
+              <a:gd name="adj1" fmla="val 61398"/>
+              <a:gd name="adj2" fmla="val 69307"/>
+            </a:avLst>
+          </a:prstGeom>
+          <a:solidFill>
+            <a:schemeClr val="accent4"/>
+          </a:solidFill>
+          <a:ln>
+            <a:noFill/>
+          </a:ln>
+        </p:spPr>
+        <p:txBody>
+          <a:bodyPr spcFirstLastPara="1" wrap="square" lIns="121900" tIns="121900" rIns="121900" bIns="121900" anchor="ctr" anchorCtr="0">
+            <a:noAutofit/>
+          </a:bodyPr>
+          <a:lstStyle/>
+          <a:p>
+            <a:endParaRPr sz="2400"/>
+          </a:p>
+        </p:txBody>
+      </p:sp>
+      <p:sp>
+        <p:nvSpPr>
+          <p:cNvPr id="1663" name="Google Shape;1663;p42"/>
+          <p:cNvSpPr/>
+          <p:nvPr/>
+        </p:nvSpPr>
+        <p:spPr>
+          <a:xfrm>
+            <a:off x="4670566" y="1894999"/>
+            <a:ext cx="2681200" cy="1244400"/>
+          </a:xfrm>
+          <a:prstGeom prst="rightArrow">
+            <a:avLst>
+              <a:gd name="adj1" fmla="val 61398"/>
+              <a:gd name="adj2" fmla="val 69307"/>
+            </a:avLst>
+          </a:prstGeom>
+          <a:solidFill>
+            <a:schemeClr val="accent3"/>
+          </a:solidFill>
+          <a:ln>
+            <a:noFill/>
+          </a:ln>
+        </p:spPr>
+        <p:txBody>
+          <a:bodyPr spcFirstLastPara="1" wrap="square" lIns="121900" tIns="121900" rIns="121900" bIns="121900" anchor="ctr" anchorCtr="0">
+            <a:noAutofit/>
+          </a:bodyPr>
+          <a:lstStyle/>
+          <a:p>
+            <a:endParaRPr sz="2400"/>
+          </a:p>
+        </p:txBody>
+      </p:sp>
+      <p:sp>
+        <p:nvSpPr>
+          <p:cNvPr id="1664" name="Google Shape;1664;p42"/>
+          <p:cNvSpPr/>
+          <p:nvPr/>
+        </p:nvSpPr>
+        <p:spPr>
+          <a:xfrm>
+            <a:off x="2654879" y="1894999"/>
+            <a:ext cx="2681200" cy="1244400"/>
+          </a:xfrm>
+          <a:prstGeom prst="rightArrow">
+            <a:avLst>
+              <a:gd name="adj1" fmla="val 61398"/>
+              <a:gd name="adj2" fmla="val 69307"/>
+            </a:avLst>
+          </a:prstGeom>
+          <a:solidFill>
+            <a:schemeClr val="accent2"/>
+          </a:solidFill>
+          <a:ln>
+            <a:noFill/>
+          </a:ln>
+        </p:spPr>
+        <p:txBody>
+          <a:bodyPr spcFirstLastPara="1" wrap="square" lIns="121900" tIns="121900" rIns="121900" bIns="121900" anchor="ctr" anchorCtr="0">
+            <a:noAutofit/>
+          </a:bodyPr>
+          <a:lstStyle/>
+          <a:p>
+            <a:endParaRPr sz="2400"/>
+          </a:p>
+        </p:txBody>
+      </p:sp>
+      <p:sp>
+        <p:nvSpPr>
+          <p:cNvPr id="1665" name="Google Shape;1665;p42"/>
+          <p:cNvSpPr/>
+          <p:nvPr/>
+        </p:nvSpPr>
+        <p:spPr>
+          <a:xfrm>
+            <a:off x="639192" y="1894999"/>
+            <a:ext cx="2681200" cy="1244400"/>
+          </a:xfrm>
+          <a:prstGeom prst="rightArrow">
+            <a:avLst>
+              <a:gd name="adj1" fmla="val 61398"/>
+              <a:gd name="adj2" fmla="val 69307"/>
+            </a:avLst>
+          </a:prstGeom>
+          <a:solidFill>
+            <a:schemeClr val="accent1"/>
+          </a:solidFill>
+          <a:ln>
+            <a:noFill/>
+          </a:ln>
+        </p:spPr>
+        <p:txBody>
+          <a:bodyPr spcFirstLastPara="1" wrap="square" lIns="121900" tIns="121900" rIns="121900" bIns="121900" anchor="ctr" anchorCtr="0">
+            <a:noAutofit/>
+          </a:bodyPr>
+          <a:lstStyle/>
+          <a:p>
+            <a:endParaRPr sz="2400"/>
+          </a:p>
+        </p:txBody>
+      </p:sp>
+      <p:sp>
+        <p:nvSpPr>
+          <p:cNvPr id="1666" name="Google Shape;1666;p42"/>
+          <p:cNvSpPr txBox="1"/>
+          <p:nvPr/>
+        </p:nvSpPr>
+        <p:spPr>
+          <a:xfrm>
+            <a:off x="1321792" y="2234599"/>
+            <a:ext cx="1897200" cy="565200"/>
+          </a:xfrm>
+          <a:prstGeom prst="rect">
+            <a:avLst/>
+          </a:prstGeom>
+          <a:noFill/>
+          <a:ln>
+            <a:noFill/>
+          </a:ln>
+        </p:spPr>
+        <p:txBody>
+          <a:bodyPr spcFirstLastPara="1" wrap="square" lIns="121900" tIns="121900" rIns="121900" bIns="121900" anchor="ctr" anchorCtr="0">
+            <a:noAutofit/>
+          </a:bodyPr>
+          <a:lstStyle/>
+          <a:p>
+            <a:r>
+              <a:rPr lang="en" sz="1733" b="1" dirty="0">
+                <a:solidFill>
+                  <a:srgbClr val="FFFFFF"/>
+                </a:solidFill>
+                <a:latin typeface="Fira Sans Extra Condensed"/>
+                <a:ea typeface="Fira Sans Extra Condensed"/>
+                <a:cs typeface="Fira Sans Extra Condensed"/>
+                <a:sym typeface="Fira Sans Extra Condensed"/>
+              </a:rPr>
+              <a:t>AWARENESS</a:t>
+            </a:r>
+            <a:endParaRPr sz="1733" b="1" dirty="0">
+              <a:solidFill>
+                <a:srgbClr val="FFFFFF"/>
+              </a:solidFill>
+              <a:latin typeface="Fira Sans Extra Condensed"/>
+              <a:ea typeface="Fira Sans Extra Condensed"/>
+              <a:cs typeface="Fira Sans Extra Condensed"/>
+              <a:sym typeface="Fira Sans Extra Condensed"/>
+            </a:endParaRPr>
+          </a:p>
+        </p:txBody>
+      </p:sp>
+      <p:sp>
+        <p:nvSpPr>
+          <p:cNvPr id="1667" name="Google Shape;1667;p42"/>
+          <p:cNvSpPr txBox="1"/>
+          <p:nvPr/>
+        </p:nvSpPr>
+        <p:spPr>
+          <a:xfrm>
+            <a:off x="3371604" y="2234599"/>
+            <a:ext cx="1846000" cy="565200"/>
+          </a:xfrm>
+          <a:prstGeom prst="rect">
+            <a:avLst/>
+          </a:prstGeom>
+          <a:noFill/>
+          <a:ln>
+            <a:noFill/>
+          </a:ln>
+        </p:spPr>
+        <p:txBody>
+          <a:bodyPr spcFirstLastPara="1" wrap="square" lIns="121900" tIns="121900" rIns="121900" bIns="121900" anchor="ctr" anchorCtr="0">
+            <a:noAutofit/>
+          </a:bodyPr>
+          <a:lstStyle/>
+          <a:p>
+            <a:r>
+              <a:rPr lang="en" sz="1400" b="1" dirty="0">
+                <a:solidFill>
+                  <a:srgbClr val="FFFFFF"/>
+                </a:solidFill>
+                <a:latin typeface="Fira Sans Extra Condensed"/>
+                <a:ea typeface="Fira Sans Extra Condensed"/>
+                <a:cs typeface="Fira Sans Extra Condensed"/>
+                <a:sym typeface="Fira Sans Extra Condensed"/>
+              </a:rPr>
+              <a:t>CONSIDERATION</a:t>
+            </a:r>
+            <a:endParaRPr sz="1733" b="1" dirty="0">
+              <a:solidFill>
+                <a:srgbClr val="FFFFFF"/>
+              </a:solidFill>
+              <a:latin typeface="Fira Sans Extra Condensed"/>
+              <a:ea typeface="Fira Sans Extra Condensed"/>
+              <a:cs typeface="Fira Sans Extra Condensed"/>
+              <a:sym typeface="Fira Sans Extra Condensed"/>
+            </a:endParaRPr>
+          </a:p>
+        </p:txBody>
+      </p:sp>
+      <p:sp>
+        <p:nvSpPr>
+          <p:cNvPr id="1668" name="Google Shape;1668;p42"/>
+          <p:cNvSpPr txBox="1"/>
+          <p:nvPr/>
+        </p:nvSpPr>
+        <p:spPr>
+          <a:xfrm>
+            <a:off x="5370218" y="2234599"/>
+            <a:ext cx="1846000" cy="565200"/>
+          </a:xfrm>
+          <a:prstGeom prst="rect">
+            <a:avLst/>
+          </a:prstGeom>
+          <a:noFill/>
+          <a:ln>
+            <a:noFill/>
+          </a:ln>
+        </p:spPr>
+        <p:txBody>
+          <a:bodyPr spcFirstLastPara="1" wrap="square" lIns="121900" tIns="121900" rIns="121900" bIns="121900" anchor="ctr" anchorCtr="0">
+            <a:noAutofit/>
+          </a:bodyPr>
+          <a:lstStyle/>
+          <a:p>
+            <a:r>
+              <a:rPr lang="en" sz="1733" b="1">
+                <a:solidFill>
+                  <a:srgbClr val="FFFFFF"/>
+                </a:solidFill>
+                <a:latin typeface="Fira Sans Extra Condensed"/>
+                <a:ea typeface="Fira Sans Extra Condensed"/>
+                <a:cs typeface="Fira Sans Extra Condensed"/>
+                <a:sym typeface="Fira Sans Extra Condensed"/>
+              </a:rPr>
+              <a:t>PURCHASE</a:t>
+            </a:r>
+            <a:endParaRPr sz="1733" b="1">
+              <a:solidFill>
+                <a:srgbClr val="FFFFFF"/>
+              </a:solidFill>
+              <a:latin typeface="Fira Sans Extra Condensed"/>
+              <a:ea typeface="Fira Sans Extra Condensed"/>
+              <a:cs typeface="Fira Sans Extra Condensed"/>
+              <a:sym typeface="Fira Sans Extra Condensed"/>
+            </a:endParaRPr>
+          </a:p>
+        </p:txBody>
+      </p:sp>
+      <p:sp>
+        <p:nvSpPr>
+          <p:cNvPr id="1669" name="Google Shape;1669;p42"/>
+          <p:cNvSpPr txBox="1"/>
+          <p:nvPr/>
+        </p:nvSpPr>
+        <p:spPr>
+          <a:xfrm>
+            <a:off x="7368830" y="2234599"/>
+            <a:ext cx="1846000" cy="565200"/>
+          </a:xfrm>
+          <a:prstGeom prst="rect">
+            <a:avLst/>
+          </a:prstGeom>
+          <a:noFill/>
+          <a:ln>
+            <a:noFill/>
+          </a:ln>
+        </p:spPr>
+        <p:txBody>
+          <a:bodyPr spcFirstLastPara="1" wrap="square" lIns="121900" tIns="121900" rIns="121900" bIns="121900" anchor="ctr" anchorCtr="0">
+            <a:noAutofit/>
+          </a:bodyPr>
+          <a:lstStyle/>
+          <a:p>
+            <a:r>
+              <a:rPr lang="en" sz="1733" b="1">
+                <a:solidFill>
+                  <a:srgbClr val="FFFFFF"/>
+                </a:solidFill>
+                <a:latin typeface="Fira Sans Extra Condensed"/>
+                <a:ea typeface="Fira Sans Extra Condensed"/>
+                <a:cs typeface="Fira Sans Extra Condensed"/>
+                <a:sym typeface="Fira Sans Extra Condensed"/>
+              </a:rPr>
+              <a:t>ONBOARDING</a:t>
+            </a:r>
+            <a:endParaRPr sz="1733" b="1">
+              <a:solidFill>
+                <a:srgbClr val="FFFFFF"/>
+              </a:solidFill>
+              <a:latin typeface="Fira Sans Extra Condensed"/>
+              <a:ea typeface="Fira Sans Extra Condensed"/>
+              <a:cs typeface="Fira Sans Extra Condensed"/>
+              <a:sym typeface="Fira Sans Extra Condensed"/>
+            </a:endParaRPr>
+          </a:p>
+        </p:txBody>
+      </p:sp>
+      <p:sp>
+        <p:nvSpPr>
+          <p:cNvPr id="1670" name="Google Shape;1670;p42"/>
+          <p:cNvSpPr txBox="1"/>
+          <p:nvPr/>
+        </p:nvSpPr>
+        <p:spPr>
+          <a:xfrm>
+            <a:off x="9367443" y="2234599"/>
+            <a:ext cx="1897200" cy="565200"/>
+          </a:xfrm>
+          <a:prstGeom prst="rect">
+            <a:avLst/>
+          </a:prstGeom>
+          <a:noFill/>
+          <a:ln>
+            <a:noFill/>
+          </a:ln>
+        </p:spPr>
+        <p:txBody>
+          <a:bodyPr spcFirstLastPara="1" wrap="square" lIns="121900" tIns="121900" rIns="121900" bIns="121900" anchor="ctr" anchorCtr="0">
+            <a:noAutofit/>
+          </a:bodyPr>
+          <a:lstStyle/>
+          <a:p>
+            <a:r>
+              <a:rPr lang="en" sz="1733" b="1">
+                <a:solidFill>
+                  <a:srgbClr val="FFFFFF"/>
+                </a:solidFill>
+                <a:latin typeface="Fira Sans Extra Condensed"/>
+                <a:ea typeface="Fira Sans Extra Condensed"/>
+                <a:cs typeface="Fira Sans Extra Condensed"/>
+                <a:sym typeface="Fira Sans Extra Condensed"/>
+              </a:rPr>
+              <a:t>ADVOCACY</a:t>
+            </a:r>
+            <a:endParaRPr sz="1733" b="1">
+              <a:solidFill>
+                <a:srgbClr val="FFFFFF"/>
+              </a:solidFill>
+              <a:latin typeface="Fira Sans Extra Condensed"/>
+              <a:ea typeface="Fira Sans Extra Condensed"/>
+              <a:cs typeface="Fira Sans Extra Condensed"/>
+              <a:sym typeface="Fira Sans Extra Condensed"/>
+            </a:endParaRPr>
+          </a:p>
+        </p:txBody>
+      </p:sp>
+      <p:grpSp>
+        <p:nvGrpSpPr>
+          <p:cNvPr id="1671" name="Google Shape;1671;p42"/>
+          <p:cNvGrpSpPr/>
+          <p:nvPr/>
+        </p:nvGrpSpPr>
+        <p:grpSpPr>
+          <a:xfrm>
+            <a:off x="1226711" y="3745627"/>
+            <a:ext cx="398661" cy="453605"/>
+            <a:chOff x="1516475" y="238075"/>
+            <a:chExt cx="424650" cy="483175"/>
+          </a:xfrm>
+        </p:grpSpPr>
+        <p:sp>
+          <p:nvSpPr>
+            <p:cNvPr id="1672" name="Google Shape;1672;p42"/>
+            <p:cNvSpPr/>
+            <p:nvPr/>
+          </p:nvSpPr>
+          <p:spPr>
+            <a:xfrm>
+              <a:off x="1516475" y="238075"/>
+              <a:ext cx="424650" cy="483175"/>
+            </a:xfrm>
+            <a:custGeom>
+              <a:avLst/>
+              <a:gdLst/>
+              <a:ahLst/>
+              <a:cxnLst/>
+              <a:rect l="l" t="t" r="r" b="b"/>
+              <a:pathLst>
+                <a:path w="16986" h="19327" extrusionOk="0">
+                  <a:moveTo>
+                    <a:pt x="8491" y="1134"/>
+                  </a:moveTo>
+                  <a:cubicBezTo>
+                    <a:pt x="11302" y="1134"/>
+                    <a:pt x="13588" y="3438"/>
+                    <a:pt x="13588" y="6267"/>
+                  </a:cubicBezTo>
+                  <a:cubicBezTo>
+                    <a:pt x="13588" y="7318"/>
+                    <a:pt x="13262" y="8342"/>
+                    <a:pt x="12655" y="9199"/>
+                  </a:cubicBezTo>
+                  <a:cubicBezTo>
+                    <a:pt x="12625" y="9242"/>
+                    <a:pt x="12604" y="9272"/>
+                    <a:pt x="12595" y="9284"/>
+                  </a:cubicBezTo>
+                  <a:lnTo>
+                    <a:pt x="8491" y="15724"/>
+                  </a:lnTo>
+                  <a:lnTo>
+                    <a:pt x="4388" y="9287"/>
+                  </a:lnTo>
+                  <a:cubicBezTo>
+                    <a:pt x="4382" y="9275"/>
+                    <a:pt x="4373" y="9266"/>
+                    <a:pt x="4367" y="9257"/>
+                  </a:cubicBezTo>
+                  <a:cubicBezTo>
+                    <a:pt x="4249" y="9091"/>
+                    <a:pt x="4140" y="8921"/>
+                    <a:pt x="4041" y="8743"/>
+                  </a:cubicBezTo>
+                  <a:cubicBezTo>
+                    <a:pt x="3618" y="7985"/>
+                    <a:pt x="3398" y="7134"/>
+                    <a:pt x="3398" y="6267"/>
+                  </a:cubicBezTo>
+                  <a:cubicBezTo>
+                    <a:pt x="3398" y="6174"/>
+                    <a:pt x="3398" y="6080"/>
+                    <a:pt x="3404" y="5990"/>
+                  </a:cubicBezTo>
+                  <a:cubicBezTo>
+                    <a:pt x="3552" y="3266"/>
+                    <a:pt x="5786" y="1134"/>
+                    <a:pt x="8491" y="1134"/>
+                  </a:cubicBezTo>
+                  <a:close/>
+                  <a:moveTo>
+                    <a:pt x="11049" y="13819"/>
+                  </a:moveTo>
+                  <a:cubicBezTo>
+                    <a:pt x="14358" y="14233"/>
+                    <a:pt x="15853" y="15289"/>
+                    <a:pt x="15853" y="15930"/>
+                  </a:cubicBezTo>
+                  <a:cubicBezTo>
+                    <a:pt x="15853" y="16304"/>
+                    <a:pt x="15339" y="16887"/>
+                    <a:pt x="13905" y="17397"/>
+                  </a:cubicBezTo>
+                  <a:cubicBezTo>
+                    <a:pt x="12471" y="17910"/>
+                    <a:pt x="10545" y="18194"/>
+                    <a:pt x="8491" y="18194"/>
+                  </a:cubicBezTo>
+                  <a:cubicBezTo>
+                    <a:pt x="6438" y="18194"/>
+                    <a:pt x="4515" y="17910"/>
+                    <a:pt x="3077" y="17397"/>
+                  </a:cubicBezTo>
+                  <a:cubicBezTo>
+                    <a:pt x="1640" y="16884"/>
+                    <a:pt x="1133" y="16304"/>
+                    <a:pt x="1133" y="15930"/>
+                  </a:cubicBezTo>
+                  <a:cubicBezTo>
+                    <a:pt x="1133" y="15289"/>
+                    <a:pt x="2625" y="14233"/>
+                    <a:pt x="5934" y="13819"/>
+                  </a:cubicBezTo>
+                  <a:lnTo>
+                    <a:pt x="8014" y="17083"/>
+                  </a:lnTo>
+                  <a:cubicBezTo>
+                    <a:pt x="8126" y="17258"/>
+                    <a:pt x="8309" y="17346"/>
+                    <a:pt x="8491" y="17346"/>
+                  </a:cubicBezTo>
+                  <a:cubicBezTo>
+                    <a:pt x="8674" y="17346"/>
+                    <a:pt x="8857" y="17258"/>
+                    <a:pt x="8968" y="17083"/>
+                  </a:cubicBezTo>
+                  <a:lnTo>
+                    <a:pt x="11049" y="13819"/>
+                  </a:lnTo>
+                  <a:close/>
+                  <a:moveTo>
+                    <a:pt x="8494" y="1"/>
+                  </a:moveTo>
+                  <a:cubicBezTo>
+                    <a:pt x="6947" y="1"/>
+                    <a:pt x="5399" y="578"/>
+                    <a:pt x="4201" y="1738"/>
+                  </a:cubicBezTo>
+                  <a:cubicBezTo>
+                    <a:pt x="3050" y="2837"/>
+                    <a:pt x="2359" y="4338"/>
+                    <a:pt x="2274" y="5929"/>
+                  </a:cubicBezTo>
+                  <a:cubicBezTo>
+                    <a:pt x="2268" y="6041"/>
+                    <a:pt x="2265" y="6156"/>
+                    <a:pt x="2265" y="6267"/>
+                  </a:cubicBezTo>
+                  <a:cubicBezTo>
+                    <a:pt x="2265" y="7327"/>
+                    <a:pt x="2534" y="8372"/>
+                    <a:pt x="3050" y="9296"/>
+                  </a:cubicBezTo>
+                  <a:cubicBezTo>
+                    <a:pt x="3168" y="9507"/>
+                    <a:pt x="3301" y="9713"/>
+                    <a:pt x="3440" y="9909"/>
+                  </a:cubicBezTo>
+                  <a:lnTo>
+                    <a:pt x="5267" y="12771"/>
+                  </a:lnTo>
+                  <a:cubicBezTo>
+                    <a:pt x="3953" y="12971"/>
+                    <a:pt x="2809" y="13294"/>
+                    <a:pt x="1921" y="13713"/>
+                  </a:cubicBezTo>
+                  <a:cubicBezTo>
+                    <a:pt x="333" y="14465"/>
+                    <a:pt x="1" y="15332"/>
+                    <a:pt x="1" y="15930"/>
+                  </a:cubicBezTo>
+                  <a:cubicBezTo>
+                    <a:pt x="1" y="16648"/>
+                    <a:pt x="469" y="17669"/>
+                    <a:pt x="2697" y="18466"/>
+                  </a:cubicBezTo>
+                  <a:cubicBezTo>
+                    <a:pt x="4252" y="19022"/>
+                    <a:pt x="6311" y="19326"/>
+                    <a:pt x="8491" y="19326"/>
+                  </a:cubicBezTo>
+                  <a:cubicBezTo>
+                    <a:pt x="10671" y="19326"/>
+                    <a:pt x="12731" y="19022"/>
+                    <a:pt x="14286" y="18466"/>
+                  </a:cubicBezTo>
+                  <a:cubicBezTo>
+                    <a:pt x="16514" y="17669"/>
+                    <a:pt x="16985" y="16648"/>
+                    <a:pt x="16985" y="15930"/>
+                  </a:cubicBezTo>
+                  <a:cubicBezTo>
+                    <a:pt x="16985" y="15332"/>
+                    <a:pt x="16650" y="14465"/>
+                    <a:pt x="15062" y="13713"/>
+                  </a:cubicBezTo>
+                  <a:cubicBezTo>
+                    <a:pt x="14174" y="13294"/>
+                    <a:pt x="13030" y="12971"/>
+                    <a:pt x="11716" y="12768"/>
+                  </a:cubicBezTo>
+                  <a:lnTo>
+                    <a:pt x="13549" y="9897"/>
+                  </a:lnTo>
+                  <a:lnTo>
+                    <a:pt x="13561" y="9879"/>
+                  </a:lnTo>
+                  <a:cubicBezTo>
+                    <a:pt x="13567" y="9873"/>
+                    <a:pt x="13570" y="9867"/>
+                    <a:pt x="13576" y="9861"/>
+                  </a:cubicBezTo>
+                  <a:cubicBezTo>
+                    <a:pt x="15327" y="7382"/>
+                    <a:pt x="15041" y="3997"/>
+                    <a:pt x="12897" y="1847"/>
+                  </a:cubicBezTo>
+                  <a:cubicBezTo>
+                    <a:pt x="11689" y="618"/>
+                    <a:pt x="10092" y="1"/>
+                    <a:pt x="8494" y="1"/>
+                  </a:cubicBezTo>
+                  <a:close/>
+                </a:path>
+              </a:pathLst>
+            </a:custGeom>
+            <a:solidFill>
+              <a:schemeClr val="accent1"/>
+            </a:solidFill>
+            <a:ln>
+              <a:noFill/>
+            </a:ln>
+          </p:spPr>
+          <p:txBody>
+            <a:bodyPr spcFirstLastPara="1" wrap="square" lIns="121900" tIns="121900" rIns="121900" bIns="121900" anchor="ctr" anchorCtr="0">
+              <a:noAutofit/>
+            </a:bodyPr>
+            <a:lstStyle/>
+            <a:p>
+              <a:endParaRPr sz="2400">
+                <a:solidFill>
+                  <a:srgbClr val="435D74"/>
+                </a:solidFill>
+              </a:endParaRPr>
+            </a:p>
+          </p:txBody>
+        </p:sp>
+        <p:sp>
+          <p:nvSpPr>
+            <p:cNvPr id="1673" name="Google Shape;1673;p42"/>
+            <p:cNvSpPr/>
+            <p:nvPr/>
+          </p:nvSpPr>
+          <p:spPr>
+            <a:xfrm>
+              <a:off x="1652425" y="324000"/>
+              <a:ext cx="147150" cy="141575"/>
+            </a:xfrm>
+            <a:custGeom>
+              <a:avLst/>
+              <a:gdLst/>
+              <a:ahLst/>
+              <a:cxnLst/>
+              <a:rect l="l" t="t" r="r" b="b"/>
+              <a:pathLst>
+                <a:path w="5886" h="5663" extrusionOk="0">
+                  <a:moveTo>
+                    <a:pt x="3054" y="1131"/>
+                  </a:moveTo>
+                  <a:cubicBezTo>
+                    <a:pt x="3495" y="1131"/>
+                    <a:pt x="3930" y="1303"/>
+                    <a:pt x="4255" y="1629"/>
+                  </a:cubicBezTo>
+                  <a:cubicBezTo>
+                    <a:pt x="4741" y="2115"/>
+                    <a:pt x="4886" y="2845"/>
+                    <a:pt x="4623" y="3480"/>
+                  </a:cubicBezTo>
+                  <a:cubicBezTo>
+                    <a:pt x="4361" y="4114"/>
+                    <a:pt x="3742" y="4530"/>
+                    <a:pt x="3053" y="4530"/>
+                  </a:cubicBezTo>
+                  <a:cubicBezTo>
+                    <a:pt x="2114" y="4527"/>
+                    <a:pt x="1356" y="3769"/>
+                    <a:pt x="1356" y="2830"/>
+                  </a:cubicBezTo>
+                  <a:cubicBezTo>
+                    <a:pt x="1356" y="2142"/>
+                    <a:pt x="1770" y="1523"/>
+                    <a:pt x="2404" y="1260"/>
+                  </a:cubicBezTo>
+                  <a:cubicBezTo>
+                    <a:pt x="2614" y="1173"/>
+                    <a:pt x="2835" y="1131"/>
+                    <a:pt x="3054" y="1131"/>
+                  </a:cubicBezTo>
+                  <a:close/>
+                  <a:moveTo>
+                    <a:pt x="3053" y="0"/>
+                  </a:moveTo>
+                  <a:cubicBezTo>
+                    <a:pt x="2316" y="0"/>
+                    <a:pt x="1593" y="287"/>
+                    <a:pt x="1051" y="828"/>
+                  </a:cubicBezTo>
+                  <a:cubicBezTo>
+                    <a:pt x="242" y="1638"/>
+                    <a:pt x="1" y="2855"/>
+                    <a:pt x="439" y="3914"/>
+                  </a:cubicBezTo>
+                  <a:cubicBezTo>
+                    <a:pt x="876" y="4971"/>
+                    <a:pt x="1909" y="5663"/>
+                    <a:pt x="3053" y="5663"/>
+                  </a:cubicBezTo>
+                  <a:cubicBezTo>
+                    <a:pt x="4617" y="5660"/>
+                    <a:pt x="5883" y="4394"/>
+                    <a:pt x="5886" y="2830"/>
+                  </a:cubicBezTo>
+                  <a:cubicBezTo>
+                    <a:pt x="5886" y="1686"/>
+                    <a:pt x="5194" y="653"/>
+                    <a:pt x="4137" y="216"/>
+                  </a:cubicBezTo>
+                  <a:cubicBezTo>
+                    <a:pt x="3786" y="70"/>
+                    <a:pt x="3418" y="0"/>
+                    <a:pt x="3053" y="0"/>
+                  </a:cubicBezTo>
+                  <a:close/>
+                </a:path>
+              </a:pathLst>
+            </a:custGeom>
+            <a:solidFill>
+              <a:schemeClr val="accent1"/>
+            </a:solidFill>
+            <a:ln>
+              <a:noFill/>
+            </a:ln>
+          </p:spPr>
+          <p:txBody>
+            <a:bodyPr spcFirstLastPara="1" wrap="square" lIns="121900" tIns="121900" rIns="121900" bIns="121900" anchor="ctr" anchorCtr="0">
+              <a:noAutofit/>
+            </a:bodyPr>
+            <a:lstStyle/>
+            <a:p>
+              <a:endParaRPr sz="2400">
+                <a:solidFill>
+                  <a:srgbClr val="435D74"/>
+                </a:solidFill>
+              </a:endParaRPr>
+            </a:p>
+          </p:txBody>
+        </p:sp>
+      </p:grpSp>
+      <p:sp>
+        <p:nvSpPr>
+          <p:cNvPr id="1674" name="Google Shape;1674;p42"/>
+          <p:cNvSpPr/>
+          <p:nvPr/>
+        </p:nvSpPr>
+        <p:spPr>
+          <a:xfrm>
+            <a:off x="9104051" y="3745622"/>
+            <a:ext cx="458040" cy="453581"/>
+          </a:xfrm>
+          <a:custGeom>
+            <a:avLst/>
+            <a:gdLst/>
+            <a:ahLst/>
+            <a:cxnLst/>
+            <a:rect l="l" t="t" r="r" b="b"/>
+            <a:pathLst>
+              <a:path w="19516" h="19326" extrusionOk="0">
+                <a:moveTo>
+                  <a:pt x="15929" y="1934"/>
+                </a:moveTo>
+                <a:lnTo>
+                  <a:pt x="15929" y="2834"/>
+                </a:lnTo>
+                <a:cubicBezTo>
+                  <a:pt x="15929" y="3145"/>
+                  <a:pt x="16182" y="3398"/>
+                  <a:pt x="16496" y="3398"/>
+                </a:cubicBezTo>
+                <a:lnTo>
+                  <a:pt x="17393" y="3398"/>
+                </a:lnTo>
+                <a:lnTo>
+                  <a:pt x="16261" y="4531"/>
+                </a:lnTo>
+                <a:lnTo>
+                  <a:pt x="14796" y="4531"/>
+                </a:lnTo>
+                <a:lnTo>
+                  <a:pt x="14796" y="3066"/>
+                </a:lnTo>
+                <a:lnTo>
+                  <a:pt x="15929" y="1934"/>
+                </a:lnTo>
+                <a:close/>
+                <a:moveTo>
+                  <a:pt x="9663" y="7927"/>
+                </a:moveTo>
+                <a:cubicBezTo>
+                  <a:pt x="9926" y="7927"/>
+                  <a:pt x="10183" y="7991"/>
+                  <a:pt x="10418" y="8109"/>
+                </a:cubicBezTo>
+                <a:lnTo>
+                  <a:pt x="9262" y="9262"/>
+                </a:lnTo>
+                <a:cubicBezTo>
+                  <a:pt x="9041" y="9485"/>
+                  <a:pt x="9041" y="9842"/>
+                  <a:pt x="9262" y="10065"/>
+                </a:cubicBezTo>
+                <a:cubicBezTo>
+                  <a:pt x="9372" y="10175"/>
+                  <a:pt x="9517" y="10231"/>
+                  <a:pt x="9662" y="10231"/>
+                </a:cubicBezTo>
+                <a:cubicBezTo>
+                  <a:pt x="9807" y="10231"/>
+                  <a:pt x="9952" y="10175"/>
+                  <a:pt x="10062" y="10065"/>
+                </a:cubicBezTo>
+                <a:lnTo>
+                  <a:pt x="11218" y="8909"/>
+                </a:lnTo>
+                <a:cubicBezTo>
+                  <a:pt x="11336" y="9141"/>
+                  <a:pt x="11399" y="9401"/>
+                  <a:pt x="11399" y="9664"/>
+                </a:cubicBezTo>
+                <a:cubicBezTo>
+                  <a:pt x="11399" y="10585"/>
+                  <a:pt x="10605" y="11364"/>
+                  <a:pt x="9663" y="11364"/>
+                </a:cubicBezTo>
+                <a:cubicBezTo>
+                  <a:pt x="8721" y="11364"/>
+                  <a:pt x="7927" y="10585"/>
+                  <a:pt x="7927" y="9664"/>
+                </a:cubicBezTo>
+                <a:cubicBezTo>
+                  <a:pt x="7927" y="8722"/>
+                  <a:pt x="8721" y="7927"/>
+                  <a:pt x="9663" y="7927"/>
+                </a:cubicBezTo>
+                <a:close/>
+                <a:moveTo>
+                  <a:pt x="9663" y="5663"/>
+                </a:moveTo>
+                <a:cubicBezTo>
+                  <a:pt x="10527" y="5666"/>
+                  <a:pt x="11363" y="5953"/>
+                  <a:pt x="12049" y="6478"/>
+                </a:cubicBezTo>
+                <a:lnTo>
+                  <a:pt x="11242" y="7287"/>
+                </a:lnTo>
+                <a:cubicBezTo>
+                  <a:pt x="10777" y="6967"/>
+                  <a:pt x="10228" y="6798"/>
+                  <a:pt x="9663" y="6795"/>
+                </a:cubicBezTo>
+                <a:cubicBezTo>
+                  <a:pt x="8108" y="6795"/>
+                  <a:pt x="6795" y="8109"/>
+                  <a:pt x="6795" y="9664"/>
+                </a:cubicBezTo>
+                <a:cubicBezTo>
+                  <a:pt x="6795" y="10422"/>
+                  <a:pt x="7103" y="11143"/>
+                  <a:pt x="7649" y="11669"/>
+                </a:cubicBezTo>
+                <a:cubicBezTo>
+                  <a:pt x="8208" y="12220"/>
+                  <a:pt x="8935" y="12495"/>
+                  <a:pt x="9663" y="12495"/>
+                </a:cubicBezTo>
+                <a:cubicBezTo>
+                  <a:pt x="10391" y="12495"/>
+                  <a:pt x="11119" y="12220"/>
+                  <a:pt x="11677" y="11669"/>
+                </a:cubicBezTo>
+                <a:cubicBezTo>
+                  <a:pt x="12224" y="11143"/>
+                  <a:pt x="12532" y="10422"/>
+                  <a:pt x="12532" y="9664"/>
+                </a:cubicBezTo>
+                <a:cubicBezTo>
+                  <a:pt x="12529" y="9099"/>
+                  <a:pt x="12360" y="8549"/>
+                  <a:pt x="12043" y="8084"/>
+                </a:cubicBezTo>
+                <a:lnTo>
+                  <a:pt x="12849" y="7278"/>
+                </a:lnTo>
+                <a:cubicBezTo>
+                  <a:pt x="13374" y="7964"/>
+                  <a:pt x="13661" y="8800"/>
+                  <a:pt x="13664" y="9664"/>
+                </a:cubicBezTo>
+                <a:cubicBezTo>
+                  <a:pt x="13664" y="11850"/>
+                  <a:pt x="11870" y="13628"/>
+                  <a:pt x="9663" y="13628"/>
+                </a:cubicBezTo>
+                <a:cubicBezTo>
+                  <a:pt x="7456" y="13628"/>
+                  <a:pt x="5662" y="11850"/>
+                  <a:pt x="5662" y="9664"/>
+                </a:cubicBezTo>
+                <a:cubicBezTo>
+                  <a:pt x="5662" y="7496"/>
+                  <a:pt x="7495" y="5663"/>
+                  <a:pt x="9663" y="5663"/>
+                </a:cubicBezTo>
+                <a:close/>
+                <a:moveTo>
+                  <a:pt x="9676" y="3398"/>
+                </a:moveTo>
+                <a:cubicBezTo>
+                  <a:pt x="11130" y="3398"/>
+                  <a:pt x="12541" y="3902"/>
+                  <a:pt x="13664" y="4826"/>
+                </a:cubicBezTo>
+                <a:lnTo>
+                  <a:pt x="13664" y="4863"/>
+                </a:lnTo>
+                <a:lnTo>
+                  <a:pt x="12861" y="5663"/>
+                </a:lnTo>
+                <a:cubicBezTo>
+                  <a:pt x="11911" y="4901"/>
+                  <a:pt x="10770" y="4528"/>
+                  <a:pt x="9634" y="4528"/>
+                </a:cubicBezTo>
+                <a:cubicBezTo>
+                  <a:pt x="8214" y="4528"/>
+                  <a:pt x="6803" y="5111"/>
+                  <a:pt x="5786" y="6246"/>
+                </a:cubicBezTo>
+                <a:cubicBezTo>
+                  <a:pt x="3959" y="8287"/>
+                  <a:pt x="4047" y="11403"/>
+                  <a:pt x="5985" y="13341"/>
+                </a:cubicBezTo>
+                <a:cubicBezTo>
+                  <a:pt x="6991" y="14346"/>
+                  <a:pt x="8313" y="14852"/>
+                  <a:pt x="9638" y="14852"/>
+                </a:cubicBezTo>
+                <a:cubicBezTo>
+                  <a:pt x="10866" y="14852"/>
+                  <a:pt x="12096" y="14417"/>
+                  <a:pt x="13078" y="13538"/>
+                </a:cubicBezTo>
+                <a:cubicBezTo>
+                  <a:pt x="15119" y="11711"/>
+                  <a:pt x="15376" y="8604"/>
+                  <a:pt x="13664" y="6463"/>
+                </a:cubicBezTo>
+                <a:lnTo>
+                  <a:pt x="14464" y="5663"/>
+                </a:lnTo>
+                <a:lnTo>
+                  <a:pt x="14503" y="5663"/>
+                </a:lnTo>
+                <a:cubicBezTo>
+                  <a:pt x="15430" y="6789"/>
+                  <a:pt x="15935" y="8205"/>
+                  <a:pt x="15929" y="9664"/>
+                </a:cubicBezTo>
+                <a:cubicBezTo>
+                  <a:pt x="15929" y="13100"/>
+                  <a:pt x="13117" y="15893"/>
+                  <a:pt x="9663" y="15893"/>
+                </a:cubicBezTo>
+                <a:cubicBezTo>
+                  <a:pt x="6209" y="15893"/>
+                  <a:pt x="3398" y="13100"/>
+                  <a:pt x="3398" y="9664"/>
+                </a:cubicBezTo>
+                <a:cubicBezTo>
+                  <a:pt x="3398" y="6209"/>
+                  <a:pt x="6209" y="3398"/>
+                  <a:pt x="9663" y="3398"/>
+                </a:cubicBezTo>
+                <a:cubicBezTo>
+                  <a:pt x="9668" y="3398"/>
+                  <a:pt x="9672" y="3398"/>
+                  <a:pt x="9676" y="3398"/>
+                </a:cubicBezTo>
+                <a:close/>
+                <a:moveTo>
+                  <a:pt x="9663" y="1134"/>
+                </a:moveTo>
+                <a:cubicBezTo>
+                  <a:pt x="11176" y="1134"/>
+                  <a:pt x="12661" y="1532"/>
+                  <a:pt x="13975" y="2287"/>
+                </a:cubicBezTo>
+                <a:lnTo>
+                  <a:pt x="13830" y="2432"/>
+                </a:lnTo>
+                <a:cubicBezTo>
+                  <a:pt x="13724" y="2538"/>
+                  <a:pt x="13664" y="2683"/>
+                  <a:pt x="13664" y="2834"/>
+                </a:cubicBezTo>
+                <a:lnTo>
+                  <a:pt x="13664" y="3428"/>
+                </a:lnTo>
+                <a:cubicBezTo>
+                  <a:pt x="12473" y="2670"/>
+                  <a:pt x="11090" y="2266"/>
+                  <a:pt x="9679" y="2266"/>
+                </a:cubicBezTo>
+                <a:cubicBezTo>
+                  <a:pt x="9674" y="2266"/>
+                  <a:pt x="9668" y="2266"/>
+                  <a:pt x="9663" y="2266"/>
+                </a:cubicBezTo>
+                <a:cubicBezTo>
+                  <a:pt x="7701" y="2266"/>
+                  <a:pt x="5847" y="3039"/>
+                  <a:pt x="4443" y="4443"/>
+                </a:cubicBezTo>
+                <a:cubicBezTo>
+                  <a:pt x="3039" y="5847"/>
+                  <a:pt x="2266" y="7701"/>
+                  <a:pt x="2266" y="9664"/>
+                </a:cubicBezTo>
+                <a:cubicBezTo>
+                  <a:pt x="2266" y="11626"/>
+                  <a:pt x="3039" y="13474"/>
+                  <a:pt x="4443" y="14866"/>
+                </a:cubicBezTo>
+                <a:cubicBezTo>
+                  <a:pt x="5886" y="16305"/>
+                  <a:pt x="7775" y="17024"/>
+                  <a:pt x="9663" y="17024"/>
+                </a:cubicBezTo>
+                <a:cubicBezTo>
+                  <a:pt x="11552" y="17024"/>
+                  <a:pt x="13441" y="16305"/>
+                  <a:pt x="14884" y="14866"/>
+                </a:cubicBezTo>
+                <a:cubicBezTo>
+                  <a:pt x="16288" y="13474"/>
+                  <a:pt x="17061" y="11626"/>
+                  <a:pt x="17061" y="9664"/>
+                </a:cubicBezTo>
+                <a:cubicBezTo>
+                  <a:pt x="17064" y="8248"/>
+                  <a:pt x="16659" y="6859"/>
+                  <a:pt x="15898" y="5663"/>
+                </a:cubicBezTo>
+                <a:lnTo>
+                  <a:pt x="16496" y="5663"/>
+                </a:lnTo>
+                <a:cubicBezTo>
+                  <a:pt x="16644" y="5663"/>
+                  <a:pt x="16789" y="5602"/>
+                  <a:pt x="16895" y="5497"/>
+                </a:cubicBezTo>
+                <a:lnTo>
+                  <a:pt x="17040" y="5352"/>
+                </a:lnTo>
+                <a:cubicBezTo>
+                  <a:pt x="17795" y="6665"/>
+                  <a:pt x="18193" y="8151"/>
+                  <a:pt x="18193" y="9664"/>
+                </a:cubicBezTo>
+                <a:cubicBezTo>
+                  <a:pt x="18193" y="14368"/>
+                  <a:pt x="14367" y="18194"/>
+                  <a:pt x="9663" y="18194"/>
+                </a:cubicBezTo>
+                <a:cubicBezTo>
+                  <a:pt x="4959" y="18194"/>
+                  <a:pt x="1133" y="14368"/>
+                  <a:pt x="1133" y="9664"/>
+                </a:cubicBezTo>
+                <a:cubicBezTo>
+                  <a:pt x="1133" y="4959"/>
+                  <a:pt x="4959" y="1134"/>
+                  <a:pt x="9663" y="1134"/>
+                </a:cubicBezTo>
+                <a:close/>
+                <a:moveTo>
+                  <a:pt x="16491" y="0"/>
+                </a:moveTo>
+                <a:cubicBezTo>
+                  <a:pt x="16352" y="0"/>
+                  <a:pt x="16210" y="52"/>
+                  <a:pt x="16095" y="167"/>
+                </a:cubicBezTo>
+                <a:lnTo>
+                  <a:pt x="14799" y="1463"/>
+                </a:lnTo>
+                <a:cubicBezTo>
+                  <a:pt x="13256" y="509"/>
+                  <a:pt x="11478" y="4"/>
+                  <a:pt x="9663" y="1"/>
+                </a:cubicBezTo>
+                <a:cubicBezTo>
+                  <a:pt x="7094" y="1"/>
+                  <a:pt x="4669" y="1010"/>
+                  <a:pt x="2839" y="2840"/>
+                </a:cubicBezTo>
+                <a:cubicBezTo>
+                  <a:pt x="1009" y="4669"/>
+                  <a:pt x="1" y="7094"/>
+                  <a:pt x="1" y="9664"/>
+                </a:cubicBezTo>
+                <a:cubicBezTo>
+                  <a:pt x="1" y="12233"/>
+                  <a:pt x="1009" y="14658"/>
+                  <a:pt x="2839" y="16488"/>
+                </a:cubicBezTo>
+                <a:cubicBezTo>
+                  <a:pt x="4669" y="18317"/>
+                  <a:pt x="7094" y="19326"/>
+                  <a:pt x="9663" y="19326"/>
+                </a:cubicBezTo>
+                <a:cubicBezTo>
+                  <a:pt x="12233" y="19326"/>
+                  <a:pt x="14657" y="18317"/>
+                  <a:pt x="16487" y="16488"/>
+                </a:cubicBezTo>
+                <a:cubicBezTo>
+                  <a:pt x="18317" y="14658"/>
+                  <a:pt x="19325" y="12233"/>
+                  <a:pt x="19325" y="9664"/>
+                </a:cubicBezTo>
+                <a:cubicBezTo>
+                  <a:pt x="19322" y="7849"/>
+                  <a:pt x="18818" y="6070"/>
+                  <a:pt x="17864" y="4528"/>
+                </a:cubicBezTo>
+                <a:lnTo>
+                  <a:pt x="19159" y="3232"/>
+                </a:lnTo>
+                <a:cubicBezTo>
+                  <a:pt x="19516" y="2876"/>
+                  <a:pt x="19265" y="2266"/>
+                  <a:pt x="18761" y="2266"/>
+                </a:cubicBezTo>
+                <a:lnTo>
+                  <a:pt x="17061" y="2266"/>
+                </a:lnTo>
+                <a:lnTo>
+                  <a:pt x="17061" y="569"/>
+                </a:lnTo>
+                <a:cubicBezTo>
+                  <a:pt x="17061" y="226"/>
+                  <a:pt x="16782" y="0"/>
+                  <a:pt x="16491" y="0"/>
+                </a:cubicBezTo>
+                <a:close/>
+              </a:path>
+            </a:pathLst>
+          </a:custGeom>
+          <a:solidFill>
+            <a:schemeClr val="accent5"/>
+          </a:solidFill>
+          <a:ln>
+            <a:noFill/>
+          </a:ln>
+        </p:spPr>
+        <p:txBody>
+          <a:bodyPr spcFirstLastPara="1" wrap="square" lIns="121900" tIns="121900" rIns="121900" bIns="121900" anchor="ctr" anchorCtr="0">
+            <a:noAutofit/>
+          </a:bodyPr>
+          <a:lstStyle/>
+          <a:p>
+            <a:endParaRPr sz="2400">
+              <a:solidFill>
+                <a:srgbClr val="435D74"/>
+              </a:solidFill>
+            </a:endParaRPr>
+          </a:p>
+        </p:txBody>
+      </p:sp>
+      <p:grpSp>
+        <p:nvGrpSpPr>
+          <p:cNvPr id="1675" name="Google Shape;1675;p42"/>
+          <p:cNvGrpSpPr/>
+          <p:nvPr/>
+        </p:nvGrpSpPr>
+        <p:grpSpPr>
+          <a:xfrm>
+            <a:off x="3189893" y="3758918"/>
+            <a:ext cx="431449" cy="426989"/>
+            <a:chOff x="3282325" y="2035675"/>
+            <a:chExt cx="459575" cy="454825"/>
+          </a:xfrm>
+        </p:grpSpPr>
+        <p:sp>
+          <p:nvSpPr>
+            <p:cNvPr id="1676" name="Google Shape;1676;p42"/>
+            <p:cNvSpPr/>
+            <p:nvPr/>
+          </p:nvSpPr>
+          <p:spPr>
+            <a:xfrm>
+              <a:off x="3337050" y="2234125"/>
+              <a:ext cx="85925" cy="206325"/>
+            </a:xfrm>
+            <a:custGeom>
+              <a:avLst/>
+              <a:gdLst/>
+              <a:ahLst/>
+              <a:cxnLst/>
+              <a:rect l="l" t="t" r="r" b="b"/>
+              <a:pathLst>
+                <a:path w="3437" h="8253" extrusionOk="0">
+                  <a:moveTo>
+                    <a:pt x="2305" y="1133"/>
+                  </a:moveTo>
+                  <a:lnTo>
+                    <a:pt x="2305" y="7120"/>
+                  </a:lnTo>
+                  <a:lnTo>
+                    <a:pt x="1133" y="7120"/>
+                  </a:lnTo>
+                  <a:lnTo>
+                    <a:pt x="1133" y="1133"/>
+                  </a:lnTo>
+                  <a:close/>
+                  <a:moveTo>
+                    <a:pt x="568" y="0"/>
+                  </a:moveTo>
+                  <a:cubicBezTo>
+                    <a:pt x="254" y="0"/>
+                    <a:pt x="1" y="254"/>
+                    <a:pt x="1" y="568"/>
+                  </a:cubicBezTo>
+                  <a:lnTo>
+                    <a:pt x="1" y="7688"/>
+                  </a:lnTo>
+                  <a:cubicBezTo>
+                    <a:pt x="1" y="7999"/>
+                    <a:pt x="254" y="8253"/>
+                    <a:pt x="568" y="8253"/>
+                  </a:cubicBezTo>
+                  <a:lnTo>
+                    <a:pt x="2869" y="8253"/>
+                  </a:lnTo>
+                  <a:cubicBezTo>
+                    <a:pt x="3183" y="8253"/>
+                    <a:pt x="3437" y="7999"/>
+                    <a:pt x="3437" y="7688"/>
+                  </a:cubicBezTo>
+                  <a:lnTo>
+                    <a:pt x="3437" y="568"/>
+                  </a:lnTo>
+                  <a:cubicBezTo>
+                    <a:pt x="3437" y="254"/>
+                    <a:pt x="3183" y="0"/>
+                    <a:pt x="2869" y="0"/>
+                  </a:cubicBezTo>
+                  <a:close/>
+                </a:path>
+              </a:pathLst>
+            </a:custGeom>
+            <a:solidFill>
+              <a:schemeClr val="accent2"/>
+            </a:solidFill>
+            <a:ln>
+              <a:noFill/>
+            </a:ln>
+          </p:spPr>
+          <p:txBody>
+            <a:bodyPr spcFirstLastPara="1" wrap="square" lIns="121900" tIns="121900" rIns="121900" bIns="121900" anchor="ctr" anchorCtr="0">
+              <a:noAutofit/>
+            </a:bodyPr>
+            <a:lstStyle/>
+            <a:p>
+              <a:endParaRPr sz="2400">
+                <a:solidFill>
+                  <a:srgbClr val="435D74"/>
+                </a:solidFill>
+              </a:endParaRPr>
+            </a:p>
+          </p:txBody>
+        </p:sp>
+        <p:sp>
+          <p:nvSpPr>
+            <p:cNvPr id="1677" name="Google Shape;1677;p42"/>
+            <p:cNvSpPr/>
+            <p:nvPr/>
+          </p:nvSpPr>
+          <p:spPr>
+            <a:xfrm>
+              <a:off x="3451275" y="2175475"/>
+              <a:ext cx="84925" cy="264975"/>
+            </a:xfrm>
+            <a:custGeom>
+              <a:avLst/>
+              <a:gdLst/>
+              <a:ahLst/>
+              <a:cxnLst/>
+              <a:rect l="l" t="t" r="r" b="b"/>
+              <a:pathLst>
+                <a:path w="3397" h="10599" extrusionOk="0">
+                  <a:moveTo>
+                    <a:pt x="2265" y="1133"/>
+                  </a:moveTo>
+                  <a:lnTo>
+                    <a:pt x="2265" y="9466"/>
+                  </a:lnTo>
+                  <a:lnTo>
+                    <a:pt x="1132" y="9466"/>
+                  </a:lnTo>
+                  <a:lnTo>
+                    <a:pt x="1132" y="1133"/>
+                  </a:lnTo>
+                  <a:close/>
+                  <a:moveTo>
+                    <a:pt x="565" y="0"/>
+                  </a:moveTo>
+                  <a:cubicBezTo>
+                    <a:pt x="254" y="0"/>
+                    <a:pt x="0" y="254"/>
+                    <a:pt x="0" y="565"/>
+                  </a:cubicBezTo>
+                  <a:lnTo>
+                    <a:pt x="0" y="10034"/>
+                  </a:lnTo>
+                  <a:cubicBezTo>
+                    <a:pt x="0" y="10345"/>
+                    <a:pt x="254" y="10599"/>
+                    <a:pt x="565" y="10599"/>
+                  </a:cubicBezTo>
+                  <a:lnTo>
+                    <a:pt x="2829" y="10599"/>
+                  </a:lnTo>
+                  <a:cubicBezTo>
+                    <a:pt x="3143" y="10599"/>
+                    <a:pt x="3397" y="10345"/>
+                    <a:pt x="3397" y="10034"/>
+                  </a:cubicBezTo>
+                  <a:lnTo>
+                    <a:pt x="3397" y="565"/>
+                  </a:lnTo>
+                  <a:cubicBezTo>
+                    <a:pt x="3397" y="254"/>
+                    <a:pt x="3143" y="0"/>
+                    <a:pt x="2829" y="0"/>
+                  </a:cubicBezTo>
+                  <a:close/>
+                </a:path>
+              </a:pathLst>
+            </a:custGeom>
+            <a:solidFill>
+              <a:schemeClr val="accent2"/>
+            </a:solidFill>
+            <a:ln>
+              <a:noFill/>
+            </a:ln>
+          </p:spPr>
+          <p:txBody>
+            <a:bodyPr spcFirstLastPara="1" wrap="square" lIns="121900" tIns="121900" rIns="121900" bIns="121900" anchor="ctr" anchorCtr="0">
+              <a:noAutofit/>
+            </a:bodyPr>
+            <a:lstStyle/>
+            <a:p>
+              <a:endParaRPr sz="2400">
+                <a:solidFill>
+                  <a:srgbClr val="435D74"/>
+                </a:solidFill>
+              </a:endParaRPr>
+            </a:p>
+          </p:txBody>
+        </p:sp>
+        <p:sp>
+          <p:nvSpPr>
+            <p:cNvPr id="1678" name="Google Shape;1678;p42"/>
+            <p:cNvSpPr/>
+            <p:nvPr/>
+          </p:nvSpPr>
+          <p:spPr>
+            <a:xfrm>
+              <a:off x="3564500" y="2116825"/>
+              <a:ext cx="84950" cy="323625"/>
+            </a:xfrm>
+            <a:custGeom>
+              <a:avLst/>
+              <a:gdLst/>
+              <a:ahLst/>
+              <a:cxnLst/>
+              <a:rect l="l" t="t" r="r" b="b"/>
+              <a:pathLst>
+                <a:path w="3398" h="12945" extrusionOk="0">
+                  <a:moveTo>
+                    <a:pt x="2265" y="1132"/>
+                  </a:moveTo>
+                  <a:lnTo>
+                    <a:pt x="2265" y="11812"/>
+                  </a:lnTo>
+                  <a:lnTo>
+                    <a:pt x="1133" y="11812"/>
+                  </a:lnTo>
+                  <a:lnTo>
+                    <a:pt x="1133" y="1132"/>
+                  </a:lnTo>
+                  <a:close/>
+                  <a:moveTo>
+                    <a:pt x="565" y="0"/>
+                  </a:moveTo>
+                  <a:cubicBezTo>
+                    <a:pt x="254" y="0"/>
+                    <a:pt x="0" y="251"/>
+                    <a:pt x="0" y="565"/>
+                  </a:cubicBezTo>
+                  <a:lnTo>
+                    <a:pt x="0" y="12380"/>
+                  </a:lnTo>
+                  <a:cubicBezTo>
+                    <a:pt x="0" y="12691"/>
+                    <a:pt x="254" y="12945"/>
+                    <a:pt x="565" y="12945"/>
+                  </a:cubicBezTo>
+                  <a:lnTo>
+                    <a:pt x="2829" y="12945"/>
+                  </a:lnTo>
+                  <a:cubicBezTo>
+                    <a:pt x="3144" y="12945"/>
+                    <a:pt x="3397" y="12691"/>
+                    <a:pt x="3397" y="12380"/>
+                  </a:cubicBezTo>
+                  <a:lnTo>
+                    <a:pt x="3397" y="565"/>
+                  </a:lnTo>
+                  <a:cubicBezTo>
+                    <a:pt x="3397" y="251"/>
+                    <a:pt x="3144" y="0"/>
+                    <a:pt x="2829" y="0"/>
+                  </a:cubicBezTo>
+                  <a:close/>
+                </a:path>
+              </a:pathLst>
+            </a:custGeom>
+            <a:solidFill>
+              <a:schemeClr val="accent2"/>
+            </a:solidFill>
+            <a:ln>
+              <a:noFill/>
+            </a:ln>
+          </p:spPr>
+          <p:txBody>
+            <a:bodyPr spcFirstLastPara="1" wrap="square" lIns="121900" tIns="121900" rIns="121900" bIns="121900" anchor="ctr" anchorCtr="0">
+              <a:noAutofit/>
+            </a:bodyPr>
+            <a:lstStyle/>
+            <a:p>
+              <a:endParaRPr sz="2400">
+                <a:solidFill>
+                  <a:srgbClr val="435D74"/>
+                </a:solidFill>
+              </a:endParaRPr>
+            </a:p>
+          </p:txBody>
+        </p:sp>
+        <p:sp>
+          <p:nvSpPr>
+            <p:cNvPr id="1679" name="Google Shape;1679;p42"/>
+            <p:cNvSpPr/>
+            <p:nvPr/>
+          </p:nvSpPr>
+          <p:spPr>
+            <a:xfrm>
+              <a:off x="3282325" y="2035675"/>
+              <a:ext cx="459575" cy="454825"/>
+            </a:xfrm>
+            <a:custGeom>
+              <a:avLst/>
+              <a:gdLst/>
+              <a:ahLst/>
+              <a:cxnLst/>
+              <a:rect l="l" t="t" r="r" b="b"/>
+              <a:pathLst>
+                <a:path w="18383" h="18193" extrusionOk="0">
+                  <a:moveTo>
+                    <a:pt x="568" y="0"/>
+                  </a:moveTo>
+                  <a:cubicBezTo>
+                    <a:pt x="254" y="0"/>
+                    <a:pt x="1" y="251"/>
+                    <a:pt x="1" y="565"/>
+                  </a:cubicBezTo>
+                  <a:lnTo>
+                    <a:pt x="1" y="17625"/>
+                  </a:lnTo>
+                  <a:cubicBezTo>
+                    <a:pt x="1" y="17939"/>
+                    <a:pt x="254" y="18192"/>
+                    <a:pt x="568" y="18192"/>
+                  </a:cubicBezTo>
+                  <a:lnTo>
+                    <a:pt x="17815" y="18192"/>
+                  </a:lnTo>
+                  <a:cubicBezTo>
+                    <a:pt x="18129" y="18192"/>
+                    <a:pt x="18383" y="17939"/>
+                    <a:pt x="18383" y="17625"/>
+                  </a:cubicBezTo>
+                  <a:cubicBezTo>
+                    <a:pt x="18383" y="17311"/>
+                    <a:pt x="18129" y="17060"/>
+                    <a:pt x="17815" y="17060"/>
+                  </a:cubicBezTo>
+                  <a:lnTo>
+                    <a:pt x="1133" y="17060"/>
+                  </a:lnTo>
+                  <a:lnTo>
+                    <a:pt x="1133" y="565"/>
+                  </a:lnTo>
+                  <a:cubicBezTo>
+                    <a:pt x="1133" y="251"/>
+                    <a:pt x="879" y="0"/>
+                    <a:pt x="568" y="0"/>
+                  </a:cubicBezTo>
+                  <a:close/>
+                </a:path>
+              </a:pathLst>
+            </a:custGeom>
+            <a:solidFill>
+              <a:schemeClr val="accent2"/>
+            </a:solidFill>
+            <a:ln>
+              <a:noFill/>
+            </a:ln>
+          </p:spPr>
+          <p:txBody>
+            <a:bodyPr spcFirstLastPara="1" wrap="square" lIns="121900" tIns="121900" rIns="121900" bIns="121900" anchor="ctr" anchorCtr="0">
+              <a:noAutofit/>
+            </a:bodyPr>
+            <a:lstStyle/>
+            <a:p>
+              <a:endParaRPr sz="2400">
+                <a:solidFill>
+                  <a:srgbClr val="435D74"/>
+                </a:solidFill>
+              </a:endParaRPr>
+            </a:p>
+          </p:txBody>
+        </p:sp>
+      </p:grpSp>
+      <p:sp>
+        <p:nvSpPr>
+          <p:cNvPr id="1680" name="Google Shape;1680;p42"/>
+          <p:cNvSpPr/>
+          <p:nvPr/>
+        </p:nvSpPr>
+        <p:spPr>
+          <a:xfrm>
+            <a:off x="7151738" y="3761289"/>
+            <a:ext cx="440579" cy="422249"/>
+          </a:xfrm>
+          <a:custGeom>
+            <a:avLst/>
+            <a:gdLst/>
+            <a:ahLst/>
+            <a:cxnLst/>
+            <a:rect l="l" t="t" r="r" b="b"/>
+            <a:pathLst>
+              <a:path w="18772" h="17991" extrusionOk="0">
+                <a:moveTo>
+                  <a:pt x="17492" y="6197"/>
+                </a:moveTo>
+                <a:lnTo>
+                  <a:pt x="17217" y="8063"/>
+                </a:lnTo>
+                <a:lnTo>
+                  <a:pt x="15626" y="6472"/>
+                </a:lnTo>
+                <a:lnTo>
+                  <a:pt x="17492" y="6197"/>
+                </a:lnTo>
+                <a:close/>
+                <a:moveTo>
+                  <a:pt x="6055" y="9391"/>
+                </a:moveTo>
+                <a:lnTo>
+                  <a:pt x="6055" y="16858"/>
+                </a:lnTo>
+                <a:lnTo>
+                  <a:pt x="1133" y="16858"/>
+                </a:lnTo>
+                <a:lnTo>
+                  <a:pt x="1133" y="13332"/>
+                </a:lnTo>
+                <a:lnTo>
+                  <a:pt x="6055" y="9391"/>
+                </a:lnTo>
+                <a:close/>
+                <a:moveTo>
+                  <a:pt x="7187" y="9141"/>
+                </a:moveTo>
+                <a:lnTo>
+                  <a:pt x="11903" y="11568"/>
+                </a:lnTo>
+                <a:lnTo>
+                  <a:pt x="11903" y="16858"/>
+                </a:lnTo>
+                <a:lnTo>
+                  <a:pt x="7187" y="16858"/>
+                </a:lnTo>
+                <a:lnTo>
+                  <a:pt x="7187" y="9141"/>
+                </a:lnTo>
+                <a:close/>
+                <a:moveTo>
+                  <a:pt x="565" y="1"/>
+                </a:moveTo>
+                <a:cubicBezTo>
+                  <a:pt x="254" y="1"/>
+                  <a:pt x="1" y="255"/>
+                  <a:pt x="1" y="569"/>
+                </a:cubicBezTo>
+                <a:lnTo>
+                  <a:pt x="1" y="17423"/>
+                </a:lnTo>
+                <a:cubicBezTo>
+                  <a:pt x="1" y="17737"/>
+                  <a:pt x="254" y="17991"/>
+                  <a:pt x="565" y="17991"/>
+                </a:cubicBezTo>
+                <a:lnTo>
+                  <a:pt x="18141" y="17991"/>
+                </a:lnTo>
+                <a:cubicBezTo>
+                  <a:pt x="18455" y="17991"/>
+                  <a:pt x="18706" y="17737"/>
+                  <a:pt x="18706" y="17423"/>
+                </a:cubicBezTo>
+                <a:cubicBezTo>
+                  <a:pt x="18706" y="17112"/>
+                  <a:pt x="18455" y="16858"/>
+                  <a:pt x="18141" y="16858"/>
+                </a:cubicBezTo>
+                <a:lnTo>
+                  <a:pt x="13033" y="16858"/>
+                </a:lnTo>
+                <a:lnTo>
+                  <a:pt x="13033" y="11457"/>
+                </a:lnTo>
+                <a:lnTo>
+                  <a:pt x="16022" y="8467"/>
+                </a:lnTo>
+                <a:lnTo>
+                  <a:pt x="17214" y="9660"/>
+                </a:lnTo>
+                <a:cubicBezTo>
+                  <a:pt x="17329" y="9774"/>
+                  <a:pt x="17471" y="9826"/>
+                  <a:pt x="17611" y="9826"/>
+                </a:cubicBezTo>
+                <a:cubicBezTo>
+                  <a:pt x="17874" y="9826"/>
+                  <a:pt x="18129" y="9643"/>
+                  <a:pt x="18175" y="9343"/>
+                </a:cubicBezTo>
+                <a:lnTo>
+                  <a:pt x="18721" y="5608"/>
+                </a:lnTo>
+                <a:cubicBezTo>
+                  <a:pt x="18771" y="5262"/>
+                  <a:pt x="18501" y="4962"/>
+                  <a:pt x="18164" y="4962"/>
+                </a:cubicBezTo>
+                <a:cubicBezTo>
+                  <a:pt x="18137" y="4962"/>
+                  <a:pt x="18109" y="4964"/>
+                  <a:pt x="18081" y="4968"/>
+                </a:cubicBezTo>
+                <a:lnTo>
+                  <a:pt x="14346" y="5514"/>
+                </a:lnTo>
+                <a:cubicBezTo>
+                  <a:pt x="13887" y="5584"/>
+                  <a:pt x="13700" y="6145"/>
+                  <a:pt x="14029" y="6475"/>
+                </a:cubicBezTo>
+                <a:lnTo>
+                  <a:pt x="15222" y="7667"/>
+                </a:lnTo>
+                <a:lnTo>
+                  <a:pt x="12359" y="10530"/>
+                </a:lnTo>
+                <a:lnTo>
+                  <a:pt x="6879" y="7710"/>
+                </a:lnTo>
+                <a:cubicBezTo>
+                  <a:pt x="6867" y="7703"/>
+                  <a:pt x="6855" y="7697"/>
+                  <a:pt x="6846" y="7694"/>
+                </a:cubicBezTo>
+                <a:lnTo>
+                  <a:pt x="6831" y="7688"/>
+                </a:lnTo>
+                <a:lnTo>
+                  <a:pt x="6794" y="7673"/>
+                </a:lnTo>
+                <a:lnTo>
+                  <a:pt x="6776" y="7670"/>
+                </a:lnTo>
+                <a:cubicBezTo>
+                  <a:pt x="6767" y="7667"/>
+                  <a:pt x="6755" y="7664"/>
+                  <a:pt x="6743" y="7661"/>
+                </a:cubicBezTo>
+                <a:lnTo>
+                  <a:pt x="6728" y="7658"/>
+                </a:lnTo>
+                <a:cubicBezTo>
+                  <a:pt x="6713" y="7655"/>
+                  <a:pt x="6695" y="7652"/>
+                  <a:pt x="6680" y="7649"/>
+                </a:cubicBezTo>
+                <a:lnTo>
+                  <a:pt x="6553" y="7649"/>
+                </a:lnTo>
+                <a:cubicBezTo>
+                  <a:pt x="6541" y="7649"/>
+                  <a:pt x="6526" y="7655"/>
+                  <a:pt x="6514" y="7655"/>
+                </a:cubicBezTo>
+                <a:lnTo>
+                  <a:pt x="6495" y="7661"/>
+                </a:lnTo>
+                <a:cubicBezTo>
+                  <a:pt x="6483" y="7661"/>
+                  <a:pt x="6474" y="7664"/>
+                  <a:pt x="6465" y="7667"/>
+                </a:cubicBezTo>
+                <a:lnTo>
+                  <a:pt x="6447" y="7673"/>
+                </a:lnTo>
+                <a:cubicBezTo>
+                  <a:pt x="6432" y="7679"/>
+                  <a:pt x="6417" y="7682"/>
+                  <a:pt x="6405" y="7688"/>
+                </a:cubicBezTo>
+                <a:lnTo>
+                  <a:pt x="6387" y="7697"/>
+                </a:lnTo>
+                <a:lnTo>
+                  <a:pt x="6360" y="7710"/>
+                </a:lnTo>
+                <a:lnTo>
+                  <a:pt x="6341" y="7719"/>
+                </a:lnTo>
+                <a:cubicBezTo>
+                  <a:pt x="6332" y="7725"/>
+                  <a:pt x="6323" y="7731"/>
+                  <a:pt x="6314" y="7737"/>
+                </a:cubicBezTo>
+                <a:lnTo>
+                  <a:pt x="6299" y="7746"/>
+                </a:lnTo>
+                <a:cubicBezTo>
+                  <a:pt x="6287" y="7752"/>
+                  <a:pt x="6275" y="7761"/>
+                  <a:pt x="6266" y="7770"/>
+                </a:cubicBezTo>
+                <a:lnTo>
+                  <a:pt x="6260" y="7776"/>
+                </a:lnTo>
+                <a:lnTo>
+                  <a:pt x="1133" y="11879"/>
+                </a:lnTo>
+                <a:lnTo>
+                  <a:pt x="1133" y="569"/>
+                </a:lnTo>
+                <a:cubicBezTo>
+                  <a:pt x="1133" y="255"/>
+                  <a:pt x="879" y="1"/>
+                  <a:pt x="565" y="1"/>
+                </a:cubicBezTo>
+                <a:close/>
+              </a:path>
+            </a:pathLst>
+          </a:custGeom>
+          <a:solidFill>
+            <a:schemeClr val="accent4"/>
+          </a:solidFill>
+          <a:ln>
+            <a:noFill/>
+          </a:ln>
+        </p:spPr>
+        <p:txBody>
+          <a:bodyPr spcFirstLastPara="1" wrap="square" lIns="121900" tIns="121900" rIns="121900" bIns="121900" anchor="ctr" anchorCtr="0">
+            <a:noAutofit/>
+          </a:bodyPr>
+          <a:lstStyle/>
+          <a:p>
+            <a:endParaRPr sz="2400">
+              <a:solidFill>
+                <a:srgbClr val="435D74"/>
+              </a:solidFill>
+            </a:endParaRPr>
+          </a:p>
+        </p:txBody>
+      </p:sp>
+      <p:grpSp>
+        <p:nvGrpSpPr>
+          <p:cNvPr id="1681" name="Google Shape;1681;p42"/>
+          <p:cNvGrpSpPr/>
+          <p:nvPr/>
+        </p:nvGrpSpPr>
+        <p:grpSpPr>
+          <a:xfrm>
+            <a:off x="5159458" y="3745634"/>
+            <a:ext cx="454144" cy="453557"/>
+            <a:chOff x="5053900" y="2021500"/>
+            <a:chExt cx="483750" cy="483125"/>
+          </a:xfrm>
+        </p:grpSpPr>
+        <p:sp>
+          <p:nvSpPr>
+            <p:cNvPr id="1682" name="Google Shape;1682;p42"/>
+            <p:cNvSpPr/>
+            <p:nvPr/>
+          </p:nvSpPr>
+          <p:spPr>
+            <a:xfrm>
+              <a:off x="5281350" y="2078100"/>
+              <a:ext cx="127375" cy="127350"/>
+            </a:xfrm>
+            <a:custGeom>
+              <a:avLst/>
+              <a:gdLst/>
+              <a:ahLst/>
+              <a:cxnLst/>
+              <a:rect l="l" t="t" r="r" b="b"/>
+              <a:pathLst>
+                <a:path w="5095" h="5094" extrusionOk="0">
+                  <a:moveTo>
+                    <a:pt x="565" y="0"/>
+                  </a:moveTo>
+                  <a:cubicBezTo>
+                    <a:pt x="251" y="0"/>
+                    <a:pt x="1" y="254"/>
+                    <a:pt x="1" y="568"/>
+                  </a:cubicBezTo>
+                  <a:cubicBezTo>
+                    <a:pt x="1" y="879"/>
+                    <a:pt x="251" y="1132"/>
+                    <a:pt x="565" y="1132"/>
+                  </a:cubicBezTo>
+                  <a:cubicBezTo>
+                    <a:pt x="2440" y="1135"/>
+                    <a:pt x="3959" y="2654"/>
+                    <a:pt x="3962" y="4529"/>
+                  </a:cubicBezTo>
+                  <a:cubicBezTo>
+                    <a:pt x="3962" y="4843"/>
+                    <a:pt x="4216" y="5094"/>
+                    <a:pt x="4530" y="5094"/>
+                  </a:cubicBezTo>
+                  <a:cubicBezTo>
+                    <a:pt x="4841" y="5094"/>
+                    <a:pt x="5094" y="4843"/>
+                    <a:pt x="5094" y="4529"/>
+                  </a:cubicBezTo>
+                  <a:cubicBezTo>
+                    <a:pt x="5091" y="2029"/>
+                    <a:pt x="3065" y="3"/>
+                    <a:pt x="565" y="0"/>
+                  </a:cubicBezTo>
+                  <a:close/>
+                </a:path>
+              </a:pathLst>
+            </a:custGeom>
+            <a:solidFill>
+              <a:schemeClr val="accent3"/>
+            </a:solidFill>
+            <a:ln>
+              <a:noFill/>
+            </a:ln>
+          </p:spPr>
+          <p:txBody>
+            <a:bodyPr spcFirstLastPara="1" wrap="square" lIns="121900" tIns="121900" rIns="121900" bIns="121900" anchor="ctr" anchorCtr="0">
+              <a:noAutofit/>
+            </a:bodyPr>
+            <a:lstStyle/>
+            <a:p>
+              <a:endParaRPr sz="2400">
+                <a:solidFill>
+                  <a:srgbClr val="435D74"/>
+                </a:solidFill>
+              </a:endParaRPr>
+            </a:p>
+          </p:txBody>
+        </p:sp>
+        <p:sp>
+          <p:nvSpPr>
+            <p:cNvPr id="1683" name="Google Shape;1683;p42"/>
+            <p:cNvSpPr/>
+            <p:nvPr/>
+          </p:nvSpPr>
+          <p:spPr>
+            <a:xfrm>
+              <a:off x="5118000" y="2021500"/>
+              <a:ext cx="368700" cy="483125"/>
+            </a:xfrm>
+            <a:custGeom>
+              <a:avLst/>
+              <a:gdLst/>
+              <a:ahLst/>
+              <a:cxnLst/>
+              <a:rect l="l" t="t" r="r" b="b"/>
+              <a:pathLst>
+                <a:path w="14748" h="19325" extrusionOk="0">
+                  <a:moveTo>
+                    <a:pt x="7088" y="1135"/>
+                  </a:moveTo>
+                  <a:cubicBezTo>
+                    <a:pt x="8391" y="1135"/>
+                    <a:pt x="9651" y="1571"/>
+                    <a:pt x="10668" y="2397"/>
+                  </a:cubicBezTo>
+                  <a:cubicBezTo>
+                    <a:pt x="13159" y="4417"/>
+                    <a:pt x="13473" y="8104"/>
+                    <a:pt x="11360" y="10516"/>
+                  </a:cubicBezTo>
+                  <a:cubicBezTo>
+                    <a:pt x="10572" y="11419"/>
+                    <a:pt x="10085" y="12503"/>
+                    <a:pt x="9962" y="13626"/>
+                  </a:cubicBezTo>
+                  <a:lnTo>
+                    <a:pt x="4237" y="13626"/>
+                  </a:lnTo>
+                  <a:cubicBezTo>
+                    <a:pt x="4107" y="12482"/>
+                    <a:pt x="3630" y="11407"/>
+                    <a:pt x="2866" y="10550"/>
+                  </a:cubicBezTo>
+                  <a:cubicBezTo>
+                    <a:pt x="1658" y="9191"/>
+                    <a:pt x="1184" y="7367"/>
+                    <a:pt x="1571" y="5549"/>
+                  </a:cubicBezTo>
+                  <a:cubicBezTo>
+                    <a:pt x="2020" y="3427"/>
+                    <a:pt x="3748" y="1706"/>
+                    <a:pt x="5873" y="1262"/>
+                  </a:cubicBezTo>
+                  <a:cubicBezTo>
+                    <a:pt x="6278" y="1177"/>
+                    <a:pt x="6685" y="1135"/>
+                    <a:pt x="7088" y="1135"/>
+                  </a:cubicBezTo>
+                  <a:close/>
+                  <a:moveTo>
+                    <a:pt x="9931" y="14759"/>
+                  </a:moveTo>
+                  <a:lnTo>
+                    <a:pt x="9931" y="15323"/>
+                  </a:lnTo>
+                  <a:cubicBezTo>
+                    <a:pt x="9931" y="15637"/>
+                    <a:pt x="9678" y="15891"/>
+                    <a:pt x="9364" y="15891"/>
+                  </a:cubicBezTo>
+                  <a:lnTo>
+                    <a:pt x="4835" y="15891"/>
+                  </a:lnTo>
+                  <a:cubicBezTo>
+                    <a:pt x="4521" y="15891"/>
+                    <a:pt x="4270" y="15637"/>
+                    <a:pt x="4270" y="15323"/>
+                  </a:cubicBezTo>
+                  <a:lnTo>
+                    <a:pt x="4270" y="14759"/>
+                  </a:lnTo>
+                  <a:close/>
+                  <a:moveTo>
+                    <a:pt x="8699" y="17023"/>
+                  </a:moveTo>
+                  <a:cubicBezTo>
+                    <a:pt x="8464" y="17694"/>
+                    <a:pt x="7827" y="18192"/>
+                    <a:pt x="7099" y="18192"/>
+                  </a:cubicBezTo>
+                  <a:cubicBezTo>
+                    <a:pt x="6371" y="18192"/>
+                    <a:pt x="5734" y="17694"/>
+                    <a:pt x="5499" y="17023"/>
+                  </a:cubicBezTo>
+                  <a:close/>
+                  <a:moveTo>
+                    <a:pt x="7087" y="0"/>
+                  </a:moveTo>
+                  <a:cubicBezTo>
+                    <a:pt x="6607" y="0"/>
+                    <a:pt x="6123" y="50"/>
+                    <a:pt x="5641" y="151"/>
+                  </a:cubicBezTo>
+                  <a:cubicBezTo>
+                    <a:pt x="3053" y="712"/>
+                    <a:pt x="1027" y="2729"/>
+                    <a:pt x="462" y="5314"/>
+                  </a:cubicBezTo>
+                  <a:cubicBezTo>
+                    <a:pt x="0" y="7488"/>
+                    <a:pt x="568" y="9671"/>
+                    <a:pt x="2020" y="11301"/>
+                  </a:cubicBezTo>
+                  <a:cubicBezTo>
+                    <a:pt x="2730" y="12099"/>
+                    <a:pt x="3135" y="13149"/>
+                    <a:pt x="3135" y="14191"/>
+                  </a:cubicBezTo>
+                  <a:lnTo>
+                    <a:pt x="3135" y="15323"/>
+                  </a:lnTo>
+                  <a:cubicBezTo>
+                    <a:pt x="3138" y="16060"/>
+                    <a:pt x="3612" y="16709"/>
+                    <a:pt x="4309" y="16939"/>
+                  </a:cubicBezTo>
+                  <a:cubicBezTo>
+                    <a:pt x="4409" y="17518"/>
+                    <a:pt x="4681" y="18053"/>
+                    <a:pt x="5094" y="18473"/>
+                  </a:cubicBezTo>
+                  <a:cubicBezTo>
+                    <a:pt x="5642" y="19040"/>
+                    <a:pt x="6371" y="19324"/>
+                    <a:pt x="7099" y="19324"/>
+                  </a:cubicBezTo>
+                  <a:cubicBezTo>
+                    <a:pt x="7828" y="19324"/>
+                    <a:pt x="8556" y="19040"/>
+                    <a:pt x="9104" y="18473"/>
+                  </a:cubicBezTo>
+                  <a:cubicBezTo>
+                    <a:pt x="9518" y="18053"/>
+                    <a:pt x="9790" y="17518"/>
+                    <a:pt x="9889" y="16939"/>
+                  </a:cubicBezTo>
+                  <a:cubicBezTo>
+                    <a:pt x="10587" y="16709"/>
+                    <a:pt x="11061" y="16060"/>
+                    <a:pt x="11064" y="15323"/>
+                  </a:cubicBezTo>
+                  <a:lnTo>
+                    <a:pt x="11064" y="14191"/>
+                  </a:lnTo>
+                  <a:cubicBezTo>
+                    <a:pt x="11064" y="13149"/>
+                    <a:pt x="11471" y="12108"/>
+                    <a:pt x="12211" y="11262"/>
+                  </a:cubicBezTo>
+                  <a:cubicBezTo>
+                    <a:pt x="14747" y="8366"/>
+                    <a:pt x="14370" y="3943"/>
+                    <a:pt x="11381" y="1518"/>
+                  </a:cubicBezTo>
+                  <a:cubicBezTo>
+                    <a:pt x="10159" y="525"/>
+                    <a:pt x="8647" y="0"/>
+                    <a:pt x="7087" y="0"/>
+                  </a:cubicBezTo>
+                  <a:close/>
+                </a:path>
+              </a:pathLst>
+            </a:custGeom>
+            <a:solidFill>
+              <a:schemeClr val="accent3"/>
+            </a:solidFill>
+            <a:ln>
+              <a:noFill/>
+            </a:ln>
+          </p:spPr>
+          <p:txBody>
+            <a:bodyPr spcFirstLastPara="1" wrap="square" lIns="121900" tIns="121900" rIns="121900" bIns="121900" anchor="ctr" anchorCtr="0">
+              <a:noAutofit/>
+            </a:bodyPr>
+            <a:lstStyle/>
+            <a:p>
+              <a:endParaRPr sz="2400">
+                <a:solidFill>
+                  <a:srgbClr val="435D74"/>
+                </a:solidFill>
+              </a:endParaRPr>
+            </a:p>
+          </p:txBody>
+        </p:sp>
+        <p:sp>
+          <p:nvSpPr>
+            <p:cNvPr id="1684" name="Google Shape;1684;p42"/>
+            <p:cNvSpPr/>
+            <p:nvPr/>
+          </p:nvSpPr>
+          <p:spPr>
+            <a:xfrm>
+              <a:off x="5053900" y="2191325"/>
+              <a:ext cx="56650" cy="28325"/>
+            </a:xfrm>
+            <a:custGeom>
+              <a:avLst/>
+              <a:gdLst/>
+              <a:ahLst/>
+              <a:cxnLst/>
+              <a:rect l="l" t="t" r="r" b="b"/>
+              <a:pathLst>
+                <a:path w="2266" h="1133" extrusionOk="0">
+                  <a:moveTo>
+                    <a:pt x="569" y="0"/>
+                  </a:moveTo>
+                  <a:cubicBezTo>
+                    <a:pt x="255" y="0"/>
+                    <a:pt x="1" y="254"/>
+                    <a:pt x="1" y="568"/>
+                  </a:cubicBezTo>
+                  <a:cubicBezTo>
+                    <a:pt x="1" y="879"/>
+                    <a:pt x="255" y="1133"/>
+                    <a:pt x="569" y="1133"/>
+                  </a:cubicBezTo>
+                  <a:lnTo>
+                    <a:pt x="1701" y="1133"/>
+                  </a:lnTo>
+                  <a:cubicBezTo>
+                    <a:pt x="2012" y="1133"/>
+                    <a:pt x="2266" y="879"/>
+                    <a:pt x="2266" y="568"/>
+                  </a:cubicBezTo>
+                  <a:cubicBezTo>
+                    <a:pt x="2266" y="254"/>
+                    <a:pt x="2012" y="0"/>
+                    <a:pt x="1701" y="0"/>
+                  </a:cubicBezTo>
+                  <a:close/>
+                </a:path>
+              </a:pathLst>
+            </a:custGeom>
+            <a:solidFill>
+              <a:schemeClr val="accent3"/>
+            </a:solidFill>
+            <a:ln>
+              <a:noFill/>
+            </a:ln>
+          </p:spPr>
+          <p:txBody>
+            <a:bodyPr spcFirstLastPara="1" wrap="square" lIns="121900" tIns="121900" rIns="121900" bIns="121900" anchor="ctr" anchorCtr="0">
+              <a:noAutofit/>
+            </a:bodyPr>
+            <a:lstStyle/>
+            <a:p>
+              <a:endParaRPr sz="2400">
+                <a:solidFill>
+                  <a:srgbClr val="435D74"/>
+                </a:solidFill>
+              </a:endParaRPr>
+            </a:p>
+          </p:txBody>
+        </p:sp>
+        <p:sp>
+          <p:nvSpPr>
+            <p:cNvPr id="1685" name="Google Shape;1685;p42"/>
+            <p:cNvSpPr/>
+            <p:nvPr/>
+          </p:nvSpPr>
+          <p:spPr>
+            <a:xfrm>
+              <a:off x="5056850" y="2096550"/>
+              <a:ext cx="50750" cy="48025"/>
+            </a:xfrm>
+            <a:custGeom>
+              <a:avLst/>
+              <a:gdLst/>
+              <a:ahLst/>
+              <a:cxnLst/>
+              <a:rect l="l" t="t" r="r" b="b"/>
+              <a:pathLst>
+                <a:path w="2030" h="1921" extrusionOk="0">
+                  <a:moveTo>
+                    <a:pt x="622" y="0"/>
+                  </a:moveTo>
+                  <a:cubicBezTo>
+                    <a:pt x="476" y="0"/>
+                    <a:pt x="331" y="56"/>
+                    <a:pt x="221" y="168"/>
+                  </a:cubicBezTo>
+                  <a:cubicBezTo>
+                    <a:pt x="4" y="385"/>
+                    <a:pt x="1" y="739"/>
+                    <a:pt x="215" y="962"/>
+                  </a:cubicBezTo>
+                  <a:lnTo>
+                    <a:pt x="1015" y="1762"/>
+                  </a:lnTo>
+                  <a:cubicBezTo>
+                    <a:pt x="1125" y="1868"/>
+                    <a:pt x="1267" y="1921"/>
+                    <a:pt x="1409" y="1921"/>
+                  </a:cubicBezTo>
+                  <a:cubicBezTo>
+                    <a:pt x="1554" y="1921"/>
+                    <a:pt x="1699" y="1865"/>
+                    <a:pt x="1809" y="1753"/>
+                  </a:cubicBezTo>
+                  <a:cubicBezTo>
+                    <a:pt x="2027" y="1536"/>
+                    <a:pt x="2030" y="1183"/>
+                    <a:pt x="1815" y="962"/>
+                  </a:cubicBezTo>
+                  <a:lnTo>
+                    <a:pt x="1015" y="159"/>
+                  </a:lnTo>
+                  <a:cubicBezTo>
+                    <a:pt x="905" y="53"/>
+                    <a:pt x="763" y="0"/>
+                    <a:pt x="622" y="0"/>
+                  </a:cubicBezTo>
+                  <a:close/>
+                </a:path>
+              </a:pathLst>
+            </a:custGeom>
+            <a:solidFill>
+              <a:schemeClr val="accent3"/>
+            </a:solidFill>
+            <a:ln>
+              <a:noFill/>
+            </a:ln>
+          </p:spPr>
+          <p:txBody>
+            <a:bodyPr spcFirstLastPara="1" wrap="square" lIns="121900" tIns="121900" rIns="121900" bIns="121900" anchor="ctr" anchorCtr="0">
+              <a:noAutofit/>
+            </a:bodyPr>
+            <a:lstStyle/>
+            <a:p>
+              <a:endParaRPr sz="2400">
+                <a:solidFill>
+                  <a:srgbClr val="435D74"/>
+                </a:solidFill>
+              </a:endParaRPr>
+            </a:p>
+          </p:txBody>
+        </p:sp>
+        <p:sp>
+          <p:nvSpPr>
+            <p:cNvPr id="1686" name="Google Shape;1686;p42"/>
+            <p:cNvSpPr/>
+            <p:nvPr/>
+          </p:nvSpPr>
+          <p:spPr>
+            <a:xfrm>
+              <a:off x="5056400" y="2266400"/>
+              <a:ext cx="51200" cy="48350"/>
+            </a:xfrm>
+            <a:custGeom>
+              <a:avLst/>
+              <a:gdLst/>
+              <a:ahLst/>
+              <a:cxnLst/>
+              <a:rect l="l" t="t" r="r" b="b"/>
+              <a:pathLst>
+                <a:path w="2048" h="1934" extrusionOk="0">
+                  <a:moveTo>
+                    <a:pt x="1427" y="0"/>
+                  </a:moveTo>
+                  <a:cubicBezTo>
+                    <a:pt x="1285" y="0"/>
+                    <a:pt x="1143" y="53"/>
+                    <a:pt x="1033" y="159"/>
+                  </a:cubicBezTo>
+                  <a:lnTo>
+                    <a:pt x="233" y="962"/>
+                  </a:lnTo>
+                  <a:cubicBezTo>
+                    <a:pt x="4" y="1179"/>
+                    <a:pt x="1" y="1545"/>
+                    <a:pt x="227" y="1768"/>
+                  </a:cubicBezTo>
+                  <a:cubicBezTo>
+                    <a:pt x="338" y="1879"/>
+                    <a:pt x="482" y="1934"/>
+                    <a:pt x="627" y="1934"/>
+                  </a:cubicBezTo>
+                  <a:cubicBezTo>
+                    <a:pt x="774" y="1934"/>
+                    <a:pt x="922" y="1876"/>
+                    <a:pt x="1033" y="1762"/>
+                  </a:cubicBezTo>
+                  <a:lnTo>
+                    <a:pt x="1833" y="962"/>
+                  </a:lnTo>
+                  <a:cubicBezTo>
+                    <a:pt x="2048" y="738"/>
+                    <a:pt x="2045" y="385"/>
+                    <a:pt x="1827" y="168"/>
+                  </a:cubicBezTo>
+                  <a:cubicBezTo>
+                    <a:pt x="1717" y="56"/>
+                    <a:pt x="1572" y="0"/>
+                    <a:pt x="1427" y="0"/>
+                  </a:cubicBezTo>
+                  <a:close/>
+                </a:path>
+              </a:pathLst>
+            </a:custGeom>
+            <a:solidFill>
+              <a:schemeClr val="accent3"/>
+            </a:solidFill>
+            <a:ln>
+              <a:noFill/>
+            </a:ln>
+          </p:spPr>
+          <p:txBody>
+            <a:bodyPr spcFirstLastPara="1" wrap="square" lIns="121900" tIns="121900" rIns="121900" bIns="121900" anchor="ctr" anchorCtr="0">
+              <a:noAutofit/>
+            </a:bodyPr>
+            <a:lstStyle/>
+            <a:p>
+              <a:endParaRPr sz="2400">
+                <a:solidFill>
+                  <a:srgbClr val="435D74"/>
+                </a:solidFill>
+              </a:endParaRPr>
+            </a:p>
+          </p:txBody>
+        </p:sp>
+        <p:sp>
+          <p:nvSpPr>
+            <p:cNvPr id="1687" name="Google Shape;1687;p42"/>
+            <p:cNvSpPr/>
+            <p:nvPr/>
+          </p:nvSpPr>
+          <p:spPr>
+            <a:xfrm>
+              <a:off x="5480400" y="2191325"/>
+              <a:ext cx="56650" cy="28325"/>
+            </a:xfrm>
+            <a:custGeom>
+              <a:avLst/>
+              <a:gdLst/>
+              <a:ahLst/>
+              <a:cxnLst/>
+              <a:rect l="l" t="t" r="r" b="b"/>
+              <a:pathLst>
+                <a:path w="2266" h="1133" extrusionOk="0">
+                  <a:moveTo>
+                    <a:pt x="568" y="0"/>
+                  </a:moveTo>
+                  <a:cubicBezTo>
+                    <a:pt x="254" y="0"/>
+                    <a:pt x="1" y="254"/>
+                    <a:pt x="1" y="568"/>
+                  </a:cubicBezTo>
+                  <a:cubicBezTo>
+                    <a:pt x="1" y="879"/>
+                    <a:pt x="254" y="1133"/>
+                    <a:pt x="568" y="1133"/>
+                  </a:cubicBezTo>
+                  <a:lnTo>
+                    <a:pt x="1701" y="1133"/>
+                  </a:lnTo>
+                  <a:cubicBezTo>
+                    <a:pt x="2012" y="1133"/>
+                    <a:pt x="2265" y="879"/>
+                    <a:pt x="2265" y="568"/>
+                  </a:cubicBezTo>
+                  <a:cubicBezTo>
+                    <a:pt x="2265" y="254"/>
+                    <a:pt x="2012" y="0"/>
+                    <a:pt x="1701" y="0"/>
+                  </a:cubicBezTo>
+                  <a:close/>
+                </a:path>
+              </a:pathLst>
+            </a:custGeom>
+            <a:solidFill>
+              <a:schemeClr val="accent3"/>
+            </a:solidFill>
+            <a:ln>
+              <a:noFill/>
+            </a:ln>
+          </p:spPr>
+          <p:txBody>
+            <a:bodyPr spcFirstLastPara="1" wrap="square" lIns="121900" tIns="121900" rIns="121900" bIns="121900" anchor="ctr" anchorCtr="0">
+              <a:noAutofit/>
+            </a:bodyPr>
+            <a:lstStyle/>
+            <a:p>
+              <a:endParaRPr sz="2400">
+                <a:solidFill>
+                  <a:srgbClr val="435D74"/>
+                </a:solidFill>
+              </a:endParaRPr>
+            </a:p>
+          </p:txBody>
+        </p:sp>
+        <p:sp>
+          <p:nvSpPr>
+            <p:cNvPr id="1688" name="Google Shape;1688;p42"/>
+            <p:cNvSpPr/>
+            <p:nvPr/>
+          </p:nvSpPr>
+          <p:spPr>
+            <a:xfrm>
+              <a:off x="5479800" y="2096550"/>
+              <a:ext cx="54300" cy="48225"/>
+            </a:xfrm>
+            <a:custGeom>
+              <a:avLst/>
+              <a:gdLst/>
+              <a:ahLst/>
+              <a:cxnLst/>
+              <a:rect l="l" t="t" r="r" b="b"/>
+              <a:pathLst>
+                <a:path w="2172" h="1929" extrusionOk="0">
+                  <a:moveTo>
+                    <a:pt x="1550" y="0"/>
+                  </a:moveTo>
+                  <a:cubicBezTo>
+                    <a:pt x="1409" y="0"/>
+                    <a:pt x="1267" y="53"/>
+                    <a:pt x="1157" y="159"/>
+                  </a:cubicBezTo>
+                  <a:lnTo>
+                    <a:pt x="357" y="962"/>
+                  </a:lnTo>
+                  <a:cubicBezTo>
+                    <a:pt x="1" y="1318"/>
+                    <a:pt x="251" y="1928"/>
+                    <a:pt x="756" y="1928"/>
+                  </a:cubicBezTo>
+                  <a:cubicBezTo>
+                    <a:pt x="907" y="1928"/>
+                    <a:pt x="1051" y="1868"/>
+                    <a:pt x="1157" y="1762"/>
+                  </a:cubicBezTo>
+                  <a:lnTo>
+                    <a:pt x="1957" y="959"/>
+                  </a:lnTo>
+                  <a:cubicBezTo>
+                    <a:pt x="2172" y="739"/>
+                    <a:pt x="2169" y="385"/>
+                    <a:pt x="1951" y="168"/>
+                  </a:cubicBezTo>
+                  <a:cubicBezTo>
+                    <a:pt x="1841" y="56"/>
+                    <a:pt x="1696" y="0"/>
+                    <a:pt x="1550" y="0"/>
+                  </a:cubicBezTo>
+                  <a:close/>
+                </a:path>
+              </a:pathLst>
+            </a:custGeom>
+            <a:solidFill>
+              <a:schemeClr val="accent3"/>
+            </a:solidFill>
+            <a:ln>
+              <a:noFill/>
+            </a:ln>
+          </p:spPr>
+          <p:txBody>
+            <a:bodyPr spcFirstLastPara="1" wrap="square" lIns="121900" tIns="121900" rIns="121900" bIns="121900" anchor="ctr" anchorCtr="0">
+              <a:noAutofit/>
+            </a:bodyPr>
+            <a:lstStyle/>
+            <a:p>
+              <a:endParaRPr sz="2400">
+                <a:solidFill>
+                  <a:srgbClr val="435D74"/>
+                </a:solidFill>
+              </a:endParaRPr>
+            </a:p>
+          </p:txBody>
+        </p:sp>
+        <p:sp>
+          <p:nvSpPr>
+            <p:cNvPr id="1689" name="Google Shape;1689;p42"/>
+            <p:cNvSpPr/>
+            <p:nvPr/>
+          </p:nvSpPr>
+          <p:spPr>
+            <a:xfrm>
+              <a:off x="5483350" y="2266400"/>
+              <a:ext cx="54300" cy="48225"/>
+            </a:xfrm>
+            <a:custGeom>
+              <a:avLst/>
+              <a:gdLst/>
+              <a:ahLst/>
+              <a:cxnLst/>
+              <a:rect l="l" t="t" r="r" b="b"/>
+              <a:pathLst>
+                <a:path w="2172" h="1929" extrusionOk="0">
+                  <a:moveTo>
+                    <a:pt x="622" y="0"/>
+                  </a:moveTo>
+                  <a:cubicBezTo>
+                    <a:pt x="476" y="0"/>
+                    <a:pt x="331" y="56"/>
+                    <a:pt x="221" y="168"/>
+                  </a:cubicBezTo>
+                  <a:cubicBezTo>
+                    <a:pt x="4" y="385"/>
+                    <a:pt x="1" y="738"/>
+                    <a:pt x="215" y="962"/>
+                  </a:cubicBezTo>
+                  <a:lnTo>
+                    <a:pt x="1015" y="1762"/>
+                  </a:lnTo>
+                  <a:cubicBezTo>
+                    <a:pt x="1121" y="1868"/>
+                    <a:pt x="1266" y="1928"/>
+                    <a:pt x="1417" y="1928"/>
+                  </a:cubicBezTo>
+                  <a:cubicBezTo>
+                    <a:pt x="1921" y="1928"/>
+                    <a:pt x="2172" y="1318"/>
+                    <a:pt x="1815" y="962"/>
+                  </a:cubicBezTo>
+                  <a:lnTo>
+                    <a:pt x="1015" y="159"/>
+                  </a:lnTo>
+                  <a:cubicBezTo>
+                    <a:pt x="905" y="53"/>
+                    <a:pt x="763" y="0"/>
+                    <a:pt x="622" y="0"/>
+                  </a:cubicBezTo>
+                  <a:close/>
+                </a:path>
+              </a:pathLst>
+            </a:custGeom>
+            <a:solidFill>
+              <a:schemeClr val="accent3"/>
+            </a:solidFill>
+            <a:ln>
+              <a:noFill/>
+            </a:ln>
+          </p:spPr>
+          <p:txBody>
+            <a:bodyPr spcFirstLastPara="1" wrap="square" lIns="121900" tIns="121900" rIns="121900" bIns="121900" anchor="ctr" anchorCtr="0">
+              <a:noAutofit/>
+            </a:bodyPr>
+            <a:lstStyle/>
+            <a:p>
+              <a:endParaRPr sz="2400">
+                <a:solidFill>
+                  <a:srgbClr val="435D74"/>
+                </a:solidFill>
+              </a:endParaRPr>
+            </a:p>
+          </p:txBody>
+        </p:sp>
+      </p:grpSp>
+    </p:spTree>
+    <p:extLst>
+      <p:ext uri="{BB962C8B-B14F-4D97-AF65-F5344CB8AC3E}">
+        <p14:creationId xmlns:p14="http://schemas.microsoft.com/office/powerpoint/2010/main" val="2529823935"/>
+      </p:ext>
+    </p:extLst>
+  </p:cSld>
+  <p:clrMapOvr>
+    <a:masterClrMapping/>
+  </p:clrMapOvr>
+</p:sld>
+</file>
+
+<file path=ppt/slides/slide6.xml><?xml version="1.0" encoding="utf-8"?>
+<p:sld xmlns:a="http://schemas.openxmlformats.org/drawingml/2006/main" xmlns:r="http://schemas.openxmlformats.org/officeDocument/2006/relationships" xmlns:p="http://schemas.openxmlformats.org/presentationml/2006/main">
+  <p:cSld>
+    <p:spTree>
+      <p:nvGrpSpPr>
+        <p:cNvPr id="1" name="Shape 1645"/>
+        <p:cNvGrpSpPr/>
+        <p:nvPr/>
+      </p:nvGrpSpPr>
+      <p:grpSpPr>
+        <a:xfrm>
+          <a:off x="0" y="0"/>
+          <a:ext cx="0" cy="0"/>
+          <a:chOff x="0" y="0"/>
+          <a:chExt cx="0" cy="0"/>
+        </a:xfrm>
+      </p:grpSpPr>
+      <p:sp>
+        <p:nvSpPr>
+          <p:cNvPr id="46" name="Rectangle 45"/>
+          <p:cNvSpPr/>
+          <p:nvPr/>
+        </p:nvSpPr>
+        <p:spPr>
+          <a:xfrm>
+            <a:off x="260803" y="238198"/>
+            <a:ext cx="11670384" cy="6363092"/>
+          </a:xfrm>
+          <a:prstGeom prst="rect">
+            <a:avLst/>
+          </a:prstGeom>
+          <a:noFill/>
+          <a:ln w="19050">
+            <a:solidFill>
+              <a:schemeClr val="tx1"/>
+            </a:solidFill>
+          </a:ln>
+        </p:spPr>
+        <p:style>
+          <a:lnRef idx="2">
+            <a:schemeClr val="accent1">
+              <a:shade val="50000"/>
+            </a:schemeClr>
+          </a:lnRef>
+          <a:fillRef idx="1">
+            <a:schemeClr val="accent1"/>
+          </a:fillRef>
+          <a:effectRef idx="0">
+            <a:schemeClr val="accent1"/>
+          </a:effectRef>
+          <a:fontRef idx="minor">
+            <a:schemeClr val="lt1"/>
+          </a:fontRef>
+        </p:style>
+        <p:txBody>
+          <a:bodyPr rtlCol="0" anchor="ctr"/>
+          <a:lstStyle/>
+          <a:p>
+            <a:pPr algn="ctr"/>
+            <a:endParaRPr lang="en-IN"/>
+          </a:p>
+        </p:txBody>
+      </p:sp>
+      <p:grpSp>
+        <p:nvGrpSpPr>
+          <p:cNvPr id="1646" name="Google Shape;1646;p42"/>
+          <p:cNvGrpSpPr/>
+          <p:nvPr/>
+        </p:nvGrpSpPr>
+        <p:grpSpPr>
+          <a:xfrm>
+            <a:off x="1089292" y="4155399"/>
+            <a:ext cx="1912400" cy="1301184"/>
+            <a:chOff x="543013" y="3588675"/>
+            <a:chExt cx="1434300" cy="975888"/>
+          </a:xfrm>
+        </p:grpSpPr>
+        <p:sp>
+          <p:nvSpPr>
+            <p:cNvPr id="1647" name="Google Shape;1647;p42"/>
+            <p:cNvSpPr txBox="1"/>
+            <p:nvPr/>
+          </p:nvSpPr>
+          <p:spPr>
+            <a:xfrm>
+              <a:off x="543013" y="4045863"/>
+              <a:ext cx="1434300" cy="518700"/>
+            </a:xfrm>
+            <a:prstGeom prst="rect">
+              <a:avLst/>
+            </a:prstGeom>
+            <a:noFill/>
+            <a:ln>
+              <a:noFill/>
+            </a:ln>
+          </p:spPr>
+          <p:txBody>
+            <a:bodyPr spcFirstLastPara="1" wrap="square" lIns="121900" tIns="121900" rIns="121900" bIns="121900" anchor="ctr" anchorCtr="0">
+              <a:noAutofit/>
+            </a:bodyPr>
+            <a:lstStyle/>
+            <a:p>
+              <a:r>
+                <a:rPr lang="en" sz="1333">
+                  <a:solidFill>
+                    <a:srgbClr val="000000"/>
+                  </a:solidFill>
+                  <a:latin typeface="Roboto"/>
+                  <a:ea typeface="Roboto"/>
+                  <a:cs typeface="Roboto"/>
+                  <a:sym typeface="Roboto"/>
+                </a:rPr>
+                <a:t>Neptune is the farthest planet. It’s the fourth-largest</a:t>
+              </a:r>
+              <a:endParaRPr sz="1333">
+                <a:solidFill>
+                  <a:srgbClr val="000000"/>
+                </a:solidFill>
+                <a:latin typeface="Roboto"/>
+                <a:ea typeface="Roboto"/>
+                <a:cs typeface="Roboto"/>
+                <a:sym typeface="Roboto"/>
+              </a:endParaRPr>
+            </a:p>
+          </p:txBody>
+        </p:sp>
+        <p:sp>
+          <p:nvSpPr>
+            <p:cNvPr id="1648" name="Google Shape;1648;p42"/>
+            <p:cNvSpPr txBox="1"/>
+            <p:nvPr/>
+          </p:nvSpPr>
+          <p:spPr>
+            <a:xfrm>
+              <a:off x="543024" y="3588675"/>
+              <a:ext cx="667741" cy="381000"/>
+            </a:xfrm>
+            <a:prstGeom prst="rect">
+              <a:avLst/>
+            </a:prstGeom>
+            <a:noFill/>
+            <a:ln>
+              <a:noFill/>
+            </a:ln>
+          </p:spPr>
+          <p:txBody>
+            <a:bodyPr spcFirstLastPara="1" wrap="square" lIns="121900" tIns="121900" rIns="121900" bIns="121900" anchor="t" anchorCtr="0">
+              <a:noAutofit/>
+            </a:bodyPr>
+            <a:lstStyle/>
+            <a:p>
+              <a:r>
+                <a:rPr lang="en" sz="3467" b="1" dirty="0" smtClean="0">
+                  <a:solidFill>
+                    <a:schemeClr val="accent1"/>
+                  </a:solidFill>
+                  <a:latin typeface="Fira Sans Extra Condensed"/>
+                  <a:ea typeface="Fira Sans Extra Condensed"/>
+                  <a:cs typeface="Fira Sans Extra Condensed"/>
+                  <a:sym typeface="Fira Sans Extra Condensed"/>
+                </a:rPr>
+                <a:t>01</a:t>
+              </a:r>
+              <a:endParaRPr sz="3467" b="1" dirty="0">
+                <a:solidFill>
+                  <a:schemeClr val="accent1"/>
+                </a:solidFill>
+                <a:latin typeface="Fira Sans Extra Condensed"/>
+                <a:ea typeface="Fira Sans Extra Condensed"/>
+                <a:cs typeface="Fira Sans Extra Condensed"/>
+                <a:sym typeface="Fira Sans Extra Condensed"/>
+              </a:endParaRPr>
+            </a:p>
+          </p:txBody>
+        </p:sp>
+      </p:grpSp>
+      <p:grpSp>
+        <p:nvGrpSpPr>
+          <p:cNvPr id="1649" name="Google Shape;1649;p42"/>
+          <p:cNvGrpSpPr/>
+          <p:nvPr/>
+        </p:nvGrpSpPr>
+        <p:grpSpPr>
+          <a:xfrm>
+            <a:off x="3072123" y="4155400"/>
+            <a:ext cx="1912400" cy="1294833"/>
+            <a:chOff x="1990604" y="3588675"/>
+            <a:chExt cx="1434300" cy="971125"/>
+          </a:xfrm>
+        </p:grpSpPr>
+        <p:sp>
+          <p:nvSpPr>
+            <p:cNvPr id="1650" name="Google Shape;1650;p42"/>
+            <p:cNvSpPr txBox="1"/>
+            <p:nvPr/>
+          </p:nvSpPr>
+          <p:spPr>
+            <a:xfrm>
+              <a:off x="1990604" y="4041100"/>
+              <a:ext cx="1434300" cy="518700"/>
+            </a:xfrm>
+            <a:prstGeom prst="rect">
+              <a:avLst/>
+            </a:prstGeom>
+            <a:noFill/>
+            <a:ln>
+              <a:noFill/>
+            </a:ln>
+          </p:spPr>
+          <p:txBody>
+            <a:bodyPr spcFirstLastPara="1" wrap="square" lIns="121900" tIns="121900" rIns="121900" bIns="121900" anchor="ctr" anchorCtr="0">
+              <a:noAutofit/>
+            </a:bodyPr>
+            <a:lstStyle/>
+            <a:p>
+              <a:r>
+                <a:rPr lang="en" sz="1333">
+                  <a:solidFill>
+                    <a:srgbClr val="000000"/>
+                  </a:solidFill>
+                  <a:latin typeface="Roboto"/>
+                  <a:ea typeface="Roboto"/>
+                  <a:cs typeface="Roboto"/>
+                  <a:sym typeface="Roboto"/>
+                </a:rPr>
+                <a:t>Mercury is the closest planet and the smallest one</a:t>
+              </a:r>
+              <a:endParaRPr sz="1333">
+                <a:solidFill>
+                  <a:srgbClr val="000000"/>
+                </a:solidFill>
+                <a:latin typeface="Roboto"/>
+                <a:ea typeface="Roboto"/>
+                <a:cs typeface="Roboto"/>
+                <a:sym typeface="Roboto"/>
+              </a:endParaRPr>
+            </a:p>
+          </p:txBody>
+        </p:sp>
+        <p:sp>
+          <p:nvSpPr>
+            <p:cNvPr id="1651" name="Google Shape;1651;p42"/>
+            <p:cNvSpPr txBox="1"/>
+            <p:nvPr/>
+          </p:nvSpPr>
+          <p:spPr>
+            <a:xfrm>
+              <a:off x="1990613" y="3588675"/>
+              <a:ext cx="647294" cy="381000"/>
+            </a:xfrm>
+            <a:prstGeom prst="rect">
+              <a:avLst/>
+            </a:prstGeom>
+            <a:noFill/>
+            <a:ln>
+              <a:noFill/>
+            </a:ln>
+          </p:spPr>
+          <p:txBody>
+            <a:bodyPr spcFirstLastPara="1" wrap="square" lIns="121900" tIns="121900" rIns="121900" bIns="121900" anchor="t" anchorCtr="0">
+              <a:noAutofit/>
+            </a:bodyPr>
+            <a:lstStyle/>
+            <a:p>
+              <a:r>
+                <a:rPr lang="en" sz="3467" b="1" dirty="0">
+                  <a:solidFill>
+                    <a:schemeClr val="accent2"/>
+                  </a:solidFill>
+                  <a:latin typeface="Fira Sans Extra Condensed"/>
+                  <a:ea typeface="Fira Sans Extra Condensed"/>
+                  <a:cs typeface="Fira Sans Extra Condensed"/>
+                  <a:sym typeface="Fira Sans Extra Condensed"/>
+                </a:rPr>
+                <a:t>02</a:t>
+              </a:r>
+              <a:endParaRPr sz="3467" b="1" dirty="0">
+                <a:solidFill>
+                  <a:schemeClr val="accent2"/>
+                </a:solidFill>
+                <a:latin typeface="Fira Sans Extra Condensed"/>
+                <a:ea typeface="Fira Sans Extra Condensed"/>
+                <a:cs typeface="Fira Sans Extra Condensed"/>
+                <a:sym typeface="Fira Sans Extra Condensed"/>
+              </a:endParaRPr>
+            </a:p>
+          </p:txBody>
+        </p:sp>
+      </p:grpSp>
+      <p:grpSp>
+        <p:nvGrpSpPr>
+          <p:cNvPr id="1652" name="Google Shape;1652;p42"/>
+          <p:cNvGrpSpPr/>
+          <p:nvPr/>
+        </p:nvGrpSpPr>
+        <p:grpSpPr>
+          <a:xfrm>
+            <a:off x="5054954" y="4155399"/>
+            <a:ext cx="1912400" cy="1301184"/>
+            <a:chOff x="3452746" y="3588675"/>
+            <a:chExt cx="1434300" cy="975888"/>
+          </a:xfrm>
+        </p:grpSpPr>
+        <p:sp>
+          <p:nvSpPr>
+            <p:cNvPr id="1653" name="Google Shape;1653;p42"/>
+            <p:cNvSpPr txBox="1"/>
+            <p:nvPr/>
+          </p:nvSpPr>
+          <p:spPr>
+            <a:xfrm>
+              <a:off x="3452746" y="4045863"/>
+              <a:ext cx="1434300" cy="518700"/>
+            </a:xfrm>
+            <a:prstGeom prst="rect">
+              <a:avLst/>
+            </a:prstGeom>
+            <a:noFill/>
+            <a:ln>
+              <a:noFill/>
+            </a:ln>
+          </p:spPr>
+          <p:txBody>
+            <a:bodyPr spcFirstLastPara="1" wrap="square" lIns="121900" tIns="121900" rIns="121900" bIns="121900" anchor="ctr" anchorCtr="0">
+              <a:noAutofit/>
+            </a:bodyPr>
+            <a:lstStyle/>
+            <a:p>
+              <a:r>
+                <a:rPr lang="en" sz="1333">
+                  <a:solidFill>
+                    <a:srgbClr val="000000"/>
+                  </a:solidFill>
+                  <a:latin typeface="Roboto"/>
+                  <a:ea typeface="Roboto"/>
+                  <a:cs typeface="Roboto"/>
+                  <a:sym typeface="Roboto"/>
+                </a:rPr>
+                <a:t>Jupiter is a gas giant</a:t>
+              </a:r>
+              <a:br>
+                <a:rPr lang="en" sz="1333">
+                  <a:solidFill>
+                    <a:srgbClr val="000000"/>
+                  </a:solidFill>
+                  <a:latin typeface="Roboto"/>
+                  <a:ea typeface="Roboto"/>
+                  <a:cs typeface="Roboto"/>
+                  <a:sym typeface="Roboto"/>
+                </a:rPr>
+              </a:br>
+              <a:r>
+                <a:rPr lang="en" sz="1333">
+                  <a:solidFill>
+                    <a:srgbClr val="000000"/>
+                  </a:solidFill>
+                  <a:latin typeface="Roboto"/>
+                  <a:ea typeface="Roboto"/>
+                  <a:cs typeface="Roboto"/>
+                  <a:sym typeface="Roboto"/>
+                </a:rPr>
+                <a:t>and the biggest planet</a:t>
+              </a:r>
+              <a:r>
+                <a:rPr lang="en" sz="1333">
+                  <a:latin typeface="Roboto"/>
+                  <a:ea typeface="Roboto"/>
+                  <a:cs typeface="Roboto"/>
+                  <a:sym typeface="Roboto"/>
+                </a:rPr>
+                <a:t> of them all</a:t>
+              </a:r>
+              <a:endParaRPr sz="1333">
+                <a:solidFill>
+                  <a:srgbClr val="000000"/>
+                </a:solidFill>
+                <a:latin typeface="Roboto"/>
+                <a:ea typeface="Roboto"/>
+                <a:cs typeface="Roboto"/>
+                <a:sym typeface="Roboto"/>
+              </a:endParaRPr>
+            </a:p>
+          </p:txBody>
+        </p:sp>
+        <p:sp>
+          <p:nvSpPr>
+            <p:cNvPr id="1654" name="Google Shape;1654;p42"/>
+            <p:cNvSpPr txBox="1"/>
+            <p:nvPr/>
+          </p:nvSpPr>
+          <p:spPr>
+            <a:xfrm>
+              <a:off x="3452749" y="3588675"/>
+              <a:ext cx="599315" cy="381000"/>
+            </a:xfrm>
+            <a:prstGeom prst="rect">
+              <a:avLst/>
+            </a:prstGeom>
+            <a:noFill/>
+            <a:ln>
+              <a:noFill/>
+            </a:ln>
+          </p:spPr>
+          <p:txBody>
+            <a:bodyPr spcFirstLastPara="1" wrap="square" lIns="121900" tIns="121900" rIns="121900" bIns="121900" anchor="t" anchorCtr="0">
+              <a:noAutofit/>
+            </a:bodyPr>
+            <a:lstStyle/>
+            <a:p>
+              <a:r>
+                <a:rPr lang="en" sz="3467" b="1" dirty="0">
+                  <a:solidFill>
+                    <a:schemeClr val="accent3"/>
+                  </a:solidFill>
+                  <a:latin typeface="Fira Sans Extra Condensed"/>
+                  <a:ea typeface="Fira Sans Extra Condensed"/>
+                  <a:cs typeface="Fira Sans Extra Condensed"/>
+                  <a:sym typeface="Fira Sans Extra Condensed"/>
+                </a:rPr>
+                <a:t>03</a:t>
+              </a:r>
+              <a:endParaRPr sz="3467" b="1" dirty="0">
+                <a:solidFill>
+                  <a:schemeClr val="accent3"/>
+                </a:solidFill>
+                <a:latin typeface="Fira Sans Extra Condensed"/>
+                <a:ea typeface="Fira Sans Extra Condensed"/>
+                <a:cs typeface="Fira Sans Extra Condensed"/>
+                <a:sym typeface="Fira Sans Extra Condensed"/>
+              </a:endParaRPr>
+            </a:p>
+          </p:txBody>
+        </p:sp>
+      </p:grpSp>
+      <p:grpSp>
+        <p:nvGrpSpPr>
+          <p:cNvPr id="1655" name="Google Shape;1655;p42"/>
+          <p:cNvGrpSpPr/>
+          <p:nvPr/>
+        </p:nvGrpSpPr>
+        <p:grpSpPr>
+          <a:xfrm>
+            <a:off x="7037782" y="4155399"/>
+            <a:ext cx="1912401" cy="1301200"/>
+            <a:chOff x="4972112" y="3588675"/>
+            <a:chExt cx="1434301" cy="975900"/>
+          </a:xfrm>
+        </p:grpSpPr>
+        <p:sp>
+          <p:nvSpPr>
+            <p:cNvPr id="1656" name="Google Shape;1656;p42"/>
+            <p:cNvSpPr txBox="1"/>
+            <p:nvPr/>
+          </p:nvSpPr>
+          <p:spPr>
+            <a:xfrm>
+              <a:off x="4972113" y="4045875"/>
+              <a:ext cx="1434300" cy="518700"/>
+            </a:xfrm>
+            <a:prstGeom prst="rect">
+              <a:avLst/>
+            </a:prstGeom>
+            <a:noFill/>
+            <a:ln>
+              <a:noFill/>
+            </a:ln>
+          </p:spPr>
+          <p:txBody>
+            <a:bodyPr spcFirstLastPara="1" wrap="square" lIns="121900" tIns="121900" rIns="121900" bIns="121900" anchor="ctr" anchorCtr="0">
+              <a:noAutofit/>
+            </a:bodyPr>
+            <a:lstStyle/>
+            <a:p>
+              <a:r>
+                <a:rPr lang="en" sz="1333">
+                  <a:solidFill>
+                    <a:srgbClr val="000000"/>
+                  </a:solidFill>
+                  <a:latin typeface="Roboto"/>
+                  <a:ea typeface="Roboto"/>
+                  <a:cs typeface="Roboto"/>
+                  <a:sym typeface="Roboto"/>
+                </a:rPr>
+                <a:t>Saturn is composed mostly of hydrogen a</a:t>
+              </a:r>
+              <a:r>
+                <a:rPr lang="en" sz="1333">
+                  <a:latin typeface="Roboto"/>
+                  <a:ea typeface="Roboto"/>
+                  <a:cs typeface="Roboto"/>
+                  <a:sym typeface="Roboto"/>
+                </a:rPr>
+                <a:t>nd helium</a:t>
+              </a:r>
+              <a:endParaRPr sz="1333">
+                <a:solidFill>
+                  <a:srgbClr val="000000"/>
+                </a:solidFill>
+                <a:latin typeface="Roboto"/>
+                <a:ea typeface="Roboto"/>
+                <a:cs typeface="Roboto"/>
+                <a:sym typeface="Roboto"/>
+              </a:endParaRPr>
+            </a:p>
+          </p:txBody>
+        </p:sp>
+        <p:sp>
+          <p:nvSpPr>
+            <p:cNvPr id="1657" name="Google Shape;1657;p42"/>
+            <p:cNvSpPr txBox="1"/>
+            <p:nvPr/>
+          </p:nvSpPr>
+          <p:spPr>
+            <a:xfrm>
+              <a:off x="4972112" y="3588675"/>
+              <a:ext cx="603988" cy="381000"/>
+            </a:xfrm>
+            <a:prstGeom prst="rect">
+              <a:avLst/>
+            </a:prstGeom>
+            <a:noFill/>
+            <a:ln>
+              <a:noFill/>
+            </a:ln>
+          </p:spPr>
+          <p:txBody>
+            <a:bodyPr spcFirstLastPara="1" wrap="square" lIns="121900" tIns="121900" rIns="121900" bIns="121900" anchor="t" anchorCtr="0">
+              <a:noAutofit/>
+            </a:bodyPr>
+            <a:lstStyle/>
+            <a:p>
+              <a:r>
+                <a:rPr lang="en" sz="3467" b="1" dirty="0">
+                  <a:solidFill>
+                    <a:schemeClr val="accent4"/>
+                  </a:solidFill>
+                  <a:latin typeface="Fira Sans Extra Condensed"/>
+                  <a:ea typeface="Fira Sans Extra Condensed"/>
+                  <a:cs typeface="Fira Sans Extra Condensed"/>
+                  <a:sym typeface="Fira Sans Extra Condensed"/>
+                </a:rPr>
+                <a:t>04</a:t>
+              </a:r>
+              <a:endParaRPr sz="3467" b="1" dirty="0">
+                <a:solidFill>
+                  <a:schemeClr val="accent4"/>
+                </a:solidFill>
+                <a:latin typeface="Fira Sans Extra Condensed"/>
+                <a:ea typeface="Fira Sans Extra Condensed"/>
+                <a:cs typeface="Fira Sans Extra Condensed"/>
+                <a:sym typeface="Fira Sans Extra Condensed"/>
+              </a:endParaRPr>
+            </a:p>
+          </p:txBody>
+        </p:sp>
+      </p:grpSp>
+      <p:grpSp>
+        <p:nvGrpSpPr>
+          <p:cNvPr id="1658" name="Google Shape;1658;p42"/>
+          <p:cNvGrpSpPr/>
+          <p:nvPr/>
+        </p:nvGrpSpPr>
+        <p:grpSpPr>
+          <a:xfrm>
+            <a:off x="9020615" y="4155400"/>
+            <a:ext cx="1912400" cy="1301201"/>
+            <a:chOff x="6491505" y="3588675"/>
+            <a:chExt cx="1434300" cy="975901"/>
+          </a:xfrm>
+        </p:grpSpPr>
+        <p:sp>
+          <p:nvSpPr>
+            <p:cNvPr id="1659" name="Google Shape;1659;p42"/>
+            <p:cNvSpPr txBox="1"/>
+            <p:nvPr/>
+          </p:nvSpPr>
+          <p:spPr>
+            <a:xfrm>
+              <a:off x="6491505" y="4045876"/>
+              <a:ext cx="1434300" cy="518700"/>
+            </a:xfrm>
+            <a:prstGeom prst="rect">
+              <a:avLst/>
+            </a:prstGeom>
+            <a:noFill/>
+            <a:ln>
+              <a:noFill/>
+            </a:ln>
+          </p:spPr>
+          <p:txBody>
+            <a:bodyPr spcFirstLastPara="1" wrap="square" lIns="121900" tIns="121900" rIns="121900" bIns="121900" anchor="ctr" anchorCtr="0">
+              <a:noAutofit/>
+            </a:bodyPr>
+            <a:lstStyle/>
+            <a:p>
+              <a:r>
+                <a:rPr lang="en" sz="1333">
+                  <a:solidFill>
+                    <a:srgbClr val="000000"/>
+                  </a:solidFill>
+                  <a:latin typeface="Roboto"/>
+                  <a:ea typeface="Roboto"/>
+                  <a:cs typeface="Roboto"/>
+                  <a:sym typeface="Roboto"/>
+                </a:rPr>
+                <a:t>Venus has a beautiful name and is the second from the Sun</a:t>
+              </a:r>
+              <a:endParaRPr sz="1333">
+                <a:solidFill>
+                  <a:srgbClr val="000000"/>
+                </a:solidFill>
+                <a:latin typeface="Roboto"/>
+                <a:ea typeface="Roboto"/>
+                <a:cs typeface="Roboto"/>
+                <a:sym typeface="Roboto"/>
+              </a:endParaRPr>
+            </a:p>
+          </p:txBody>
+        </p:sp>
+        <p:sp>
+          <p:nvSpPr>
+            <p:cNvPr id="1660" name="Google Shape;1660;p42"/>
+            <p:cNvSpPr txBox="1"/>
+            <p:nvPr/>
+          </p:nvSpPr>
+          <p:spPr>
+            <a:xfrm>
+              <a:off x="6491513" y="3588675"/>
+              <a:ext cx="552088" cy="381000"/>
+            </a:xfrm>
+            <a:prstGeom prst="rect">
+              <a:avLst/>
+            </a:prstGeom>
+            <a:noFill/>
+            <a:ln>
+              <a:noFill/>
+            </a:ln>
+          </p:spPr>
+          <p:txBody>
+            <a:bodyPr spcFirstLastPara="1" wrap="square" lIns="121900" tIns="121900" rIns="121900" bIns="121900" anchor="t" anchorCtr="0">
+              <a:noAutofit/>
+            </a:bodyPr>
+            <a:lstStyle/>
+            <a:p>
+              <a:r>
+                <a:rPr lang="en" sz="3467" b="1" dirty="0">
+                  <a:solidFill>
+                    <a:schemeClr val="accent5"/>
+                  </a:solidFill>
+                  <a:latin typeface="Fira Sans Extra Condensed"/>
+                  <a:ea typeface="Fira Sans Extra Condensed"/>
+                  <a:cs typeface="Fira Sans Extra Condensed"/>
+                  <a:sym typeface="Fira Sans Extra Condensed"/>
+                </a:rPr>
+                <a:t>05</a:t>
+              </a:r>
+              <a:endParaRPr sz="3467" b="1" dirty="0">
+                <a:solidFill>
+                  <a:schemeClr val="accent5"/>
+                </a:solidFill>
+                <a:latin typeface="Fira Sans Extra Condensed"/>
+                <a:ea typeface="Fira Sans Extra Condensed"/>
+                <a:cs typeface="Fira Sans Extra Condensed"/>
+                <a:sym typeface="Fira Sans Extra Condensed"/>
+              </a:endParaRPr>
+            </a:p>
+          </p:txBody>
+        </p:sp>
+      </p:grpSp>
+      <p:sp>
+        <p:nvSpPr>
+          <p:cNvPr id="1661" name="Google Shape;1661;p42"/>
+          <p:cNvSpPr/>
+          <p:nvPr/>
+        </p:nvSpPr>
+        <p:spPr>
+          <a:xfrm>
+            <a:off x="8701940" y="1894999"/>
+            <a:ext cx="2681200" cy="1244400"/>
+          </a:xfrm>
+          <a:prstGeom prst="rightArrow">
+            <a:avLst>
+              <a:gd name="adj1" fmla="val 61398"/>
+              <a:gd name="adj2" fmla="val 69307"/>
+            </a:avLst>
+          </a:prstGeom>
+          <a:solidFill>
+            <a:schemeClr val="accent5"/>
+          </a:solidFill>
+          <a:ln>
+            <a:noFill/>
+          </a:ln>
+        </p:spPr>
+        <p:txBody>
+          <a:bodyPr spcFirstLastPara="1" wrap="square" lIns="121900" tIns="121900" rIns="121900" bIns="121900" anchor="ctr" anchorCtr="0">
+            <a:noAutofit/>
+          </a:bodyPr>
+          <a:lstStyle/>
+          <a:p>
+            <a:endParaRPr sz="2400"/>
+          </a:p>
+        </p:txBody>
+      </p:sp>
+      <p:sp>
+        <p:nvSpPr>
+          <p:cNvPr id="1662" name="Google Shape;1662;p42"/>
+          <p:cNvSpPr/>
+          <p:nvPr/>
+        </p:nvSpPr>
+        <p:spPr>
+          <a:xfrm>
+            <a:off x="6686252" y="1894999"/>
+            <a:ext cx="2681200" cy="1244400"/>
+          </a:xfrm>
+          <a:prstGeom prst="rightArrow">
+            <a:avLst>
+              <a:gd name="adj1" fmla="val 61398"/>
+              <a:gd name="adj2" fmla="val 69307"/>
+            </a:avLst>
+          </a:prstGeom>
+          <a:solidFill>
+            <a:schemeClr val="accent4"/>
+          </a:solidFill>
+          <a:ln>
+            <a:noFill/>
+          </a:ln>
+        </p:spPr>
+        <p:txBody>
+          <a:bodyPr spcFirstLastPara="1" wrap="square" lIns="121900" tIns="121900" rIns="121900" bIns="121900" anchor="ctr" anchorCtr="0">
+            <a:noAutofit/>
+          </a:bodyPr>
+          <a:lstStyle/>
+          <a:p>
+            <a:endParaRPr sz="2400"/>
+          </a:p>
+        </p:txBody>
+      </p:sp>
+      <p:sp>
+        <p:nvSpPr>
+          <p:cNvPr id="1663" name="Google Shape;1663;p42"/>
+          <p:cNvSpPr/>
+          <p:nvPr/>
+        </p:nvSpPr>
+        <p:spPr>
+          <a:xfrm>
+            <a:off x="4670566" y="1894999"/>
+            <a:ext cx="2681200" cy="1244400"/>
+          </a:xfrm>
+          <a:prstGeom prst="rightArrow">
+            <a:avLst>
+              <a:gd name="adj1" fmla="val 61398"/>
+              <a:gd name="adj2" fmla="val 69307"/>
+            </a:avLst>
+          </a:prstGeom>
+          <a:solidFill>
+            <a:schemeClr val="accent3"/>
+          </a:solidFill>
+          <a:ln>
+            <a:noFill/>
+          </a:ln>
+        </p:spPr>
+        <p:txBody>
+          <a:bodyPr spcFirstLastPara="1" wrap="square" lIns="121900" tIns="121900" rIns="121900" bIns="121900" anchor="ctr" anchorCtr="0">
+            <a:noAutofit/>
+          </a:bodyPr>
+          <a:lstStyle/>
+          <a:p>
+            <a:endParaRPr sz="2400"/>
+          </a:p>
+        </p:txBody>
+      </p:sp>
+      <p:sp>
+        <p:nvSpPr>
+          <p:cNvPr id="1664" name="Google Shape;1664;p42"/>
+          <p:cNvSpPr/>
+          <p:nvPr/>
+        </p:nvSpPr>
+        <p:spPr>
+          <a:xfrm>
+            <a:off x="2654879" y="1894999"/>
+            <a:ext cx="2681200" cy="1244400"/>
+          </a:xfrm>
+          <a:prstGeom prst="rightArrow">
+            <a:avLst>
+              <a:gd name="adj1" fmla="val 61398"/>
+              <a:gd name="adj2" fmla="val 69307"/>
+            </a:avLst>
+          </a:prstGeom>
+          <a:solidFill>
+            <a:schemeClr val="accent2"/>
+          </a:solidFill>
+          <a:ln>
+            <a:noFill/>
+          </a:ln>
+        </p:spPr>
+        <p:txBody>
+          <a:bodyPr spcFirstLastPara="1" wrap="square" lIns="121900" tIns="121900" rIns="121900" bIns="121900" anchor="ctr" anchorCtr="0">
+            <a:noAutofit/>
+          </a:bodyPr>
+          <a:lstStyle/>
+          <a:p>
+            <a:endParaRPr sz="2400"/>
+          </a:p>
+        </p:txBody>
+      </p:sp>
+      <p:sp>
+        <p:nvSpPr>
+          <p:cNvPr id="1665" name="Google Shape;1665;p42"/>
+          <p:cNvSpPr/>
+          <p:nvPr/>
+        </p:nvSpPr>
+        <p:spPr>
+          <a:xfrm>
+            <a:off x="639192" y="1894999"/>
+            <a:ext cx="2681200" cy="1244400"/>
+          </a:xfrm>
+          <a:prstGeom prst="rightArrow">
+            <a:avLst>
+              <a:gd name="adj1" fmla="val 61398"/>
+              <a:gd name="adj2" fmla="val 69307"/>
+            </a:avLst>
+          </a:prstGeom>
+          <a:solidFill>
+            <a:schemeClr val="accent1"/>
+          </a:solidFill>
+          <a:ln>
+            <a:noFill/>
+          </a:ln>
+        </p:spPr>
+        <p:txBody>
+          <a:bodyPr spcFirstLastPara="1" wrap="square" lIns="121900" tIns="121900" rIns="121900" bIns="121900" anchor="ctr" anchorCtr="0">
+            <a:noAutofit/>
+          </a:bodyPr>
+          <a:lstStyle/>
+          <a:p>
+            <a:endParaRPr sz="2400"/>
+          </a:p>
+        </p:txBody>
+      </p:sp>
+      <p:sp>
+        <p:nvSpPr>
+          <p:cNvPr id="1666" name="Google Shape;1666;p42"/>
+          <p:cNvSpPr txBox="1"/>
+          <p:nvPr/>
+        </p:nvSpPr>
+        <p:spPr>
+          <a:xfrm>
+            <a:off x="1321792" y="2234599"/>
+            <a:ext cx="1897200" cy="565200"/>
+          </a:xfrm>
+          <a:prstGeom prst="rect">
+            <a:avLst/>
+          </a:prstGeom>
+          <a:noFill/>
+          <a:ln>
+            <a:noFill/>
+          </a:ln>
+        </p:spPr>
+        <p:txBody>
+          <a:bodyPr spcFirstLastPara="1" wrap="square" lIns="121900" tIns="121900" rIns="121900" bIns="121900" anchor="ctr" anchorCtr="0">
+            <a:noAutofit/>
+          </a:bodyPr>
+          <a:lstStyle/>
+          <a:p>
+            <a:r>
+              <a:rPr lang="en" sz="1733" b="1" dirty="0">
+                <a:solidFill>
+                  <a:srgbClr val="FFFFFF"/>
+                </a:solidFill>
+                <a:latin typeface="Fira Sans Extra Condensed"/>
+                <a:ea typeface="Fira Sans Extra Condensed"/>
+                <a:cs typeface="Fira Sans Extra Condensed"/>
+                <a:sym typeface="Fira Sans Extra Condensed"/>
+              </a:rPr>
+              <a:t>AWARENESS</a:t>
+            </a:r>
+            <a:endParaRPr sz="1733" b="1" dirty="0">
+              <a:solidFill>
+                <a:srgbClr val="FFFFFF"/>
+              </a:solidFill>
+              <a:latin typeface="Fira Sans Extra Condensed"/>
+              <a:ea typeface="Fira Sans Extra Condensed"/>
+              <a:cs typeface="Fira Sans Extra Condensed"/>
+              <a:sym typeface="Fira Sans Extra Condensed"/>
+            </a:endParaRPr>
+          </a:p>
+        </p:txBody>
+      </p:sp>
+      <p:sp>
+        <p:nvSpPr>
+          <p:cNvPr id="1667" name="Google Shape;1667;p42"/>
+          <p:cNvSpPr txBox="1"/>
+          <p:nvPr/>
+        </p:nvSpPr>
+        <p:spPr>
+          <a:xfrm>
+            <a:off x="3371604" y="2234599"/>
+            <a:ext cx="1846000" cy="565200"/>
+          </a:xfrm>
+          <a:prstGeom prst="rect">
+            <a:avLst/>
+          </a:prstGeom>
+          <a:noFill/>
+          <a:ln>
+            <a:noFill/>
+          </a:ln>
+        </p:spPr>
+        <p:txBody>
+          <a:bodyPr spcFirstLastPara="1" wrap="square" lIns="121900" tIns="121900" rIns="121900" bIns="121900" anchor="ctr" anchorCtr="0">
+            <a:noAutofit/>
+          </a:bodyPr>
+          <a:lstStyle/>
+          <a:p>
+            <a:r>
+              <a:rPr lang="en" sz="1400" b="1" dirty="0">
+                <a:solidFill>
+                  <a:srgbClr val="FFFFFF"/>
+                </a:solidFill>
+                <a:latin typeface="Fira Sans Extra Condensed"/>
+                <a:ea typeface="Fira Sans Extra Condensed"/>
+                <a:cs typeface="Fira Sans Extra Condensed"/>
+                <a:sym typeface="Fira Sans Extra Condensed"/>
+              </a:rPr>
+              <a:t>CONSIDERATION</a:t>
+            </a:r>
+            <a:endParaRPr sz="1733" b="1" dirty="0">
+              <a:solidFill>
+                <a:srgbClr val="FFFFFF"/>
+              </a:solidFill>
+              <a:latin typeface="Fira Sans Extra Condensed"/>
+              <a:ea typeface="Fira Sans Extra Condensed"/>
+              <a:cs typeface="Fira Sans Extra Condensed"/>
+              <a:sym typeface="Fira Sans Extra Condensed"/>
+            </a:endParaRPr>
+          </a:p>
+        </p:txBody>
+      </p:sp>
+      <p:sp>
+        <p:nvSpPr>
+          <p:cNvPr id="1668" name="Google Shape;1668;p42"/>
+          <p:cNvSpPr txBox="1"/>
+          <p:nvPr/>
+        </p:nvSpPr>
+        <p:spPr>
+          <a:xfrm>
+            <a:off x="5370218" y="2234599"/>
+            <a:ext cx="1846000" cy="565200"/>
+          </a:xfrm>
+          <a:prstGeom prst="rect">
+            <a:avLst/>
+          </a:prstGeom>
+          <a:noFill/>
+          <a:ln>
+            <a:noFill/>
+          </a:ln>
+        </p:spPr>
+        <p:txBody>
+          <a:bodyPr spcFirstLastPara="1" wrap="square" lIns="121900" tIns="121900" rIns="121900" bIns="121900" anchor="ctr" anchorCtr="0">
+            <a:noAutofit/>
+          </a:bodyPr>
+          <a:lstStyle/>
+          <a:p>
+            <a:r>
+              <a:rPr lang="en" sz="1733" b="1">
+                <a:solidFill>
+                  <a:srgbClr val="FFFFFF"/>
+                </a:solidFill>
+                <a:latin typeface="Fira Sans Extra Condensed"/>
+                <a:ea typeface="Fira Sans Extra Condensed"/>
+                <a:cs typeface="Fira Sans Extra Condensed"/>
+                <a:sym typeface="Fira Sans Extra Condensed"/>
+              </a:rPr>
+              <a:t>PURCHASE</a:t>
+            </a:r>
+            <a:endParaRPr sz="1733" b="1">
+              <a:solidFill>
+                <a:srgbClr val="FFFFFF"/>
+              </a:solidFill>
+              <a:latin typeface="Fira Sans Extra Condensed"/>
+              <a:ea typeface="Fira Sans Extra Condensed"/>
+              <a:cs typeface="Fira Sans Extra Condensed"/>
+              <a:sym typeface="Fira Sans Extra Condensed"/>
+            </a:endParaRPr>
+          </a:p>
+        </p:txBody>
+      </p:sp>
+      <p:sp>
+        <p:nvSpPr>
+          <p:cNvPr id="1669" name="Google Shape;1669;p42"/>
+          <p:cNvSpPr txBox="1"/>
+          <p:nvPr/>
+        </p:nvSpPr>
+        <p:spPr>
+          <a:xfrm>
+            <a:off x="7368830" y="2234599"/>
+            <a:ext cx="1846000" cy="565200"/>
+          </a:xfrm>
+          <a:prstGeom prst="rect">
+            <a:avLst/>
+          </a:prstGeom>
+          <a:noFill/>
+          <a:ln>
+            <a:noFill/>
+          </a:ln>
+        </p:spPr>
+        <p:txBody>
+          <a:bodyPr spcFirstLastPara="1" wrap="square" lIns="121900" tIns="121900" rIns="121900" bIns="121900" anchor="ctr" anchorCtr="0">
+            <a:noAutofit/>
+          </a:bodyPr>
+          <a:lstStyle/>
+          <a:p>
+            <a:r>
+              <a:rPr lang="en" sz="1733" b="1">
+                <a:solidFill>
+                  <a:srgbClr val="FFFFFF"/>
+                </a:solidFill>
+                <a:latin typeface="Fira Sans Extra Condensed"/>
+                <a:ea typeface="Fira Sans Extra Condensed"/>
+                <a:cs typeface="Fira Sans Extra Condensed"/>
+                <a:sym typeface="Fira Sans Extra Condensed"/>
+              </a:rPr>
+              <a:t>ONBOARDING</a:t>
+            </a:r>
+            <a:endParaRPr sz="1733" b="1">
+              <a:solidFill>
+                <a:srgbClr val="FFFFFF"/>
+              </a:solidFill>
+              <a:latin typeface="Fira Sans Extra Condensed"/>
+              <a:ea typeface="Fira Sans Extra Condensed"/>
+              <a:cs typeface="Fira Sans Extra Condensed"/>
+              <a:sym typeface="Fira Sans Extra Condensed"/>
+            </a:endParaRPr>
+          </a:p>
+        </p:txBody>
+      </p:sp>
+      <p:sp>
+        <p:nvSpPr>
+          <p:cNvPr id="1670" name="Google Shape;1670;p42"/>
+          <p:cNvSpPr txBox="1"/>
+          <p:nvPr/>
+        </p:nvSpPr>
+        <p:spPr>
+          <a:xfrm>
+            <a:off x="9367443" y="2234599"/>
+            <a:ext cx="1897200" cy="565200"/>
+          </a:xfrm>
+          <a:prstGeom prst="rect">
+            <a:avLst/>
+          </a:prstGeom>
+          <a:noFill/>
+          <a:ln>
+            <a:noFill/>
+          </a:ln>
+        </p:spPr>
+        <p:txBody>
+          <a:bodyPr spcFirstLastPara="1" wrap="square" lIns="121900" tIns="121900" rIns="121900" bIns="121900" anchor="ctr" anchorCtr="0">
+            <a:noAutofit/>
+          </a:bodyPr>
+          <a:lstStyle/>
+          <a:p>
+            <a:r>
+              <a:rPr lang="en" sz="1733" b="1">
+                <a:solidFill>
+                  <a:srgbClr val="FFFFFF"/>
+                </a:solidFill>
+                <a:latin typeface="Fira Sans Extra Condensed"/>
+                <a:ea typeface="Fira Sans Extra Condensed"/>
+                <a:cs typeface="Fira Sans Extra Condensed"/>
+                <a:sym typeface="Fira Sans Extra Condensed"/>
+              </a:rPr>
+              <a:t>ADVOCACY</a:t>
+            </a:r>
+            <a:endParaRPr sz="1733" b="1">
+              <a:solidFill>
+                <a:srgbClr val="FFFFFF"/>
+              </a:solidFill>
+              <a:latin typeface="Fira Sans Extra Condensed"/>
+              <a:ea typeface="Fira Sans Extra Condensed"/>
+              <a:cs typeface="Fira Sans Extra Condensed"/>
+              <a:sym typeface="Fira Sans Extra Condensed"/>
+            </a:endParaRPr>
+          </a:p>
+        </p:txBody>
+      </p:sp>
+      <p:grpSp>
+        <p:nvGrpSpPr>
+          <p:cNvPr id="1671" name="Google Shape;1671;p42"/>
+          <p:cNvGrpSpPr/>
+          <p:nvPr/>
+        </p:nvGrpSpPr>
+        <p:grpSpPr>
+          <a:xfrm>
+            <a:off x="1226711" y="3745627"/>
+            <a:ext cx="398661" cy="453605"/>
+            <a:chOff x="1516475" y="238075"/>
+            <a:chExt cx="424650" cy="483175"/>
+          </a:xfrm>
+        </p:grpSpPr>
+        <p:sp>
+          <p:nvSpPr>
+            <p:cNvPr id="1672" name="Google Shape;1672;p42"/>
+            <p:cNvSpPr/>
+            <p:nvPr/>
+          </p:nvSpPr>
+          <p:spPr>
+            <a:xfrm>
+              <a:off x="1516475" y="238075"/>
+              <a:ext cx="424650" cy="483175"/>
+            </a:xfrm>
+            <a:custGeom>
+              <a:avLst/>
+              <a:gdLst/>
+              <a:ahLst/>
+              <a:cxnLst/>
+              <a:rect l="l" t="t" r="r" b="b"/>
+              <a:pathLst>
+                <a:path w="16986" h="19327" extrusionOk="0">
+                  <a:moveTo>
+                    <a:pt x="8491" y="1134"/>
+                  </a:moveTo>
+                  <a:cubicBezTo>
+                    <a:pt x="11302" y="1134"/>
+                    <a:pt x="13588" y="3438"/>
+                    <a:pt x="13588" y="6267"/>
+                  </a:cubicBezTo>
+                  <a:cubicBezTo>
+                    <a:pt x="13588" y="7318"/>
+                    <a:pt x="13262" y="8342"/>
+                    <a:pt x="12655" y="9199"/>
+                  </a:cubicBezTo>
+                  <a:cubicBezTo>
+                    <a:pt x="12625" y="9242"/>
+                    <a:pt x="12604" y="9272"/>
+                    <a:pt x="12595" y="9284"/>
+                  </a:cubicBezTo>
+                  <a:lnTo>
+                    <a:pt x="8491" y="15724"/>
+                  </a:lnTo>
+                  <a:lnTo>
+                    <a:pt x="4388" y="9287"/>
+                  </a:lnTo>
+                  <a:cubicBezTo>
+                    <a:pt x="4382" y="9275"/>
+                    <a:pt x="4373" y="9266"/>
+                    <a:pt x="4367" y="9257"/>
+                  </a:cubicBezTo>
+                  <a:cubicBezTo>
+                    <a:pt x="4249" y="9091"/>
+                    <a:pt x="4140" y="8921"/>
+                    <a:pt x="4041" y="8743"/>
+                  </a:cubicBezTo>
+                  <a:cubicBezTo>
+                    <a:pt x="3618" y="7985"/>
+                    <a:pt x="3398" y="7134"/>
+                    <a:pt x="3398" y="6267"/>
+                  </a:cubicBezTo>
+                  <a:cubicBezTo>
+                    <a:pt x="3398" y="6174"/>
+                    <a:pt x="3398" y="6080"/>
+                    <a:pt x="3404" y="5990"/>
+                  </a:cubicBezTo>
+                  <a:cubicBezTo>
+                    <a:pt x="3552" y="3266"/>
+                    <a:pt x="5786" y="1134"/>
+                    <a:pt x="8491" y="1134"/>
+                  </a:cubicBezTo>
+                  <a:close/>
+                  <a:moveTo>
+                    <a:pt x="11049" y="13819"/>
+                  </a:moveTo>
+                  <a:cubicBezTo>
+                    <a:pt x="14358" y="14233"/>
+                    <a:pt x="15853" y="15289"/>
+                    <a:pt x="15853" y="15930"/>
+                  </a:cubicBezTo>
+                  <a:cubicBezTo>
+                    <a:pt x="15853" y="16304"/>
+                    <a:pt x="15339" y="16887"/>
+                    <a:pt x="13905" y="17397"/>
+                  </a:cubicBezTo>
+                  <a:cubicBezTo>
+                    <a:pt x="12471" y="17910"/>
+                    <a:pt x="10545" y="18194"/>
+                    <a:pt x="8491" y="18194"/>
+                  </a:cubicBezTo>
+                  <a:cubicBezTo>
+                    <a:pt x="6438" y="18194"/>
+                    <a:pt x="4515" y="17910"/>
+                    <a:pt x="3077" y="17397"/>
+                  </a:cubicBezTo>
+                  <a:cubicBezTo>
+                    <a:pt x="1640" y="16884"/>
+                    <a:pt x="1133" y="16304"/>
+                    <a:pt x="1133" y="15930"/>
+                  </a:cubicBezTo>
+                  <a:cubicBezTo>
+                    <a:pt x="1133" y="15289"/>
+                    <a:pt x="2625" y="14233"/>
+                    <a:pt x="5934" y="13819"/>
+                  </a:cubicBezTo>
+                  <a:lnTo>
+                    <a:pt x="8014" y="17083"/>
+                  </a:lnTo>
+                  <a:cubicBezTo>
+                    <a:pt x="8126" y="17258"/>
+                    <a:pt x="8309" y="17346"/>
+                    <a:pt x="8491" y="17346"/>
+                  </a:cubicBezTo>
+                  <a:cubicBezTo>
+                    <a:pt x="8674" y="17346"/>
+                    <a:pt x="8857" y="17258"/>
+                    <a:pt x="8968" y="17083"/>
+                  </a:cubicBezTo>
+                  <a:lnTo>
+                    <a:pt x="11049" y="13819"/>
+                  </a:lnTo>
+                  <a:close/>
+                  <a:moveTo>
+                    <a:pt x="8494" y="1"/>
+                  </a:moveTo>
+                  <a:cubicBezTo>
+                    <a:pt x="6947" y="1"/>
+                    <a:pt x="5399" y="578"/>
+                    <a:pt x="4201" y="1738"/>
+                  </a:cubicBezTo>
+                  <a:cubicBezTo>
+                    <a:pt x="3050" y="2837"/>
+                    <a:pt x="2359" y="4338"/>
+                    <a:pt x="2274" y="5929"/>
+                  </a:cubicBezTo>
+                  <a:cubicBezTo>
+                    <a:pt x="2268" y="6041"/>
+                    <a:pt x="2265" y="6156"/>
+                    <a:pt x="2265" y="6267"/>
+                  </a:cubicBezTo>
+                  <a:cubicBezTo>
+                    <a:pt x="2265" y="7327"/>
+                    <a:pt x="2534" y="8372"/>
+                    <a:pt x="3050" y="9296"/>
+                  </a:cubicBezTo>
+                  <a:cubicBezTo>
+                    <a:pt x="3168" y="9507"/>
+                    <a:pt x="3301" y="9713"/>
+                    <a:pt x="3440" y="9909"/>
+                  </a:cubicBezTo>
+                  <a:lnTo>
+                    <a:pt x="5267" y="12771"/>
+                  </a:lnTo>
+                  <a:cubicBezTo>
+                    <a:pt x="3953" y="12971"/>
+                    <a:pt x="2809" y="13294"/>
+                    <a:pt x="1921" y="13713"/>
+                  </a:cubicBezTo>
+                  <a:cubicBezTo>
+                    <a:pt x="333" y="14465"/>
+                    <a:pt x="1" y="15332"/>
+                    <a:pt x="1" y="15930"/>
+                  </a:cubicBezTo>
+                  <a:cubicBezTo>
+                    <a:pt x="1" y="16648"/>
+                    <a:pt x="469" y="17669"/>
+                    <a:pt x="2697" y="18466"/>
+                  </a:cubicBezTo>
+                  <a:cubicBezTo>
+                    <a:pt x="4252" y="19022"/>
+                    <a:pt x="6311" y="19326"/>
+                    <a:pt x="8491" y="19326"/>
+                  </a:cubicBezTo>
+                  <a:cubicBezTo>
+                    <a:pt x="10671" y="19326"/>
+                    <a:pt x="12731" y="19022"/>
+                    <a:pt x="14286" y="18466"/>
+                  </a:cubicBezTo>
+                  <a:cubicBezTo>
+                    <a:pt x="16514" y="17669"/>
+                    <a:pt x="16985" y="16648"/>
+                    <a:pt x="16985" y="15930"/>
+                  </a:cubicBezTo>
+                  <a:cubicBezTo>
+                    <a:pt x="16985" y="15332"/>
+                    <a:pt x="16650" y="14465"/>
+                    <a:pt x="15062" y="13713"/>
+                  </a:cubicBezTo>
+                  <a:cubicBezTo>
+                    <a:pt x="14174" y="13294"/>
+                    <a:pt x="13030" y="12971"/>
+                    <a:pt x="11716" y="12768"/>
+                  </a:cubicBezTo>
+                  <a:lnTo>
+                    <a:pt x="13549" y="9897"/>
+                  </a:lnTo>
+                  <a:lnTo>
+                    <a:pt x="13561" y="9879"/>
+                  </a:lnTo>
+                  <a:cubicBezTo>
+                    <a:pt x="13567" y="9873"/>
+                    <a:pt x="13570" y="9867"/>
+                    <a:pt x="13576" y="9861"/>
+                  </a:cubicBezTo>
+                  <a:cubicBezTo>
+                    <a:pt x="15327" y="7382"/>
+                    <a:pt x="15041" y="3997"/>
+                    <a:pt x="12897" y="1847"/>
+                  </a:cubicBezTo>
+                  <a:cubicBezTo>
+                    <a:pt x="11689" y="618"/>
+                    <a:pt x="10092" y="1"/>
+                    <a:pt x="8494" y="1"/>
+                  </a:cubicBezTo>
+                  <a:close/>
+                </a:path>
+              </a:pathLst>
+            </a:custGeom>
+            <a:solidFill>
+              <a:schemeClr val="accent1"/>
+            </a:solidFill>
+            <a:ln>
+              <a:noFill/>
+            </a:ln>
+          </p:spPr>
+          <p:txBody>
+            <a:bodyPr spcFirstLastPara="1" wrap="square" lIns="121900" tIns="121900" rIns="121900" bIns="121900" anchor="ctr" anchorCtr="0">
+              <a:noAutofit/>
+            </a:bodyPr>
+            <a:lstStyle/>
+            <a:p>
+              <a:endParaRPr sz="2400">
+                <a:solidFill>
+                  <a:srgbClr val="435D74"/>
+                </a:solidFill>
+              </a:endParaRPr>
+            </a:p>
+          </p:txBody>
+        </p:sp>
+        <p:sp>
+          <p:nvSpPr>
+            <p:cNvPr id="1673" name="Google Shape;1673;p42"/>
+            <p:cNvSpPr/>
+            <p:nvPr/>
+          </p:nvSpPr>
+          <p:spPr>
+            <a:xfrm>
+              <a:off x="1652425" y="324000"/>
+              <a:ext cx="147150" cy="141575"/>
+            </a:xfrm>
+            <a:custGeom>
+              <a:avLst/>
+              <a:gdLst/>
+              <a:ahLst/>
+              <a:cxnLst/>
+              <a:rect l="l" t="t" r="r" b="b"/>
+              <a:pathLst>
+                <a:path w="5886" h="5663" extrusionOk="0">
+                  <a:moveTo>
+                    <a:pt x="3054" y="1131"/>
+                  </a:moveTo>
+                  <a:cubicBezTo>
+                    <a:pt x="3495" y="1131"/>
+                    <a:pt x="3930" y="1303"/>
+                    <a:pt x="4255" y="1629"/>
+                  </a:cubicBezTo>
+                  <a:cubicBezTo>
+                    <a:pt x="4741" y="2115"/>
+                    <a:pt x="4886" y="2845"/>
+                    <a:pt x="4623" y="3480"/>
+                  </a:cubicBezTo>
+                  <a:cubicBezTo>
+                    <a:pt x="4361" y="4114"/>
+                    <a:pt x="3742" y="4530"/>
+                    <a:pt x="3053" y="4530"/>
+                  </a:cubicBezTo>
+                  <a:cubicBezTo>
+                    <a:pt x="2114" y="4527"/>
+                    <a:pt x="1356" y="3769"/>
+                    <a:pt x="1356" y="2830"/>
+                  </a:cubicBezTo>
+                  <a:cubicBezTo>
+                    <a:pt x="1356" y="2142"/>
+                    <a:pt x="1770" y="1523"/>
+                    <a:pt x="2404" y="1260"/>
+                  </a:cubicBezTo>
+                  <a:cubicBezTo>
+                    <a:pt x="2614" y="1173"/>
+                    <a:pt x="2835" y="1131"/>
+                    <a:pt x="3054" y="1131"/>
+                  </a:cubicBezTo>
+                  <a:close/>
+                  <a:moveTo>
+                    <a:pt x="3053" y="0"/>
+                  </a:moveTo>
+                  <a:cubicBezTo>
+                    <a:pt x="2316" y="0"/>
+                    <a:pt x="1593" y="287"/>
+                    <a:pt x="1051" y="828"/>
+                  </a:cubicBezTo>
+                  <a:cubicBezTo>
+                    <a:pt x="242" y="1638"/>
+                    <a:pt x="1" y="2855"/>
+                    <a:pt x="439" y="3914"/>
+                  </a:cubicBezTo>
+                  <a:cubicBezTo>
+                    <a:pt x="876" y="4971"/>
+                    <a:pt x="1909" y="5663"/>
+                    <a:pt x="3053" y="5663"/>
+                  </a:cubicBezTo>
+                  <a:cubicBezTo>
+                    <a:pt x="4617" y="5660"/>
+                    <a:pt x="5883" y="4394"/>
+                    <a:pt x="5886" y="2830"/>
+                  </a:cubicBezTo>
+                  <a:cubicBezTo>
+                    <a:pt x="5886" y="1686"/>
+                    <a:pt x="5194" y="653"/>
+                    <a:pt x="4137" y="216"/>
+                  </a:cubicBezTo>
+                  <a:cubicBezTo>
+                    <a:pt x="3786" y="70"/>
+                    <a:pt x="3418" y="0"/>
+                    <a:pt x="3053" y="0"/>
+                  </a:cubicBezTo>
+                  <a:close/>
+                </a:path>
+              </a:pathLst>
+            </a:custGeom>
+            <a:solidFill>
+              <a:schemeClr val="accent1"/>
+            </a:solidFill>
+            <a:ln>
+              <a:noFill/>
+            </a:ln>
+          </p:spPr>
+          <p:txBody>
+            <a:bodyPr spcFirstLastPara="1" wrap="square" lIns="121900" tIns="121900" rIns="121900" bIns="121900" anchor="ctr" anchorCtr="0">
+              <a:noAutofit/>
+            </a:bodyPr>
+            <a:lstStyle/>
+            <a:p>
+              <a:endParaRPr sz="2400">
+                <a:solidFill>
+                  <a:srgbClr val="435D74"/>
+                </a:solidFill>
+              </a:endParaRPr>
+            </a:p>
+          </p:txBody>
+        </p:sp>
+      </p:grpSp>
+      <p:sp>
+        <p:nvSpPr>
+          <p:cNvPr id="1674" name="Google Shape;1674;p42"/>
+          <p:cNvSpPr/>
+          <p:nvPr/>
+        </p:nvSpPr>
+        <p:spPr>
+          <a:xfrm>
+            <a:off x="9104051" y="3745622"/>
+            <a:ext cx="458040" cy="453581"/>
+          </a:xfrm>
+          <a:custGeom>
+            <a:avLst/>
+            <a:gdLst/>
+            <a:ahLst/>
+            <a:cxnLst/>
+            <a:rect l="l" t="t" r="r" b="b"/>
+            <a:pathLst>
+              <a:path w="19516" h="19326" extrusionOk="0">
+                <a:moveTo>
+                  <a:pt x="15929" y="1934"/>
+                </a:moveTo>
+                <a:lnTo>
+                  <a:pt x="15929" y="2834"/>
+                </a:lnTo>
+                <a:cubicBezTo>
+                  <a:pt x="15929" y="3145"/>
+                  <a:pt x="16182" y="3398"/>
+                  <a:pt x="16496" y="3398"/>
+                </a:cubicBezTo>
+                <a:lnTo>
+                  <a:pt x="17393" y="3398"/>
+                </a:lnTo>
+                <a:lnTo>
+                  <a:pt x="16261" y="4531"/>
+                </a:lnTo>
+                <a:lnTo>
+                  <a:pt x="14796" y="4531"/>
+                </a:lnTo>
+                <a:lnTo>
+                  <a:pt x="14796" y="3066"/>
+                </a:lnTo>
+                <a:lnTo>
+                  <a:pt x="15929" y="1934"/>
+                </a:lnTo>
+                <a:close/>
+                <a:moveTo>
+                  <a:pt x="9663" y="7927"/>
+                </a:moveTo>
+                <a:cubicBezTo>
+                  <a:pt x="9926" y="7927"/>
+                  <a:pt x="10183" y="7991"/>
+                  <a:pt x="10418" y="8109"/>
+                </a:cubicBezTo>
+                <a:lnTo>
+                  <a:pt x="9262" y="9262"/>
+                </a:lnTo>
+                <a:cubicBezTo>
+                  <a:pt x="9041" y="9485"/>
+                  <a:pt x="9041" y="9842"/>
+                  <a:pt x="9262" y="10065"/>
+                </a:cubicBezTo>
+                <a:cubicBezTo>
+                  <a:pt x="9372" y="10175"/>
+                  <a:pt x="9517" y="10231"/>
+                  <a:pt x="9662" y="10231"/>
+                </a:cubicBezTo>
+                <a:cubicBezTo>
+                  <a:pt x="9807" y="10231"/>
+                  <a:pt x="9952" y="10175"/>
+                  <a:pt x="10062" y="10065"/>
+                </a:cubicBezTo>
+                <a:lnTo>
+                  <a:pt x="11218" y="8909"/>
+                </a:lnTo>
+                <a:cubicBezTo>
+                  <a:pt x="11336" y="9141"/>
+                  <a:pt x="11399" y="9401"/>
+                  <a:pt x="11399" y="9664"/>
+                </a:cubicBezTo>
+                <a:cubicBezTo>
+                  <a:pt x="11399" y="10585"/>
+                  <a:pt x="10605" y="11364"/>
+                  <a:pt x="9663" y="11364"/>
+                </a:cubicBezTo>
+                <a:cubicBezTo>
+                  <a:pt x="8721" y="11364"/>
+                  <a:pt x="7927" y="10585"/>
+                  <a:pt x="7927" y="9664"/>
+                </a:cubicBezTo>
+                <a:cubicBezTo>
+                  <a:pt x="7927" y="8722"/>
+                  <a:pt x="8721" y="7927"/>
+                  <a:pt x="9663" y="7927"/>
+                </a:cubicBezTo>
+                <a:close/>
+                <a:moveTo>
+                  <a:pt x="9663" y="5663"/>
+                </a:moveTo>
+                <a:cubicBezTo>
+                  <a:pt x="10527" y="5666"/>
+                  <a:pt x="11363" y="5953"/>
+                  <a:pt x="12049" y="6478"/>
+                </a:cubicBezTo>
+                <a:lnTo>
+                  <a:pt x="11242" y="7287"/>
+                </a:lnTo>
+                <a:cubicBezTo>
+                  <a:pt x="10777" y="6967"/>
+                  <a:pt x="10228" y="6798"/>
+                  <a:pt x="9663" y="6795"/>
+                </a:cubicBezTo>
+                <a:cubicBezTo>
+                  <a:pt x="8108" y="6795"/>
+                  <a:pt x="6795" y="8109"/>
+                  <a:pt x="6795" y="9664"/>
+                </a:cubicBezTo>
+                <a:cubicBezTo>
+                  <a:pt x="6795" y="10422"/>
+                  <a:pt x="7103" y="11143"/>
+                  <a:pt x="7649" y="11669"/>
+                </a:cubicBezTo>
+                <a:cubicBezTo>
+                  <a:pt x="8208" y="12220"/>
+                  <a:pt x="8935" y="12495"/>
+                  <a:pt x="9663" y="12495"/>
+                </a:cubicBezTo>
+                <a:cubicBezTo>
+                  <a:pt x="10391" y="12495"/>
+                  <a:pt x="11119" y="12220"/>
+                  <a:pt x="11677" y="11669"/>
+                </a:cubicBezTo>
+                <a:cubicBezTo>
+                  <a:pt x="12224" y="11143"/>
+                  <a:pt x="12532" y="10422"/>
+                  <a:pt x="12532" y="9664"/>
+                </a:cubicBezTo>
+                <a:cubicBezTo>
+                  <a:pt x="12529" y="9099"/>
+                  <a:pt x="12360" y="8549"/>
+                  <a:pt x="12043" y="8084"/>
+                </a:cubicBezTo>
+                <a:lnTo>
+                  <a:pt x="12849" y="7278"/>
+                </a:lnTo>
+                <a:cubicBezTo>
+                  <a:pt x="13374" y="7964"/>
+                  <a:pt x="13661" y="8800"/>
+                  <a:pt x="13664" y="9664"/>
+                </a:cubicBezTo>
+                <a:cubicBezTo>
+                  <a:pt x="13664" y="11850"/>
+                  <a:pt x="11870" y="13628"/>
+                  <a:pt x="9663" y="13628"/>
+                </a:cubicBezTo>
+                <a:cubicBezTo>
+                  <a:pt x="7456" y="13628"/>
+                  <a:pt x="5662" y="11850"/>
+                  <a:pt x="5662" y="9664"/>
+                </a:cubicBezTo>
+                <a:cubicBezTo>
+                  <a:pt x="5662" y="7496"/>
+                  <a:pt x="7495" y="5663"/>
+                  <a:pt x="9663" y="5663"/>
+                </a:cubicBezTo>
+                <a:close/>
+                <a:moveTo>
+                  <a:pt x="9676" y="3398"/>
+                </a:moveTo>
+                <a:cubicBezTo>
+                  <a:pt x="11130" y="3398"/>
+                  <a:pt x="12541" y="3902"/>
+                  <a:pt x="13664" y="4826"/>
+                </a:cubicBezTo>
+                <a:lnTo>
+                  <a:pt x="13664" y="4863"/>
+                </a:lnTo>
+                <a:lnTo>
+                  <a:pt x="12861" y="5663"/>
+                </a:lnTo>
+                <a:cubicBezTo>
+                  <a:pt x="11911" y="4901"/>
+                  <a:pt x="10770" y="4528"/>
+                  <a:pt x="9634" y="4528"/>
+                </a:cubicBezTo>
+                <a:cubicBezTo>
+                  <a:pt x="8214" y="4528"/>
+                  <a:pt x="6803" y="5111"/>
+                  <a:pt x="5786" y="6246"/>
+                </a:cubicBezTo>
+                <a:cubicBezTo>
+                  <a:pt x="3959" y="8287"/>
+                  <a:pt x="4047" y="11403"/>
+                  <a:pt x="5985" y="13341"/>
+                </a:cubicBezTo>
+                <a:cubicBezTo>
+                  <a:pt x="6991" y="14346"/>
+                  <a:pt x="8313" y="14852"/>
+                  <a:pt x="9638" y="14852"/>
+                </a:cubicBezTo>
+                <a:cubicBezTo>
+                  <a:pt x="10866" y="14852"/>
+                  <a:pt x="12096" y="14417"/>
+                  <a:pt x="13078" y="13538"/>
+                </a:cubicBezTo>
+                <a:cubicBezTo>
+                  <a:pt x="15119" y="11711"/>
+                  <a:pt x="15376" y="8604"/>
+                  <a:pt x="13664" y="6463"/>
+                </a:cubicBezTo>
+                <a:lnTo>
+                  <a:pt x="14464" y="5663"/>
+                </a:lnTo>
+                <a:lnTo>
+                  <a:pt x="14503" y="5663"/>
+                </a:lnTo>
+                <a:cubicBezTo>
+                  <a:pt x="15430" y="6789"/>
+                  <a:pt x="15935" y="8205"/>
+                  <a:pt x="15929" y="9664"/>
+                </a:cubicBezTo>
+                <a:cubicBezTo>
+                  <a:pt x="15929" y="13100"/>
+                  <a:pt x="13117" y="15893"/>
+                  <a:pt x="9663" y="15893"/>
+                </a:cubicBezTo>
+                <a:cubicBezTo>
+                  <a:pt x="6209" y="15893"/>
+                  <a:pt x="3398" y="13100"/>
+                  <a:pt x="3398" y="9664"/>
+                </a:cubicBezTo>
+                <a:cubicBezTo>
+                  <a:pt x="3398" y="6209"/>
+                  <a:pt x="6209" y="3398"/>
+                  <a:pt x="9663" y="3398"/>
+                </a:cubicBezTo>
+                <a:cubicBezTo>
+                  <a:pt x="9668" y="3398"/>
+                  <a:pt x="9672" y="3398"/>
+                  <a:pt x="9676" y="3398"/>
+                </a:cubicBezTo>
+                <a:close/>
+                <a:moveTo>
+                  <a:pt x="9663" y="1134"/>
+                </a:moveTo>
+                <a:cubicBezTo>
+                  <a:pt x="11176" y="1134"/>
+                  <a:pt x="12661" y="1532"/>
+                  <a:pt x="13975" y="2287"/>
+                </a:cubicBezTo>
+                <a:lnTo>
+                  <a:pt x="13830" y="2432"/>
+                </a:lnTo>
+                <a:cubicBezTo>
+                  <a:pt x="13724" y="2538"/>
+                  <a:pt x="13664" y="2683"/>
+                  <a:pt x="13664" y="2834"/>
+                </a:cubicBezTo>
+                <a:lnTo>
+                  <a:pt x="13664" y="3428"/>
+                </a:lnTo>
+                <a:cubicBezTo>
+                  <a:pt x="12473" y="2670"/>
+                  <a:pt x="11090" y="2266"/>
+                  <a:pt x="9679" y="2266"/>
+                </a:cubicBezTo>
+                <a:cubicBezTo>
+                  <a:pt x="9674" y="2266"/>
+                  <a:pt x="9668" y="2266"/>
+                  <a:pt x="9663" y="2266"/>
+                </a:cubicBezTo>
+                <a:cubicBezTo>
+                  <a:pt x="7701" y="2266"/>
+                  <a:pt x="5847" y="3039"/>
+                  <a:pt x="4443" y="4443"/>
+                </a:cubicBezTo>
+                <a:cubicBezTo>
+                  <a:pt x="3039" y="5847"/>
+                  <a:pt x="2266" y="7701"/>
+                  <a:pt x="2266" y="9664"/>
+                </a:cubicBezTo>
+                <a:cubicBezTo>
+                  <a:pt x="2266" y="11626"/>
+                  <a:pt x="3039" y="13474"/>
+                  <a:pt x="4443" y="14866"/>
+                </a:cubicBezTo>
+                <a:cubicBezTo>
+                  <a:pt x="5886" y="16305"/>
+                  <a:pt x="7775" y="17024"/>
+                  <a:pt x="9663" y="17024"/>
+                </a:cubicBezTo>
+                <a:cubicBezTo>
+                  <a:pt x="11552" y="17024"/>
+                  <a:pt x="13441" y="16305"/>
+                  <a:pt x="14884" y="14866"/>
+                </a:cubicBezTo>
+                <a:cubicBezTo>
+                  <a:pt x="16288" y="13474"/>
+                  <a:pt x="17061" y="11626"/>
+                  <a:pt x="17061" y="9664"/>
+                </a:cubicBezTo>
+                <a:cubicBezTo>
+                  <a:pt x="17064" y="8248"/>
+                  <a:pt x="16659" y="6859"/>
+                  <a:pt x="15898" y="5663"/>
+                </a:cubicBezTo>
+                <a:lnTo>
+                  <a:pt x="16496" y="5663"/>
+                </a:lnTo>
+                <a:cubicBezTo>
+                  <a:pt x="16644" y="5663"/>
+                  <a:pt x="16789" y="5602"/>
+                  <a:pt x="16895" y="5497"/>
+                </a:cubicBezTo>
+                <a:lnTo>
+                  <a:pt x="17040" y="5352"/>
+                </a:lnTo>
+                <a:cubicBezTo>
+                  <a:pt x="17795" y="6665"/>
+                  <a:pt x="18193" y="8151"/>
+                  <a:pt x="18193" y="9664"/>
+                </a:cubicBezTo>
+                <a:cubicBezTo>
+                  <a:pt x="18193" y="14368"/>
+                  <a:pt x="14367" y="18194"/>
+                  <a:pt x="9663" y="18194"/>
+                </a:cubicBezTo>
+                <a:cubicBezTo>
+                  <a:pt x="4959" y="18194"/>
+                  <a:pt x="1133" y="14368"/>
+                  <a:pt x="1133" y="9664"/>
+                </a:cubicBezTo>
+                <a:cubicBezTo>
+                  <a:pt x="1133" y="4959"/>
+                  <a:pt x="4959" y="1134"/>
+                  <a:pt x="9663" y="1134"/>
+                </a:cubicBezTo>
+                <a:close/>
+                <a:moveTo>
+                  <a:pt x="16491" y="0"/>
+                </a:moveTo>
+                <a:cubicBezTo>
+                  <a:pt x="16352" y="0"/>
+                  <a:pt x="16210" y="52"/>
+                  <a:pt x="16095" y="167"/>
+                </a:cubicBezTo>
+                <a:lnTo>
+                  <a:pt x="14799" y="1463"/>
+                </a:lnTo>
+                <a:cubicBezTo>
+                  <a:pt x="13256" y="509"/>
+                  <a:pt x="11478" y="4"/>
+                  <a:pt x="9663" y="1"/>
+                </a:cubicBezTo>
+                <a:cubicBezTo>
+                  <a:pt x="7094" y="1"/>
+                  <a:pt x="4669" y="1010"/>
+                  <a:pt x="2839" y="2840"/>
+                </a:cubicBezTo>
+                <a:cubicBezTo>
+                  <a:pt x="1009" y="4669"/>
+                  <a:pt x="1" y="7094"/>
+                  <a:pt x="1" y="9664"/>
+                </a:cubicBezTo>
+                <a:cubicBezTo>
+                  <a:pt x="1" y="12233"/>
+                  <a:pt x="1009" y="14658"/>
+                  <a:pt x="2839" y="16488"/>
+                </a:cubicBezTo>
+                <a:cubicBezTo>
+                  <a:pt x="4669" y="18317"/>
+                  <a:pt x="7094" y="19326"/>
+                  <a:pt x="9663" y="19326"/>
+                </a:cubicBezTo>
+                <a:cubicBezTo>
+                  <a:pt x="12233" y="19326"/>
+                  <a:pt x="14657" y="18317"/>
+                  <a:pt x="16487" y="16488"/>
+                </a:cubicBezTo>
+                <a:cubicBezTo>
+                  <a:pt x="18317" y="14658"/>
+                  <a:pt x="19325" y="12233"/>
+                  <a:pt x="19325" y="9664"/>
+                </a:cubicBezTo>
+                <a:cubicBezTo>
+                  <a:pt x="19322" y="7849"/>
+                  <a:pt x="18818" y="6070"/>
+                  <a:pt x="17864" y="4528"/>
+                </a:cubicBezTo>
+                <a:lnTo>
+                  <a:pt x="19159" y="3232"/>
+                </a:lnTo>
+                <a:cubicBezTo>
+                  <a:pt x="19516" y="2876"/>
+                  <a:pt x="19265" y="2266"/>
+                  <a:pt x="18761" y="2266"/>
+                </a:cubicBezTo>
+                <a:lnTo>
+                  <a:pt x="17061" y="2266"/>
+                </a:lnTo>
+                <a:lnTo>
+                  <a:pt x="17061" y="569"/>
+                </a:lnTo>
+                <a:cubicBezTo>
+                  <a:pt x="17061" y="226"/>
+                  <a:pt x="16782" y="0"/>
+                  <a:pt x="16491" y="0"/>
+                </a:cubicBezTo>
+                <a:close/>
+              </a:path>
+            </a:pathLst>
+          </a:custGeom>
+          <a:solidFill>
+            <a:schemeClr val="accent5"/>
+          </a:solidFill>
+          <a:ln>
+            <a:noFill/>
+          </a:ln>
+        </p:spPr>
+        <p:txBody>
+          <a:bodyPr spcFirstLastPara="1" wrap="square" lIns="121900" tIns="121900" rIns="121900" bIns="121900" anchor="ctr" anchorCtr="0">
+            <a:noAutofit/>
+          </a:bodyPr>
+          <a:lstStyle/>
+          <a:p>
+            <a:endParaRPr sz="2400">
+              <a:solidFill>
+                <a:srgbClr val="435D74"/>
+              </a:solidFill>
+            </a:endParaRPr>
+          </a:p>
+        </p:txBody>
+      </p:sp>
+      <p:grpSp>
+        <p:nvGrpSpPr>
+          <p:cNvPr id="1675" name="Google Shape;1675;p42"/>
+          <p:cNvGrpSpPr/>
+          <p:nvPr/>
+        </p:nvGrpSpPr>
+        <p:grpSpPr>
+          <a:xfrm>
+            <a:off x="3189893" y="3758918"/>
+            <a:ext cx="431449" cy="426989"/>
+            <a:chOff x="3282325" y="2035675"/>
+            <a:chExt cx="459575" cy="454825"/>
+          </a:xfrm>
+        </p:grpSpPr>
+        <p:sp>
+          <p:nvSpPr>
+            <p:cNvPr id="1676" name="Google Shape;1676;p42"/>
+            <p:cNvSpPr/>
+            <p:nvPr/>
+          </p:nvSpPr>
+          <p:spPr>
+            <a:xfrm>
+              <a:off x="3337050" y="2234125"/>
+              <a:ext cx="85925" cy="206325"/>
+            </a:xfrm>
+            <a:custGeom>
+              <a:avLst/>
+              <a:gdLst/>
+              <a:ahLst/>
+              <a:cxnLst/>
+              <a:rect l="l" t="t" r="r" b="b"/>
+              <a:pathLst>
+                <a:path w="3437" h="8253" extrusionOk="0">
+                  <a:moveTo>
+                    <a:pt x="2305" y="1133"/>
+                  </a:moveTo>
+                  <a:lnTo>
+                    <a:pt x="2305" y="7120"/>
+                  </a:lnTo>
+                  <a:lnTo>
+                    <a:pt x="1133" y="7120"/>
+                  </a:lnTo>
+                  <a:lnTo>
+                    <a:pt x="1133" y="1133"/>
+                  </a:lnTo>
+                  <a:close/>
+                  <a:moveTo>
+                    <a:pt x="568" y="0"/>
+                  </a:moveTo>
+                  <a:cubicBezTo>
+                    <a:pt x="254" y="0"/>
+                    <a:pt x="1" y="254"/>
+                    <a:pt x="1" y="568"/>
+                  </a:cubicBezTo>
+                  <a:lnTo>
+                    <a:pt x="1" y="7688"/>
+                  </a:lnTo>
+                  <a:cubicBezTo>
+                    <a:pt x="1" y="7999"/>
+                    <a:pt x="254" y="8253"/>
+                    <a:pt x="568" y="8253"/>
+                  </a:cubicBezTo>
+                  <a:lnTo>
+                    <a:pt x="2869" y="8253"/>
+                  </a:lnTo>
+                  <a:cubicBezTo>
+                    <a:pt x="3183" y="8253"/>
+                    <a:pt x="3437" y="7999"/>
+                    <a:pt x="3437" y="7688"/>
+                  </a:cubicBezTo>
+                  <a:lnTo>
+                    <a:pt x="3437" y="568"/>
+                  </a:lnTo>
+                  <a:cubicBezTo>
+                    <a:pt x="3437" y="254"/>
+                    <a:pt x="3183" y="0"/>
+                    <a:pt x="2869" y="0"/>
+                  </a:cubicBezTo>
+                  <a:close/>
+                </a:path>
+              </a:pathLst>
+            </a:custGeom>
+            <a:solidFill>
+              <a:schemeClr val="accent2"/>
+            </a:solidFill>
+            <a:ln>
+              <a:noFill/>
+            </a:ln>
+          </p:spPr>
+          <p:txBody>
+            <a:bodyPr spcFirstLastPara="1" wrap="square" lIns="121900" tIns="121900" rIns="121900" bIns="121900" anchor="ctr" anchorCtr="0">
+              <a:noAutofit/>
+            </a:bodyPr>
+            <a:lstStyle/>
+            <a:p>
+              <a:endParaRPr sz="2400">
+                <a:solidFill>
+                  <a:srgbClr val="435D74"/>
+                </a:solidFill>
+              </a:endParaRPr>
+            </a:p>
+          </p:txBody>
+        </p:sp>
+        <p:sp>
+          <p:nvSpPr>
+            <p:cNvPr id="1677" name="Google Shape;1677;p42"/>
+            <p:cNvSpPr/>
+            <p:nvPr/>
+          </p:nvSpPr>
+          <p:spPr>
+            <a:xfrm>
+              <a:off x="3451275" y="2175475"/>
+              <a:ext cx="84925" cy="264975"/>
+            </a:xfrm>
+            <a:custGeom>
+              <a:avLst/>
+              <a:gdLst/>
+              <a:ahLst/>
+              <a:cxnLst/>
+              <a:rect l="l" t="t" r="r" b="b"/>
+              <a:pathLst>
+                <a:path w="3397" h="10599" extrusionOk="0">
+                  <a:moveTo>
+                    <a:pt x="2265" y="1133"/>
+                  </a:moveTo>
+                  <a:lnTo>
+                    <a:pt x="2265" y="9466"/>
+                  </a:lnTo>
+                  <a:lnTo>
+                    <a:pt x="1132" y="9466"/>
+                  </a:lnTo>
+                  <a:lnTo>
+                    <a:pt x="1132" y="1133"/>
+                  </a:lnTo>
+                  <a:close/>
+                  <a:moveTo>
+                    <a:pt x="565" y="0"/>
+                  </a:moveTo>
+                  <a:cubicBezTo>
+                    <a:pt x="254" y="0"/>
+                    <a:pt x="0" y="254"/>
+                    <a:pt x="0" y="565"/>
+                  </a:cubicBezTo>
+                  <a:lnTo>
+                    <a:pt x="0" y="10034"/>
+                  </a:lnTo>
+                  <a:cubicBezTo>
+                    <a:pt x="0" y="10345"/>
+                    <a:pt x="254" y="10599"/>
+                    <a:pt x="565" y="10599"/>
+                  </a:cubicBezTo>
+                  <a:lnTo>
+                    <a:pt x="2829" y="10599"/>
+                  </a:lnTo>
+                  <a:cubicBezTo>
+                    <a:pt x="3143" y="10599"/>
+                    <a:pt x="3397" y="10345"/>
+                    <a:pt x="3397" y="10034"/>
+                  </a:cubicBezTo>
+                  <a:lnTo>
+                    <a:pt x="3397" y="565"/>
+                  </a:lnTo>
+                  <a:cubicBezTo>
+                    <a:pt x="3397" y="254"/>
+                    <a:pt x="3143" y="0"/>
+                    <a:pt x="2829" y="0"/>
+                  </a:cubicBezTo>
+                  <a:close/>
+                </a:path>
+              </a:pathLst>
+            </a:custGeom>
+            <a:solidFill>
+              <a:schemeClr val="accent2"/>
+            </a:solidFill>
+            <a:ln>
+              <a:noFill/>
+            </a:ln>
+          </p:spPr>
+          <p:txBody>
+            <a:bodyPr spcFirstLastPara="1" wrap="square" lIns="121900" tIns="121900" rIns="121900" bIns="121900" anchor="ctr" anchorCtr="0">
+              <a:noAutofit/>
+            </a:bodyPr>
+            <a:lstStyle/>
+            <a:p>
+              <a:endParaRPr sz="2400">
+                <a:solidFill>
+                  <a:srgbClr val="435D74"/>
+                </a:solidFill>
+              </a:endParaRPr>
+            </a:p>
+          </p:txBody>
+        </p:sp>
+        <p:sp>
+          <p:nvSpPr>
+            <p:cNvPr id="1678" name="Google Shape;1678;p42"/>
+            <p:cNvSpPr/>
+            <p:nvPr/>
+          </p:nvSpPr>
+          <p:spPr>
+            <a:xfrm>
+              <a:off x="3564500" y="2116825"/>
+              <a:ext cx="84950" cy="323625"/>
+            </a:xfrm>
+            <a:custGeom>
+              <a:avLst/>
+              <a:gdLst/>
+              <a:ahLst/>
+              <a:cxnLst/>
+              <a:rect l="l" t="t" r="r" b="b"/>
+              <a:pathLst>
+                <a:path w="3398" h="12945" extrusionOk="0">
+                  <a:moveTo>
+                    <a:pt x="2265" y="1132"/>
+                  </a:moveTo>
+                  <a:lnTo>
+                    <a:pt x="2265" y="11812"/>
+                  </a:lnTo>
+                  <a:lnTo>
+                    <a:pt x="1133" y="11812"/>
+                  </a:lnTo>
+                  <a:lnTo>
+                    <a:pt x="1133" y="1132"/>
+                  </a:lnTo>
+                  <a:close/>
+                  <a:moveTo>
+                    <a:pt x="565" y="0"/>
+                  </a:moveTo>
+                  <a:cubicBezTo>
+                    <a:pt x="254" y="0"/>
+                    <a:pt x="0" y="251"/>
+                    <a:pt x="0" y="565"/>
+                  </a:cubicBezTo>
+                  <a:lnTo>
+                    <a:pt x="0" y="12380"/>
+                  </a:lnTo>
+                  <a:cubicBezTo>
+                    <a:pt x="0" y="12691"/>
+                    <a:pt x="254" y="12945"/>
+                    <a:pt x="565" y="12945"/>
+                  </a:cubicBezTo>
+                  <a:lnTo>
+                    <a:pt x="2829" y="12945"/>
+                  </a:lnTo>
+                  <a:cubicBezTo>
+                    <a:pt x="3144" y="12945"/>
+                    <a:pt x="3397" y="12691"/>
+                    <a:pt x="3397" y="12380"/>
+                  </a:cubicBezTo>
+                  <a:lnTo>
+                    <a:pt x="3397" y="565"/>
+                  </a:lnTo>
+                  <a:cubicBezTo>
+                    <a:pt x="3397" y="251"/>
+                    <a:pt x="3144" y="0"/>
+                    <a:pt x="2829" y="0"/>
+                  </a:cubicBezTo>
+                  <a:close/>
+                </a:path>
+              </a:pathLst>
+            </a:custGeom>
+            <a:solidFill>
+              <a:schemeClr val="accent2"/>
+            </a:solidFill>
+            <a:ln>
+              <a:noFill/>
+            </a:ln>
+          </p:spPr>
+          <p:txBody>
+            <a:bodyPr spcFirstLastPara="1" wrap="square" lIns="121900" tIns="121900" rIns="121900" bIns="121900" anchor="ctr" anchorCtr="0">
+              <a:noAutofit/>
+            </a:bodyPr>
+            <a:lstStyle/>
+            <a:p>
+              <a:endParaRPr sz="2400">
+                <a:solidFill>
+                  <a:srgbClr val="435D74"/>
+                </a:solidFill>
+              </a:endParaRPr>
+            </a:p>
+          </p:txBody>
+        </p:sp>
+        <p:sp>
+          <p:nvSpPr>
+            <p:cNvPr id="1679" name="Google Shape;1679;p42"/>
+            <p:cNvSpPr/>
+            <p:nvPr/>
+          </p:nvSpPr>
+          <p:spPr>
+            <a:xfrm>
+              <a:off x="3282325" y="2035675"/>
+              <a:ext cx="459575" cy="454825"/>
+            </a:xfrm>
+            <a:custGeom>
+              <a:avLst/>
+              <a:gdLst/>
+              <a:ahLst/>
+              <a:cxnLst/>
+              <a:rect l="l" t="t" r="r" b="b"/>
+              <a:pathLst>
+                <a:path w="18383" h="18193" extrusionOk="0">
+                  <a:moveTo>
+                    <a:pt x="568" y="0"/>
+                  </a:moveTo>
+                  <a:cubicBezTo>
+                    <a:pt x="254" y="0"/>
+                    <a:pt x="1" y="251"/>
+                    <a:pt x="1" y="565"/>
+                  </a:cubicBezTo>
+                  <a:lnTo>
+                    <a:pt x="1" y="17625"/>
+                  </a:lnTo>
+                  <a:cubicBezTo>
+                    <a:pt x="1" y="17939"/>
+                    <a:pt x="254" y="18192"/>
+                    <a:pt x="568" y="18192"/>
+                  </a:cubicBezTo>
+                  <a:lnTo>
+                    <a:pt x="17815" y="18192"/>
+                  </a:lnTo>
+                  <a:cubicBezTo>
+                    <a:pt x="18129" y="18192"/>
+                    <a:pt x="18383" y="17939"/>
+                    <a:pt x="18383" y="17625"/>
+                  </a:cubicBezTo>
+                  <a:cubicBezTo>
+                    <a:pt x="18383" y="17311"/>
+                    <a:pt x="18129" y="17060"/>
+                    <a:pt x="17815" y="17060"/>
+                  </a:cubicBezTo>
+                  <a:lnTo>
+                    <a:pt x="1133" y="17060"/>
+                  </a:lnTo>
+                  <a:lnTo>
+                    <a:pt x="1133" y="565"/>
+                  </a:lnTo>
+                  <a:cubicBezTo>
+                    <a:pt x="1133" y="251"/>
+                    <a:pt x="879" y="0"/>
+                    <a:pt x="568" y="0"/>
+                  </a:cubicBezTo>
+                  <a:close/>
+                </a:path>
+              </a:pathLst>
+            </a:custGeom>
+            <a:solidFill>
+              <a:schemeClr val="accent2"/>
+            </a:solidFill>
+            <a:ln>
+              <a:noFill/>
+            </a:ln>
+          </p:spPr>
+          <p:txBody>
+            <a:bodyPr spcFirstLastPara="1" wrap="square" lIns="121900" tIns="121900" rIns="121900" bIns="121900" anchor="ctr" anchorCtr="0">
+              <a:noAutofit/>
+            </a:bodyPr>
+            <a:lstStyle/>
+            <a:p>
+              <a:endParaRPr sz="2400">
+                <a:solidFill>
+                  <a:srgbClr val="435D74"/>
+                </a:solidFill>
+              </a:endParaRPr>
+            </a:p>
+          </p:txBody>
+        </p:sp>
+      </p:grpSp>
+      <p:sp>
+        <p:nvSpPr>
+          <p:cNvPr id="1680" name="Google Shape;1680;p42"/>
+          <p:cNvSpPr/>
+          <p:nvPr/>
+        </p:nvSpPr>
+        <p:spPr>
+          <a:xfrm>
+            <a:off x="7151738" y="3761289"/>
+            <a:ext cx="440579" cy="422249"/>
+          </a:xfrm>
+          <a:custGeom>
+            <a:avLst/>
+            <a:gdLst/>
+            <a:ahLst/>
+            <a:cxnLst/>
+            <a:rect l="l" t="t" r="r" b="b"/>
+            <a:pathLst>
+              <a:path w="18772" h="17991" extrusionOk="0">
+                <a:moveTo>
+                  <a:pt x="17492" y="6197"/>
+                </a:moveTo>
+                <a:lnTo>
+                  <a:pt x="17217" y="8063"/>
+                </a:lnTo>
+                <a:lnTo>
+                  <a:pt x="15626" y="6472"/>
+                </a:lnTo>
+                <a:lnTo>
+                  <a:pt x="17492" y="6197"/>
+                </a:lnTo>
+                <a:close/>
+                <a:moveTo>
+                  <a:pt x="6055" y="9391"/>
+                </a:moveTo>
+                <a:lnTo>
+                  <a:pt x="6055" y="16858"/>
+                </a:lnTo>
+                <a:lnTo>
+                  <a:pt x="1133" y="16858"/>
+                </a:lnTo>
+                <a:lnTo>
+                  <a:pt x="1133" y="13332"/>
+                </a:lnTo>
+                <a:lnTo>
+                  <a:pt x="6055" y="9391"/>
+                </a:lnTo>
+                <a:close/>
+                <a:moveTo>
+                  <a:pt x="7187" y="9141"/>
+                </a:moveTo>
+                <a:lnTo>
+                  <a:pt x="11903" y="11568"/>
+                </a:lnTo>
+                <a:lnTo>
+                  <a:pt x="11903" y="16858"/>
+                </a:lnTo>
+                <a:lnTo>
+                  <a:pt x="7187" y="16858"/>
+                </a:lnTo>
+                <a:lnTo>
+                  <a:pt x="7187" y="9141"/>
+                </a:lnTo>
+                <a:close/>
+                <a:moveTo>
+                  <a:pt x="565" y="1"/>
+                </a:moveTo>
+                <a:cubicBezTo>
+                  <a:pt x="254" y="1"/>
+                  <a:pt x="1" y="255"/>
+                  <a:pt x="1" y="569"/>
+                </a:cubicBezTo>
+                <a:lnTo>
+                  <a:pt x="1" y="17423"/>
+                </a:lnTo>
+                <a:cubicBezTo>
+                  <a:pt x="1" y="17737"/>
+                  <a:pt x="254" y="17991"/>
+                  <a:pt x="565" y="17991"/>
+                </a:cubicBezTo>
+                <a:lnTo>
+                  <a:pt x="18141" y="17991"/>
+                </a:lnTo>
+                <a:cubicBezTo>
+                  <a:pt x="18455" y="17991"/>
+                  <a:pt x="18706" y="17737"/>
+                  <a:pt x="18706" y="17423"/>
+                </a:cubicBezTo>
+                <a:cubicBezTo>
+                  <a:pt x="18706" y="17112"/>
+                  <a:pt x="18455" y="16858"/>
+                  <a:pt x="18141" y="16858"/>
+                </a:cubicBezTo>
+                <a:lnTo>
+                  <a:pt x="13033" y="16858"/>
+                </a:lnTo>
+                <a:lnTo>
+                  <a:pt x="13033" y="11457"/>
+                </a:lnTo>
+                <a:lnTo>
+                  <a:pt x="16022" y="8467"/>
+                </a:lnTo>
+                <a:lnTo>
+                  <a:pt x="17214" y="9660"/>
+                </a:lnTo>
+                <a:cubicBezTo>
+                  <a:pt x="17329" y="9774"/>
+                  <a:pt x="17471" y="9826"/>
+                  <a:pt x="17611" y="9826"/>
+                </a:cubicBezTo>
+                <a:cubicBezTo>
+                  <a:pt x="17874" y="9826"/>
+                  <a:pt x="18129" y="9643"/>
+                  <a:pt x="18175" y="9343"/>
+                </a:cubicBezTo>
+                <a:lnTo>
+                  <a:pt x="18721" y="5608"/>
+                </a:lnTo>
+                <a:cubicBezTo>
+                  <a:pt x="18771" y="5262"/>
+                  <a:pt x="18501" y="4962"/>
+                  <a:pt x="18164" y="4962"/>
+                </a:cubicBezTo>
+                <a:cubicBezTo>
+                  <a:pt x="18137" y="4962"/>
+                  <a:pt x="18109" y="4964"/>
+                  <a:pt x="18081" y="4968"/>
+                </a:cubicBezTo>
+                <a:lnTo>
+                  <a:pt x="14346" y="5514"/>
+                </a:lnTo>
+                <a:cubicBezTo>
+                  <a:pt x="13887" y="5584"/>
+                  <a:pt x="13700" y="6145"/>
+                  <a:pt x="14029" y="6475"/>
+                </a:cubicBezTo>
+                <a:lnTo>
+                  <a:pt x="15222" y="7667"/>
+                </a:lnTo>
+                <a:lnTo>
+                  <a:pt x="12359" y="10530"/>
+                </a:lnTo>
+                <a:lnTo>
+                  <a:pt x="6879" y="7710"/>
+                </a:lnTo>
+                <a:cubicBezTo>
+                  <a:pt x="6867" y="7703"/>
+                  <a:pt x="6855" y="7697"/>
+                  <a:pt x="6846" y="7694"/>
+                </a:cubicBezTo>
+                <a:lnTo>
+                  <a:pt x="6831" y="7688"/>
+                </a:lnTo>
+                <a:lnTo>
+                  <a:pt x="6794" y="7673"/>
+                </a:lnTo>
+                <a:lnTo>
+                  <a:pt x="6776" y="7670"/>
+                </a:lnTo>
+                <a:cubicBezTo>
+                  <a:pt x="6767" y="7667"/>
+                  <a:pt x="6755" y="7664"/>
+                  <a:pt x="6743" y="7661"/>
+                </a:cubicBezTo>
+                <a:lnTo>
+                  <a:pt x="6728" y="7658"/>
+                </a:lnTo>
+                <a:cubicBezTo>
+                  <a:pt x="6713" y="7655"/>
+                  <a:pt x="6695" y="7652"/>
+                  <a:pt x="6680" y="7649"/>
+                </a:cubicBezTo>
+                <a:lnTo>
+                  <a:pt x="6553" y="7649"/>
+                </a:lnTo>
+                <a:cubicBezTo>
+                  <a:pt x="6541" y="7649"/>
+                  <a:pt x="6526" y="7655"/>
+                  <a:pt x="6514" y="7655"/>
+                </a:cubicBezTo>
+                <a:lnTo>
+                  <a:pt x="6495" y="7661"/>
+                </a:lnTo>
+                <a:cubicBezTo>
+                  <a:pt x="6483" y="7661"/>
+                  <a:pt x="6474" y="7664"/>
+                  <a:pt x="6465" y="7667"/>
+                </a:cubicBezTo>
+                <a:lnTo>
+                  <a:pt x="6447" y="7673"/>
+                </a:lnTo>
+                <a:cubicBezTo>
+                  <a:pt x="6432" y="7679"/>
+                  <a:pt x="6417" y="7682"/>
+                  <a:pt x="6405" y="7688"/>
+                </a:cubicBezTo>
+                <a:lnTo>
+                  <a:pt x="6387" y="7697"/>
+                </a:lnTo>
+                <a:lnTo>
+                  <a:pt x="6360" y="7710"/>
+                </a:lnTo>
+                <a:lnTo>
+                  <a:pt x="6341" y="7719"/>
+                </a:lnTo>
+                <a:cubicBezTo>
+                  <a:pt x="6332" y="7725"/>
+                  <a:pt x="6323" y="7731"/>
+                  <a:pt x="6314" y="7737"/>
+                </a:cubicBezTo>
+                <a:lnTo>
+                  <a:pt x="6299" y="7746"/>
+                </a:lnTo>
+                <a:cubicBezTo>
+                  <a:pt x="6287" y="7752"/>
+                  <a:pt x="6275" y="7761"/>
+                  <a:pt x="6266" y="7770"/>
+                </a:cubicBezTo>
+                <a:lnTo>
+                  <a:pt x="6260" y="7776"/>
+                </a:lnTo>
+                <a:lnTo>
+                  <a:pt x="1133" y="11879"/>
+                </a:lnTo>
+                <a:lnTo>
+                  <a:pt x="1133" y="569"/>
+                </a:lnTo>
+                <a:cubicBezTo>
+                  <a:pt x="1133" y="255"/>
+                  <a:pt x="879" y="1"/>
+                  <a:pt x="565" y="1"/>
+                </a:cubicBezTo>
+                <a:close/>
+              </a:path>
+            </a:pathLst>
+          </a:custGeom>
+          <a:solidFill>
+            <a:schemeClr val="accent4"/>
+          </a:solidFill>
+          <a:ln>
+            <a:noFill/>
+          </a:ln>
+        </p:spPr>
+        <p:txBody>
+          <a:bodyPr spcFirstLastPara="1" wrap="square" lIns="121900" tIns="121900" rIns="121900" bIns="121900" anchor="ctr" anchorCtr="0">
+            <a:noAutofit/>
+          </a:bodyPr>
+          <a:lstStyle/>
+          <a:p>
+            <a:endParaRPr sz="2400">
+              <a:solidFill>
+                <a:srgbClr val="435D74"/>
+              </a:solidFill>
+            </a:endParaRPr>
+          </a:p>
+        </p:txBody>
+      </p:sp>
+      <p:grpSp>
+        <p:nvGrpSpPr>
+          <p:cNvPr id="1681" name="Google Shape;1681;p42"/>
+          <p:cNvGrpSpPr/>
+          <p:nvPr/>
+        </p:nvGrpSpPr>
+        <p:grpSpPr>
+          <a:xfrm>
+            <a:off x="5159458" y="3745634"/>
+            <a:ext cx="454144" cy="453557"/>
+            <a:chOff x="5053900" y="2021500"/>
+            <a:chExt cx="483750" cy="483125"/>
+          </a:xfrm>
+        </p:grpSpPr>
+        <p:sp>
+          <p:nvSpPr>
+            <p:cNvPr id="1682" name="Google Shape;1682;p42"/>
+            <p:cNvSpPr/>
+            <p:nvPr/>
+          </p:nvSpPr>
+          <p:spPr>
+            <a:xfrm>
+              <a:off x="5281350" y="2078100"/>
+              <a:ext cx="127375" cy="127350"/>
+            </a:xfrm>
+            <a:custGeom>
+              <a:avLst/>
+              <a:gdLst/>
+              <a:ahLst/>
+              <a:cxnLst/>
+              <a:rect l="l" t="t" r="r" b="b"/>
+              <a:pathLst>
+                <a:path w="5095" h="5094" extrusionOk="0">
+                  <a:moveTo>
+                    <a:pt x="565" y="0"/>
+                  </a:moveTo>
+                  <a:cubicBezTo>
+                    <a:pt x="251" y="0"/>
+                    <a:pt x="1" y="254"/>
+                    <a:pt x="1" y="568"/>
+                  </a:cubicBezTo>
+                  <a:cubicBezTo>
+                    <a:pt x="1" y="879"/>
+                    <a:pt x="251" y="1132"/>
+                    <a:pt x="565" y="1132"/>
+                  </a:cubicBezTo>
+                  <a:cubicBezTo>
+                    <a:pt x="2440" y="1135"/>
+                    <a:pt x="3959" y="2654"/>
+                    <a:pt x="3962" y="4529"/>
+                  </a:cubicBezTo>
+                  <a:cubicBezTo>
+                    <a:pt x="3962" y="4843"/>
+                    <a:pt x="4216" y="5094"/>
+                    <a:pt x="4530" y="5094"/>
+                  </a:cubicBezTo>
+                  <a:cubicBezTo>
+                    <a:pt x="4841" y="5094"/>
+                    <a:pt x="5094" y="4843"/>
+                    <a:pt x="5094" y="4529"/>
+                  </a:cubicBezTo>
+                  <a:cubicBezTo>
+                    <a:pt x="5091" y="2029"/>
+                    <a:pt x="3065" y="3"/>
+                    <a:pt x="565" y="0"/>
+                  </a:cubicBezTo>
+                  <a:close/>
+                </a:path>
+              </a:pathLst>
+            </a:custGeom>
+            <a:solidFill>
+              <a:schemeClr val="accent3"/>
+            </a:solidFill>
+            <a:ln>
+              <a:noFill/>
+            </a:ln>
+          </p:spPr>
+          <p:txBody>
+            <a:bodyPr spcFirstLastPara="1" wrap="square" lIns="121900" tIns="121900" rIns="121900" bIns="121900" anchor="ctr" anchorCtr="0">
+              <a:noAutofit/>
+            </a:bodyPr>
+            <a:lstStyle/>
+            <a:p>
+              <a:endParaRPr sz="2400">
+                <a:solidFill>
+                  <a:srgbClr val="435D74"/>
+                </a:solidFill>
+              </a:endParaRPr>
+            </a:p>
+          </p:txBody>
+        </p:sp>
+        <p:sp>
+          <p:nvSpPr>
+            <p:cNvPr id="1683" name="Google Shape;1683;p42"/>
+            <p:cNvSpPr/>
+            <p:nvPr/>
+          </p:nvSpPr>
+          <p:spPr>
+            <a:xfrm>
+              <a:off x="5118000" y="2021500"/>
+              <a:ext cx="368700" cy="483125"/>
+            </a:xfrm>
+            <a:custGeom>
+              <a:avLst/>
+              <a:gdLst/>
+              <a:ahLst/>
+              <a:cxnLst/>
+              <a:rect l="l" t="t" r="r" b="b"/>
+              <a:pathLst>
+                <a:path w="14748" h="19325" extrusionOk="0">
+                  <a:moveTo>
+                    <a:pt x="7088" y="1135"/>
+                  </a:moveTo>
+                  <a:cubicBezTo>
+                    <a:pt x="8391" y="1135"/>
+                    <a:pt x="9651" y="1571"/>
+                    <a:pt x="10668" y="2397"/>
+                  </a:cubicBezTo>
+                  <a:cubicBezTo>
+                    <a:pt x="13159" y="4417"/>
+                    <a:pt x="13473" y="8104"/>
+                    <a:pt x="11360" y="10516"/>
+                  </a:cubicBezTo>
+                  <a:cubicBezTo>
+                    <a:pt x="10572" y="11419"/>
+                    <a:pt x="10085" y="12503"/>
+                    <a:pt x="9962" y="13626"/>
+                  </a:cubicBezTo>
+                  <a:lnTo>
+                    <a:pt x="4237" y="13626"/>
+                  </a:lnTo>
+                  <a:cubicBezTo>
+                    <a:pt x="4107" y="12482"/>
+                    <a:pt x="3630" y="11407"/>
+                    <a:pt x="2866" y="10550"/>
+                  </a:cubicBezTo>
+                  <a:cubicBezTo>
+                    <a:pt x="1658" y="9191"/>
+                    <a:pt x="1184" y="7367"/>
+                    <a:pt x="1571" y="5549"/>
+                  </a:cubicBezTo>
+                  <a:cubicBezTo>
+                    <a:pt x="2020" y="3427"/>
+                    <a:pt x="3748" y="1706"/>
+                    <a:pt x="5873" y="1262"/>
+                  </a:cubicBezTo>
+                  <a:cubicBezTo>
+                    <a:pt x="6278" y="1177"/>
+                    <a:pt x="6685" y="1135"/>
+                    <a:pt x="7088" y="1135"/>
+                  </a:cubicBezTo>
+                  <a:close/>
+                  <a:moveTo>
+                    <a:pt x="9931" y="14759"/>
+                  </a:moveTo>
+                  <a:lnTo>
+                    <a:pt x="9931" y="15323"/>
+                  </a:lnTo>
+                  <a:cubicBezTo>
+                    <a:pt x="9931" y="15637"/>
+                    <a:pt x="9678" y="15891"/>
+                    <a:pt x="9364" y="15891"/>
+                  </a:cubicBezTo>
+                  <a:lnTo>
+                    <a:pt x="4835" y="15891"/>
+                  </a:lnTo>
+                  <a:cubicBezTo>
+                    <a:pt x="4521" y="15891"/>
+                    <a:pt x="4270" y="15637"/>
+                    <a:pt x="4270" y="15323"/>
+                  </a:cubicBezTo>
+                  <a:lnTo>
+                    <a:pt x="4270" y="14759"/>
+                  </a:lnTo>
+                  <a:close/>
+                  <a:moveTo>
+                    <a:pt x="8699" y="17023"/>
+                  </a:moveTo>
+                  <a:cubicBezTo>
+                    <a:pt x="8464" y="17694"/>
+                    <a:pt x="7827" y="18192"/>
+                    <a:pt x="7099" y="18192"/>
+                  </a:cubicBezTo>
+                  <a:cubicBezTo>
+                    <a:pt x="6371" y="18192"/>
+                    <a:pt x="5734" y="17694"/>
+                    <a:pt x="5499" y="17023"/>
+                  </a:cubicBezTo>
+                  <a:close/>
+                  <a:moveTo>
+                    <a:pt x="7087" y="0"/>
+                  </a:moveTo>
+                  <a:cubicBezTo>
+                    <a:pt x="6607" y="0"/>
+                    <a:pt x="6123" y="50"/>
+                    <a:pt x="5641" y="151"/>
+                  </a:cubicBezTo>
+                  <a:cubicBezTo>
+                    <a:pt x="3053" y="712"/>
+                    <a:pt x="1027" y="2729"/>
+                    <a:pt x="462" y="5314"/>
+                  </a:cubicBezTo>
+                  <a:cubicBezTo>
+                    <a:pt x="0" y="7488"/>
+                    <a:pt x="568" y="9671"/>
+                    <a:pt x="2020" y="11301"/>
+                  </a:cubicBezTo>
+                  <a:cubicBezTo>
+                    <a:pt x="2730" y="12099"/>
+                    <a:pt x="3135" y="13149"/>
+                    <a:pt x="3135" y="14191"/>
+                  </a:cubicBezTo>
+                  <a:lnTo>
+                    <a:pt x="3135" y="15323"/>
+                  </a:lnTo>
+                  <a:cubicBezTo>
+                    <a:pt x="3138" y="16060"/>
+                    <a:pt x="3612" y="16709"/>
+                    <a:pt x="4309" y="16939"/>
+                  </a:cubicBezTo>
+                  <a:cubicBezTo>
+                    <a:pt x="4409" y="17518"/>
+                    <a:pt x="4681" y="18053"/>
+                    <a:pt x="5094" y="18473"/>
+                  </a:cubicBezTo>
+                  <a:cubicBezTo>
+                    <a:pt x="5642" y="19040"/>
+                    <a:pt x="6371" y="19324"/>
+                    <a:pt x="7099" y="19324"/>
+                  </a:cubicBezTo>
+                  <a:cubicBezTo>
+                    <a:pt x="7828" y="19324"/>
+                    <a:pt x="8556" y="19040"/>
+                    <a:pt x="9104" y="18473"/>
+                  </a:cubicBezTo>
+                  <a:cubicBezTo>
+                    <a:pt x="9518" y="18053"/>
+                    <a:pt x="9790" y="17518"/>
+                    <a:pt x="9889" y="16939"/>
+                  </a:cubicBezTo>
+                  <a:cubicBezTo>
+                    <a:pt x="10587" y="16709"/>
+                    <a:pt x="11061" y="16060"/>
+                    <a:pt x="11064" y="15323"/>
+                  </a:cubicBezTo>
+                  <a:lnTo>
+                    <a:pt x="11064" y="14191"/>
+                  </a:lnTo>
+                  <a:cubicBezTo>
+                    <a:pt x="11064" y="13149"/>
+                    <a:pt x="11471" y="12108"/>
+                    <a:pt x="12211" y="11262"/>
+                  </a:cubicBezTo>
+                  <a:cubicBezTo>
+                    <a:pt x="14747" y="8366"/>
+                    <a:pt x="14370" y="3943"/>
+                    <a:pt x="11381" y="1518"/>
+                  </a:cubicBezTo>
+                  <a:cubicBezTo>
+                    <a:pt x="10159" y="525"/>
+                    <a:pt x="8647" y="0"/>
+                    <a:pt x="7087" y="0"/>
+                  </a:cubicBezTo>
+                  <a:close/>
+                </a:path>
+              </a:pathLst>
+            </a:custGeom>
+            <a:solidFill>
+              <a:schemeClr val="accent3"/>
+            </a:solidFill>
+            <a:ln>
+              <a:noFill/>
+            </a:ln>
+          </p:spPr>
+          <p:txBody>
+            <a:bodyPr spcFirstLastPara="1" wrap="square" lIns="121900" tIns="121900" rIns="121900" bIns="121900" anchor="ctr" anchorCtr="0">
+              <a:noAutofit/>
+            </a:bodyPr>
+            <a:lstStyle/>
+            <a:p>
+              <a:endParaRPr sz="2400">
+                <a:solidFill>
+                  <a:srgbClr val="435D74"/>
+                </a:solidFill>
+              </a:endParaRPr>
+            </a:p>
+          </p:txBody>
+        </p:sp>
+        <p:sp>
+          <p:nvSpPr>
+            <p:cNvPr id="1684" name="Google Shape;1684;p42"/>
+            <p:cNvSpPr/>
+            <p:nvPr/>
+          </p:nvSpPr>
+          <p:spPr>
+            <a:xfrm>
+              <a:off x="5053900" y="2191325"/>
+              <a:ext cx="56650" cy="28325"/>
+            </a:xfrm>
+            <a:custGeom>
+              <a:avLst/>
+              <a:gdLst/>
+              <a:ahLst/>
+              <a:cxnLst/>
+              <a:rect l="l" t="t" r="r" b="b"/>
+              <a:pathLst>
+                <a:path w="2266" h="1133" extrusionOk="0">
+                  <a:moveTo>
+                    <a:pt x="569" y="0"/>
+                  </a:moveTo>
+                  <a:cubicBezTo>
+                    <a:pt x="255" y="0"/>
+                    <a:pt x="1" y="254"/>
+                    <a:pt x="1" y="568"/>
+                  </a:cubicBezTo>
+                  <a:cubicBezTo>
+                    <a:pt x="1" y="879"/>
+                    <a:pt x="255" y="1133"/>
+                    <a:pt x="569" y="1133"/>
+                  </a:cubicBezTo>
+                  <a:lnTo>
+                    <a:pt x="1701" y="1133"/>
+                  </a:lnTo>
+                  <a:cubicBezTo>
+                    <a:pt x="2012" y="1133"/>
+                    <a:pt x="2266" y="879"/>
+                    <a:pt x="2266" y="568"/>
+                  </a:cubicBezTo>
+                  <a:cubicBezTo>
+                    <a:pt x="2266" y="254"/>
+                    <a:pt x="2012" y="0"/>
+                    <a:pt x="1701" y="0"/>
+                  </a:cubicBezTo>
+                  <a:close/>
+                </a:path>
+              </a:pathLst>
+            </a:custGeom>
+            <a:solidFill>
+              <a:schemeClr val="accent3"/>
+            </a:solidFill>
+            <a:ln>
+              <a:noFill/>
+            </a:ln>
+          </p:spPr>
+          <p:txBody>
+            <a:bodyPr spcFirstLastPara="1" wrap="square" lIns="121900" tIns="121900" rIns="121900" bIns="121900" anchor="ctr" anchorCtr="0">
+              <a:noAutofit/>
+            </a:bodyPr>
+            <a:lstStyle/>
+            <a:p>
+              <a:endParaRPr sz="2400">
+                <a:solidFill>
+                  <a:srgbClr val="435D74"/>
+                </a:solidFill>
+              </a:endParaRPr>
+            </a:p>
+          </p:txBody>
+        </p:sp>
+        <p:sp>
+          <p:nvSpPr>
+            <p:cNvPr id="1685" name="Google Shape;1685;p42"/>
+            <p:cNvSpPr/>
+            <p:nvPr/>
+          </p:nvSpPr>
+          <p:spPr>
+            <a:xfrm>
+              <a:off x="5056850" y="2096550"/>
+              <a:ext cx="50750" cy="48025"/>
+            </a:xfrm>
+            <a:custGeom>
+              <a:avLst/>
+              <a:gdLst/>
+              <a:ahLst/>
+              <a:cxnLst/>
+              <a:rect l="l" t="t" r="r" b="b"/>
+              <a:pathLst>
+                <a:path w="2030" h="1921" extrusionOk="0">
+                  <a:moveTo>
+                    <a:pt x="622" y="0"/>
+                  </a:moveTo>
+                  <a:cubicBezTo>
+                    <a:pt x="476" y="0"/>
+                    <a:pt x="331" y="56"/>
+                    <a:pt x="221" y="168"/>
+                  </a:cubicBezTo>
+                  <a:cubicBezTo>
+                    <a:pt x="4" y="385"/>
+                    <a:pt x="1" y="739"/>
+                    <a:pt x="215" y="962"/>
+                  </a:cubicBezTo>
+                  <a:lnTo>
+                    <a:pt x="1015" y="1762"/>
+                  </a:lnTo>
+                  <a:cubicBezTo>
+                    <a:pt x="1125" y="1868"/>
+                    <a:pt x="1267" y="1921"/>
+                    <a:pt x="1409" y="1921"/>
+                  </a:cubicBezTo>
+                  <a:cubicBezTo>
+                    <a:pt x="1554" y="1921"/>
+                    <a:pt x="1699" y="1865"/>
+                    <a:pt x="1809" y="1753"/>
+                  </a:cubicBezTo>
+                  <a:cubicBezTo>
+                    <a:pt x="2027" y="1536"/>
+                    <a:pt x="2030" y="1183"/>
+                    <a:pt x="1815" y="962"/>
+                  </a:cubicBezTo>
+                  <a:lnTo>
+                    <a:pt x="1015" y="159"/>
+                  </a:lnTo>
+                  <a:cubicBezTo>
+                    <a:pt x="905" y="53"/>
+                    <a:pt x="763" y="0"/>
+                    <a:pt x="622" y="0"/>
+                  </a:cubicBezTo>
+                  <a:close/>
+                </a:path>
+              </a:pathLst>
+            </a:custGeom>
+            <a:solidFill>
+              <a:schemeClr val="accent3"/>
+            </a:solidFill>
+            <a:ln>
+              <a:noFill/>
+            </a:ln>
+          </p:spPr>
+          <p:txBody>
+            <a:bodyPr spcFirstLastPara="1" wrap="square" lIns="121900" tIns="121900" rIns="121900" bIns="121900" anchor="ctr" anchorCtr="0">
+              <a:noAutofit/>
+            </a:bodyPr>
+            <a:lstStyle/>
+            <a:p>
+              <a:endParaRPr sz="2400">
+                <a:solidFill>
+                  <a:srgbClr val="435D74"/>
+                </a:solidFill>
+              </a:endParaRPr>
+            </a:p>
+          </p:txBody>
+        </p:sp>
+        <p:sp>
+          <p:nvSpPr>
+            <p:cNvPr id="1686" name="Google Shape;1686;p42"/>
+            <p:cNvSpPr/>
+            <p:nvPr/>
+          </p:nvSpPr>
+          <p:spPr>
+            <a:xfrm>
+              <a:off x="5056400" y="2266400"/>
+              <a:ext cx="51200" cy="48350"/>
+            </a:xfrm>
+            <a:custGeom>
+              <a:avLst/>
+              <a:gdLst/>
+              <a:ahLst/>
+              <a:cxnLst/>
+              <a:rect l="l" t="t" r="r" b="b"/>
+              <a:pathLst>
+                <a:path w="2048" h="1934" extrusionOk="0">
+                  <a:moveTo>
+                    <a:pt x="1427" y="0"/>
+                  </a:moveTo>
+                  <a:cubicBezTo>
+                    <a:pt x="1285" y="0"/>
+                    <a:pt x="1143" y="53"/>
+                    <a:pt x="1033" y="159"/>
+                  </a:cubicBezTo>
+                  <a:lnTo>
+                    <a:pt x="233" y="962"/>
+                  </a:lnTo>
+                  <a:cubicBezTo>
+                    <a:pt x="4" y="1179"/>
+                    <a:pt x="1" y="1545"/>
+                    <a:pt x="227" y="1768"/>
+                  </a:cubicBezTo>
+                  <a:cubicBezTo>
+                    <a:pt x="338" y="1879"/>
+                    <a:pt x="482" y="1934"/>
+                    <a:pt x="627" y="1934"/>
+                  </a:cubicBezTo>
+                  <a:cubicBezTo>
+                    <a:pt x="774" y="1934"/>
+                    <a:pt x="922" y="1876"/>
+                    <a:pt x="1033" y="1762"/>
+                  </a:cubicBezTo>
+                  <a:lnTo>
+                    <a:pt x="1833" y="962"/>
+                  </a:lnTo>
+                  <a:cubicBezTo>
+                    <a:pt x="2048" y="738"/>
+                    <a:pt x="2045" y="385"/>
+                    <a:pt x="1827" y="168"/>
+                  </a:cubicBezTo>
+                  <a:cubicBezTo>
+                    <a:pt x="1717" y="56"/>
+                    <a:pt x="1572" y="0"/>
+                    <a:pt x="1427" y="0"/>
+                  </a:cubicBezTo>
+                  <a:close/>
+                </a:path>
+              </a:pathLst>
+            </a:custGeom>
+            <a:solidFill>
+              <a:schemeClr val="accent3"/>
+            </a:solidFill>
+            <a:ln>
+              <a:noFill/>
+            </a:ln>
+          </p:spPr>
+          <p:txBody>
+            <a:bodyPr spcFirstLastPara="1" wrap="square" lIns="121900" tIns="121900" rIns="121900" bIns="121900" anchor="ctr" anchorCtr="0">
+              <a:noAutofit/>
+            </a:bodyPr>
+            <a:lstStyle/>
+            <a:p>
+              <a:endParaRPr sz="2400">
+                <a:solidFill>
+                  <a:srgbClr val="435D74"/>
+                </a:solidFill>
+              </a:endParaRPr>
+            </a:p>
+          </p:txBody>
+        </p:sp>
+        <p:sp>
+          <p:nvSpPr>
+            <p:cNvPr id="1687" name="Google Shape;1687;p42"/>
+            <p:cNvSpPr/>
+            <p:nvPr/>
+          </p:nvSpPr>
+          <p:spPr>
+            <a:xfrm>
+              <a:off x="5480400" y="2191325"/>
+              <a:ext cx="56650" cy="28325"/>
+            </a:xfrm>
+            <a:custGeom>
+              <a:avLst/>
+              <a:gdLst/>
+              <a:ahLst/>
+              <a:cxnLst/>
+              <a:rect l="l" t="t" r="r" b="b"/>
+              <a:pathLst>
+                <a:path w="2266" h="1133" extrusionOk="0">
+                  <a:moveTo>
+                    <a:pt x="568" y="0"/>
+                  </a:moveTo>
+                  <a:cubicBezTo>
+                    <a:pt x="254" y="0"/>
+                    <a:pt x="1" y="254"/>
+                    <a:pt x="1" y="568"/>
+                  </a:cubicBezTo>
+                  <a:cubicBezTo>
+                    <a:pt x="1" y="879"/>
+                    <a:pt x="254" y="1133"/>
+                    <a:pt x="568" y="1133"/>
+                  </a:cubicBezTo>
+                  <a:lnTo>
+                    <a:pt x="1701" y="1133"/>
+                  </a:lnTo>
+                  <a:cubicBezTo>
+                    <a:pt x="2012" y="1133"/>
+                    <a:pt x="2265" y="879"/>
+                    <a:pt x="2265" y="568"/>
+                  </a:cubicBezTo>
+                  <a:cubicBezTo>
+                    <a:pt x="2265" y="254"/>
+                    <a:pt x="2012" y="0"/>
+                    <a:pt x="1701" y="0"/>
+                  </a:cubicBezTo>
+                  <a:close/>
+                </a:path>
+              </a:pathLst>
+            </a:custGeom>
+            <a:solidFill>
+              <a:schemeClr val="accent3"/>
+            </a:solidFill>
+            <a:ln>
+              <a:noFill/>
+            </a:ln>
+          </p:spPr>
+          <p:txBody>
+            <a:bodyPr spcFirstLastPara="1" wrap="square" lIns="121900" tIns="121900" rIns="121900" bIns="121900" anchor="ctr" anchorCtr="0">
+              <a:noAutofit/>
+            </a:bodyPr>
+            <a:lstStyle/>
+            <a:p>
+              <a:endParaRPr sz="2400">
+                <a:solidFill>
+                  <a:srgbClr val="435D74"/>
+                </a:solidFill>
+              </a:endParaRPr>
+            </a:p>
+          </p:txBody>
+        </p:sp>
+        <p:sp>
+          <p:nvSpPr>
+            <p:cNvPr id="1688" name="Google Shape;1688;p42"/>
+            <p:cNvSpPr/>
+            <p:nvPr/>
+          </p:nvSpPr>
+          <p:spPr>
+            <a:xfrm>
+              <a:off x="5479800" y="2096550"/>
+              <a:ext cx="54300" cy="48225"/>
+            </a:xfrm>
+            <a:custGeom>
+              <a:avLst/>
+              <a:gdLst/>
+              <a:ahLst/>
+              <a:cxnLst/>
+              <a:rect l="l" t="t" r="r" b="b"/>
+              <a:pathLst>
+                <a:path w="2172" h="1929" extrusionOk="0">
+                  <a:moveTo>
+                    <a:pt x="1550" y="0"/>
+                  </a:moveTo>
+                  <a:cubicBezTo>
+                    <a:pt x="1409" y="0"/>
+                    <a:pt x="1267" y="53"/>
+                    <a:pt x="1157" y="159"/>
+                  </a:cubicBezTo>
+                  <a:lnTo>
+                    <a:pt x="357" y="962"/>
+                  </a:lnTo>
+                  <a:cubicBezTo>
+                    <a:pt x="1" y="1318"/>
+                    <a:pt x="251" y="1928"/>
+                    <a:pt x="756" y="1928"/>
+                  </a:cubicBezTo>
+                  <a:cubicBezTo>
+                    <a:pt x="907" y="1928"/>
+                    <a:pt x="1051" y="1868"/>
+                    <a:pt x="1157" y="1762"/>
+                  </a:cubicBezTo>
+                  <a:lnTo>
+                    <a:pt x="1957" y="959"/>
+                  </a:lnTo>
+                  <a:cubicBezTo>
+                    <a:pt x="2172" y="739"/>
+                    <a:pt x="2169" y="385"/>
+                    <a:pt x="1951" y="168"/>
+                  </a:cubicBezTo>
+                  <a:cubicBezTo>
+                    <a:pt x="1841" y="56"/>
+                    <a:pt x="1696" y="0"/>
+                    <a:pt x="1550" y="0"/>
+                  </a:cubicBezTo>
+                  <a:close/>
+                </a:path>
+              </a:pathLst>
+            </a:custGeom>
+            <a:solidFill>
+              <a:schemeClr val="accent3"/>
+            </a:solidFill>
+            <a:ln>
+              <a:noFill/>
+            </a:ln>
+          </p:spPr>
+          <p:txBody>
+            <a:bodyPr spcFirstLastPara="1" wrap="square" lIns="121900" tIns="121900" rIns="121900" bIns="121900" anchor="ctr" anchorCtr="0">
+              <a:noAutofit/>
+            </a:bodyPr>
+            <a:lstStyle/>
+            <a:p>
+              <a:endParaRPr sz="2400">
+                <a:solidFill>
+                  <a:srgbClr val="435D74"/>
+                </a:solidFill>
+              </a:endParaRPr>
+            </a:p>
+          </p:txBody>
+        </p:sp>
+        <p:sp>
+          <p:nvSpPr>
+            <p:cNvPr id="1689" name="Google Shape;1689;p42"/>
+            <p:cNvSpPr/>
+            <p:nvPr/>
+          </p:nvSpPr>
+          <p:spPr>
+            <a:xfrm>
+              <a:off x="5483350" y="2266400"/>
+              <a:ext cx="54300" cy="48225"/>
+            </a:xfrm>
+            <a:custGeom>
+              <a:avLst/>
+              <a:gdLst/>
+              <a:ahLst/>
+              <a:cxnLst/>
+              <a:rect l="l" t="t" r="r" b="b"/>
+              <a:pathLst>
+                <a:path w="2172" h="1929" extrusionOk="0">
+                  <a:moveTo>
+                    <a:pt x="622" y="0"/>
+                  </a:moveTo>
+                  <a:cubicBezTo>
+                    <a:pt x="476" y="0"/>
+                    <a:pt x="331" y="56"/>
+                    <a:pt x="221" y="168"/>
+                  </a:cubicBezTo>
+                  <a:cubicBezTo>
+                    <a:pt x="4" y="385"/>
+                    <a:pt x="1" y="738"/>
+                    <a:pt x="215" y="962"/>
+                  </a:cubicBezTo>
+                  <a:lnTo>
+                    <a:pt x="1015" y="1762"/>
+                  </a:lnTo>
+                  <a:cubicBezTo>
+                    <a:pt x="1121" y="1868"/>
+                    <a:pt x="1266" y="1928"/>
+                    <a:pt x="1417" y="1928"/>
+                  </a:cubicBezTo>
+                  <a:cubicBezTo>
+                    <a:pt x="1921" y="1928"/>
+                    <a:pt x="2172" y="1318"/>
+                    <a:pt x="1815" y="962"/>
+                  </a:cubicBezTo>
+                  <a:lnTo>
+                    <a:pt x="1015" y="159"/>
+                  </a:lnTo>
+                  <a:cubicBezTo>
+                    <a:pt x="905" y="53"/>
+                    <a:pt x="763" y="0"/>
+                    <a:pt x="622" y="0"/>
+                  </a:cubicBezTo>
+                  <a:close/>
+                </a:path>
+              </a:pathLst>
+            </a:custGeom>
+            <a:solidFill>
+              <a:schemeClr val="accent3"/>
+            </a:solidFill>
+            <a:ln>
+              <a:noFill/>
+            </a:ln>
+          </p:spPr>
+          <p:txBody>
+            <a:bodyPr spcFirstLastPara="1" wrap="square" lIns="121900" tIns="121900" rIns="121900" bIns="121900" anchor="ctr" anchorCtr="0">
+              <a:noAutofit/>
+            </a:bodyPr>
+            <a:lstStyle/>
+            <a:p>
+              <a:endParaRPr sz="2400">
+                <a:solidFill>
+                  <a:srgbClr val="435D74"/>
+                </a:solidFill>
+              </a:endParaRPr>
+            </a:p>
+          </p:txBody>
+        </p:sp>
+      </p:grpSp>
+    </p:spTree>
+    <p:extLst>
+      <p:ext uri="{BB962C8B-B14F-4D97-AF65-F5344CB8AC3E}">
+        <p14:creationId xmlns:p14="http://schemas.microsoft.com/office/powerpoint/2010/main" val="538610280"/>
+      </p:ext>
+    </p:extLst>
+  </p:cSld>
+  <p:clrMapOvr>
+    <a:masterClrMapping/>
+  </p:clrMapOvr>
+</p:sld>
+</file>
+
+<file path=ppt/slides/slide7.xml><?xml version="1.0" encoding="utf-8"?>
+<p:sld xmlns:a="http://schemas.openxmlformats.org/drawingml/2006/main" xmlns:r="http://schemas.openxmlformats.org/officeDocument/2006/relationships" xmlns:p="http://schemas.openxmlformats.org/presentationml/2006/main">
+  <p:cSld>
+    <p:spTree>
+      <p:nvGrpSpPr>
         <p:cNvPr id="1" name=""/>
         <p:cNvGrpSpPr/>
         <p:nvPr/>
@@ -25099,7 +31825,7 @@
           <p:cNvPr id="3" name="Title 1">
             <a:extLst>
               <a:ext uri="{FF2B5EF4-FFF2-40B4-BE49-F238E27FC236}">
-                <a16:creationId xmlns="" xmlns:a16="http://schemas.microsoft.com/office/drawing/2014/main" xmlns:lc="http://schemas.openxmlformats.org/drawingml/2006/lockedCanvas" id="{2C2BFAE1-45D3-4B3B-81D2-0BF25FA84FB8}"/>
+                <a16:creationId xmlns:lc="http://schemas.openxmlformats.org/drawingml/2006/lockedCanvas" xmlns:a16="http://schemas.microsoft.com/office/drawing/2014/main" xmlns="" id="{2C2BFAE1-45D3-4B3B-81D2-0BF25FA84FB8}"/>
               </a:ext>
             </a:extLst>
           </p:cNvPr>
@@ -25154,7 +31880,7 @@
           <p:cNvPr id="4" name="Shape">
             <a:extLst>
               <a:ext uri="{FF2B5EF4-FFF2-40B4-BE49-F238E27FC236}">
-                <a16:creationId xmlns="" xmlns:a16="http://schemas.microsoft.com/office/drawing/2014/main" xmlns:lc="http://schemas.openxmlformats.org/drawingml/2006/lockedCanvas" id="{3CAE1C73-C1D4-419D-B55E-7D4667B726B0}"/>
+                <a16:creationId xmlns:lc="http://schemas.openxmlformats.org/drawingml/2006/lockedCanvas" xmlns:a16="http://schemas.microsoft.com/office/drawing/2014/main" xmlns="" id="{3CAE1C73-C1D4-419D-B55E-7D4667B726B0}"/>
               </a:ext>
             </a:extLst>
           </p:cNvPr>
@@ -25362,7 +32088,7 @@
           <p:cNvPr id="5" name="Shape">
             <a:extLst>
               <a:ext uri="{FF2B5EF4-FFF2-40B4-BE49-F238E27FC236}">
-                <a16:creationId xmlns="" xmlns:a16="http://schemas.microsoft.com/office/drawing/2014/main" xmlns:lc="http://schemas.openxmlformats.org/drawingml/2006/lockedCanvas" id="{C388BED3-A925-4578-95DB-B25D2FF4F7E0}"/>
+                <a16:creationId xmlns:lc="http://schemas.openxmlformats.org/drawingml/2006/lockedCanvas" xmlns:a16="http://schemas.microsoft.com/office/drawing/2014/main" xmlns="" id="{C388BED3-A925-4578-95DB-B25D2FF4F7E0}"/>
               </a:ext>
             </a:extLst>
           </p:cNvPr>
@@ -25575,7 +32301,7 @@
           <p:cNvPr id="6" name="Shape">
             <a:extLst>
               <a:ext uri="{FF2B5EF4-FFF2-40B4-BE49-F238E27FC236}">
-                <a16:creationId xmlns="" xmlns:a16="http://schemas.microsoft.com/office/drawing/2014/main" xmlns:lc="http://schemas.openxmlformats.org/drawingml/2006/lockedCanvas" id="{62AF588A-365B-49D7-AEF5-EA4A64C571E5}"/>
+                <a16:creationId xmlns:lc="http://schemas.openxmlformats.org/drawingml/2006/lockedCanvas" xmlns:a16="http://schemas.microsoft.com/office/drawing/2014/main" xmlns="" id="{62AF588A-365B-49D7-AEF5-EA4A64C571E5}"/>
               </a:ext>
             </a:extLst>
           </p:cNvPr>
@@ -25786,7 +32512,7 @@
           <p:cNvPr id="7" name="Shape">
             <a:extLst>
               <a:ext uri="{FF2B5EF4-FFF2-40B4-BE49-F238E27FC236}">
-                <a16:creationId xmlns="" xmlns:a16="http://schemas.microsoft.com/office/drawing/2014/main" xmlns:lc="http://schemas.openxmlformats.org/drawingml/2006/lockedCanvas" id="{FA38D49A-E1C0-456C-8360-8D2F8984AC4D}"/>
+                <a16:creationId xmlns:lc="http://schemas.openxmlformats.org/drawingml/2006/lockedCanvas" xmlns:a16="http://schemas.microsoft.com/office/drawing/2014/main" xmlns="" id="{FA38D49A-E1C0-456C-8360-8D2F8984AC4D}"/>
               </a:ext>
             </a:extLst>
           </p:cNvPr>
@@ -25974,7 +32700,7 @@
           <p:cNvPr id="8" name="Shape">
             <a:extLst>
               <a:ext uri="{FF2B5EF4-FFF2-40B4-BE49-F238E27FC236}">
-                <a16:creationId xmlns="" xmlns:a16="http://schemas.microsoft.com/office/drawing/2014/main" xmlns:lc="http://schemas.openxmlformats.org/drawingml/2006/lockedCanvas" id="{BCD7C9FB-DC4D-4E5B-90BF-BDEF5E1DFD51}"/>
+                <a16:creationId xmlns:lc="http://schemas.openxmlformats.org/drawingml/2006/lockedCanvas" xmlns:a16="http://schemas.microsoft.com/office/drawing/2014/main" xmlns="" id="{BCD7C9FB-DC4D-4E5B-90BF-BDEF5E1DFD51}"/>
               </a:ext>
             </a:extLst>
           </p:cNvPr>
@@ -26185,7 +32911,7 @@
           <p:cNvPr id="9" name="Shape">
             <a:extLst>
               <a:ext uri="{FF2B5EF4-FFF2-40B4-BE49-F238E27FC236}">
-                <a16:creationId xmlns="" xmlns:a16="http://schemas.microsoft.com/office/drawing/2014/main" xmlns:lc="http://schemas.openxmlformats.org/drawingml/2006/lockedCanvas" id="{3E5B652C-333A-41C1-BC19-5A10FFC49EDC}"/>
+                <a16:creationId xmlns:lc="http://schemas.openxmlformats.org/drawingml/2006/lockedCanvas" xmlns:a16="http://schemas.microsoft.com/office/drawing/2014/main" xmlns="" id="{3E5B652C-333A-41C1-BC19-5A10FFC49EDC}"/>
               </a:ext>
             </a:extLst>
           </p:cNvPr>
@@ -26398,7 +33124,7 @@
           <p:cNvPr id="10" name="Freeform: Shape 46">
             <a:extLst>
               <a:ext uri="{FF2B5EF4-FFF2-40B4-BE49-F238E27FC236}">
-                <a16:creationId xmlns="" xmlns:a16="http://schemas.microsoft.com/office/drawing/2014/main" xmlns:lc="http://schemas.openxmlformats.org/drawingml/2006/lockedCanvas" id="{1094069C-0CEB-4A2B-A708-47E798390D63}"/>
+                <a16:creationId xmlns:lc="http://schemas.openxmlformats.org/drawingml/2006/lockedCanvas" xmlns:a16="http://schemas.microsoft.com/office/drawing/2014/main" xmlns="" id="{1094069C-0CEB-4A2B-A708-47E798390D63}"/>
               </a:ext>
             </a:extLst>
           </p:cNvPr>
@@ -26609,7 +33335,7 @@
           <p:cNvPr id="11" name="Freeform: Shape 39">
             <a:extLst>
               <a:ext uri="{FF2B5EF4-FFF2-40B4-BE49-F238E27FC236}">
-                <a16:creationId xmlns="" xmlns:a16="http://schemas.microsoft.com/office/drawing/2014/main" xmlns:lc="http://schemas.openxmlformats.org/drawingml/2006/lockedCanvas" id="{CB23DFA6-A29D-4A1F-AA4A-2FDCB66034A9}"/>
+                <a16:creationId xmlns:lc="http://schemas.openxmlformats.org/drawingml/2006/lockedCanvas" xmlns:a16="http://schemas.microsoft.com/office/drawing/2014/main" xmlns="" id="{CB23DFA6-A29D-4A1F-AA4A-2FDCB66034A9}"/>
               </a:ext>
             </a:extLst>
           </p:cNvPr>
@@ -27060,7 +33786,7 @@
           <p:cNvPr id="12" name="Shape">
             <a:extLst>
               <a:ext uri="{FF2B5EF4-FFF2-40B4-BE49-F238E27FC236}">
-                <a16:creationId xmlns="" xmlns:a16="http://schemas.microsoft.com/office/drawing/2014/main" xmlns:lc="http://schemas.openxmlformats.org/drawingml/2006/lockedCanvas" id="{1233DA5E-9599-493F-B4CB-8E191A3F8394}"/>
+                <a16:creationId xmlns:lc="http://schemas.openxmlformats.org/drawingml/2006/lockedCanvas" xmlns:a16="http://schemas.microsoft.com/office/drawing/2014/main" xmlns="" id="{1233DA5E-9599-493F-B4CB-8E191A3F8394}"/>
               </a:ext>
             </a:extLst>
           </p:cNvPr>
@@ -27284,7 +34010,7 @@
           <p:cNvPr id="13" name="Shape">
             <a:extLst>
               <a:ext uri="{FF2B5EF4-FFF2-40B4-BE49-F238E27FC236}">
-                <a16:creationId xmlns="" xmlns:a16="http://schemas.microsoft.com/office/drawing/2014/main" xmlns:lc="http://schemas.openxmlformats.org/drawingml/2006/lockedCanvas" id="{79C8B4A6-5553-463F-9AA0-F31C9A55ACAB}"/>
+                <a16:creationId xmlns:lc="http://schemas.openxmlformats.org/drawingml/2006/lockedCanvas" xmlns:a16="http://schemas.microsoft.com/office/drawing/2014/main" xmlns="" id="{79C8B4A6-5553-463F-9AA0-F31C9A55ACAB}"/>
               </a:ext>
             </a:extLst>
           </p:cNvPr>
@@ -27486,7 +34212,7 @@
           <p:cNvPr id="14" name="TextBox 18">
             <a:extLst>
               <a:ext uri="{FF2B5EF4-FFF2-40B4-BE49-F238E27FC236}">
-                <a16:creationId xmlns="" xmlns:a16="http://schemas.microsoft.com/office/drawing/2014/main" xmlns:lc="http://schemas.openxmlformats.org/drawingml/2006/lockedCanvas" id="{B526E3C1-51C1-4120-A326-D30935EBE4AE}"/>
+                <a16:creationId xmlns:lc="http://schemas.openxmlformats.org/drawingml/2006/lockedCanvas" xmlns:a16="http://schemas.microsoft.com/office/drawing/2014/main" xmlns="" id="{B526E3C1-51C1-4120-A326-D30935EBE4AE}"/>
               </a:ext>
             </a:extLst>
           </p:cNvPr>
@@ -27616,7 +34342,7 @@
           <p:cNvPr id="15" name="TextBox 22">
             <a:extLst>
               <a:ext uri="{FF2B5EF4-FFF2-40B4-BE49-F238E27FC236}">
-                <a16:creationId xmlns="" xmlns:a16="http://schemas.microsoft.com/office/drawing/2014/main" xmlns:lc="http://schemas.openxmlformats.org/drawingml/2006/lockedCanvas" id="{7818FBF8-0A1A-497B-B81F-F9948E4352C9}"/>
+                <a16:creationId xmlns:lc="http://schemas.openxmlformats.org/drawingml/2006/lockedCanvas" xmlns:a16="http://schemas.microsoft.com/office/drawing/2014/main" xmlns="" id="{7818FBF8-0A1A-497B-B81F-F9948E4352C9}"/>
               </a:ext>
             </a:extLst>
           </p:cNvPr>
@@ -27765,7 +34491,7 @@
           <p:cNvPr id="16" name="Group 15">
             <a:extLst>
               <a:ext uri="{FF2B5EF4-FFF2-40B4-BE49-F238E27FC236}">
-                <a16:creationId xmlns="" xmlns:a16="http://schemas.microsoft.com/office/drawing/2014/main" xmlns:lc="http://schemas.openxmlformats.org/drawingml/2006/lockedCanvas" id="{7E262357-D20B-49BE-8EE2-C816FFB7804E}"/>
+                <a16:creationId xmlns:lc="http://schemas.openxmlformats.org/drawingml/2006/lockedCanvas" xmlns:a16="http://schemas.microsoft.com/office/drawing/2014/main" xmlns="" id="{7E262357-D20B-49BE-8EE2-C816FFB7804E}"/>
               </a:ext>
             </a:extLst>
           </p:cNvPr>
@@ -27785,7 +34511,7 @@
             <p:cNvPr id="17" name="TextBox 27">
               <a:extLst>
                 <a:ext uri="{FF2B5EF4-FFF2-40B4-BE49-F238E27FC236}">
-                  <a16:creationId xmlns="" xmlns:a16="http://schemas.microsoft.com/office/drawing/2014/main" xmlns:lc="http://schemas.openxmlformats.org/drawingml/2006/lockedCanvas" id="{976B1B8C-A86B-4C94-A0D0-5451D2CFAD9C}"/>
+                  <a16:creationId xmlns:lc="http://schemas.openxmlformats.org/drawingml/2006/lockedCanvas" xmlns:a16="http://schemas.microsoft.com/office/drawing/2014/main" xmlns="" id="{976B1B8C-A86B-4C94-A0D0-5451D2CFAD9C}"/>
                 </a:ext>
               </a:extLst>
             </p:cNvPr>
@@ -27915,7 +34641,7 @@
             <p:cNvPr id="18" name="TextBox 28">
               <a:extLst>
                 <a:ext uri="{FF2B5EF4-FFF2-40B4-BE49-F238E27FC236}">
-                  <a16:creationId xmlns="" xmlns:a16="http://schemas.microsoft.com/office/drawing/2014/main" xmlns:lc="http://schemas.openxmlformats.org/drawingml/2006/lockedCanvas" id="{D3C81712-1EC5-46E1-AC9D-E4D465312E43}"/>
+                  <a16:creationId xmlns:lc="http://schemas.openxmlformats.org/drawingml/2006/lockedCanvas" xmlns:a16="http://schemas.microsoft.com/office/drawing/2014/main" xmlns="" id="{D3C81712-1EC5-46E1-AC9D-E4D465312E43}"/>
                 </a:ext>
               </a:extLst>
             </p:cNvPr>
@@ -28053,7 +34779,7 @@
           <p:cNvPr id="19" name="Shape">
             <a:extLst>
               <a:ext uri="{FF2B5EF4-FFF2-40B4-BE49-F238E27FC236}">
-                <a16:creationId xmlns="" xmlns:a16="http://schemas.microsoft.com/office/drawing/2014/main" xmlns:lc="http://schemas.openxmlformats.org/drawingml/2006/lockedCanvas" id="{03301119-9097-447A-9226-77AF20353352}"/>
+                <a16:creationId xmlns:lc="http://schemas.openxmlformats.org/drawingml/2006/lockedCanvas" xmlns:a16="http://schemas.microsoft.com/office/drawing/2014/main" xmlns="" id="{03301119-9097-447A-9226-77AF20353352}"/>
               </a:ext>
             </a:extLst>
           </p:cNvPr>
@@ -28277,7 +35003,7 @@
           <p:cNvPr id="20" name="Shape">
             <a:extLst>
               <a:ext uri="{FF2B5EF4-FFF2-40B4-BE49-F238E27FC236}">
-                <a16:creationId xmlns="" xmlns:a16="http://schemas.microsoft.com/office/drawing/2014/main" xmlns:lc="http://schemas.openxmlformats.org/drawingml/2006/lockedCanvas" id="{4B8B5364-4A4A-4896-99B1-18DB3485CD8A}"/>
+                <a16:creationId xmlns:lc="http://schemas.openxmlformats.org/drawingml/2006/lockedCanvas" xmlns:a16="http://schemas.microsoft.com/office/drawing/2014/main" xmlns="" id="{4B8B5364-4A4A-4896-99B1-18DB3485CD8A}"/>
               </a:ext>
             </a:extLst>
           </p:cNvPr>
@@ -28479,7 +35205,7 @@
           <p:cNvPr id="21" name="TextBox 19">
             <a:extLst>
               <a:ext uri="{FF2B5EF4-FFF2-40B4-BE49-F238E27FC236}">
-                <a16:creationId xmlns="" xmlns:a16="http://schemas.microsoft.com/office/drawing/2014/main" xmlns:lc="http://schemas.openxmlformats.org/drawingml/2006/lockedCanvas" id="{D56381BD-6357-4712-B339-D6A72ED89A68}"/>
+                <a16:creationId xmlns:lc="http://schemas.openxmlformats.org/drawingml/2006/lockedCanvas" xmlns:a16="http://schemas.microsoft.com/office/drawing/2014/main" xmlns="" id="{D56381BD-6357-4712-B339-D6A72ED89A68}"/>
               </a:ext>
             </a:extLst>
           </p:cNvPr>
@@ -28609,7 +35335,7 @@
           <p:cNvPr id="22" name="TextBox 23">
             <a:extLst>
               <a:ext uri="{FF2B5EF4-FFF2-40B4-BE49-F238E27FC236}">
-                <a16:creationId xmlns="" xmlns:a16="http://schemas.microsoft.com/office/drawing/2014/main" xmlns:lc="http://schemas.openxmlformats.org/drawingml/2006/lockedCanvas" id="{45F45EDB-92B0-4CF1-9BDB-E1DF470C1D6C}"/>
+                <a16:creationId xmlns:lc="http://schemas.openxmlformats.org/drawingml/2006/lockedCanvas" xmlns:a16="http://schemas.microsoft.com/office/drawing/2014/main" xmlns="" id="{45F45EDB-92B0-4CF1-9BDB-E1DF470C1D6C}"/>
               </a:ext>
             </a:extLst>
           </p:cNvPr>
@@ -28758,7 +35484,7 @@
           <p:cNvPr id="23" name="Group 22">
             <a:extLst>
               <a:ext uri="{FF2B5EF4-FFF2-40B4-BE49-F238E27FC236}">
-                <a16:creationId xmlns="" xmlns:a16="http://schemas.microsoft.com/office/drawing/2014/main" xmlns:lc="http://schemas.openxmlformats.org/drawingml/2006/lockedCanvas" id="{EDEABBF8-CCDF-4FE4-959B-E1107F1AD6F7}"/>
+                <a16:creationId xmlns:lc="http://schemas.openxmlformats.org/drawingml/2006/lockedCanvas" xmlns:a16="http://schemas.microsoft.com/office/drawing/2014/main" xmlns="" id="{EDEABBF8-CCDF-4FE4-959B-E1107F1AD6F7}"/>
               </a:ext>
             </a:extLst>
           </p:cNvPr>
@@ -28778,7 +35504,7 @@
             <p:cNvPr id="24" name="TextBox 30">
               <a:extLst>
                 <a:ext uri="{FF2B5EF4-FFF2-40B4-BE49-F238E27FC236}">
-                  <a16:creationId xmlns="" xmlns:a16="http://schemas.microsoft.com/office/drawing/2014/main" xmlns:lc="http://schemas.openxmlformats.org/drawingml/2006/lockedCanvas" id="{586FD52D-A178-4EB5-AABC-7CFEFB272A81}"/>
+                  <a16:creationId xmlns:lc="http://schemas.openxmlformats.org/drawingml/2006/lockedCanvas" xmlns:a16="http://schemas.microsoft.com/office/drawing/2014/main" xmlns="" id="{586FD52D-A178-4EB5-AABC-7CFEFB272A81}"/>
                 </a:ext>
               </a:extLst>
             </p:cNvPr>
@@ -28908,7 +35634,7 @@
             <p:cNvPr id="25" name="TextBox 31">
               <a:extLst>
                 <a:ext uri="{FF2B5EF4-FFF2-40B4-BE49-F238E27FC236}">
-                  <a16:creationId xmlns="" xmlns:a16="http://schemas.microsoft.com/office/drawing/2014/main" xmlns:lc="http://schemas.openxmlformats.org/drawingml/2006/lockedCanvas" id="{26240702-25F7-4F28-AD79-55EAAAF7E7A8}"/>
+                  <a16:creationId xmlns:lc="http://schemas.openxmlformats.org/drawingml/2006/lockedCanvas" xmlns:a16="http://schemas.microsoft.com/office/drawing/2014/main" xmlns="" id="{26240702-25F7-4F28-AD79-55EAAAF7E7A8}"/>
                 </a:ext>
               </a:extLst>
             </p:cNvPr>
@@ -29046,7 +35772,7 @@
           <p:cNvPr id="26" name="Shape">
             <a:extLst>
               <a:ext uri="{FF2B5EF4-FFF2-40B4-BE49-F238E27FC236}">
-                <a16:creationId xmlns="" xmlns:a16="http://schemas.microsoft.com/office/drawing/2014/main" xmlns:lc="http://schemas.openxmlformats.org/drawingml/2006/lockedCanvas" id="{E1A99BAC-2AD4-452A-9D18-BA10FC4EFC6D}"/>
+                <a16:creationId xmlns:lc="http://schemas.openxmlformats.org/drawingml/2006/lockedCanvas" xmlns:a16="http://schemas.microsoft.com/office/drawing/2014/main" xmlns="" id="{E1A99BAC-2AD4-452A-9D18-BA10FC4EFC6D}"/>
               </a:ext>
             </a:extLst>
           </p:cNvPr>
@@ -29270,7 +35996,7 @@
           <p:cNvPr id="27" name="Shape">
             <a:extLst>
               <a:ext uri="{FF2B5EF4-FFF2-40B4-BE49-F238E27FC236}">
-                <a16:creationId xmlns="" xmlns:a16="http://schemas.microsoft.com/office/drawing/2014/main" xmlns:lc="http://schemas.openxmlformats.org/drawingml/2006/lockedCanvas" id="{18663E24-EB60-4192-887E-5CBD5948447F}"/>
+                <a16:creationId xmlns:lc="http://schemas.openxmlformats.org/drawingml/2006/lockedCanvas" xmlns:a16="http://schemas.microsoft.com/office/drawing/2014/main" xmlns="" id="{18663E24-EB60-4192-887E-5CBD5948447F}"/>
               </a:ext>
             </a:extLst>
           </p:cNvPr>
@@ -29472,7 +36198,7 @@
           <p:cNvPr id="28" name="TextBox 20">
             <a:extLst>
               <a:ext uri="{FF2B5EF4-FFF2-40B4-BE49-F238E27FC236}">
-                <a16:creationId xmlns="" xmlns:a16="http://schemas.microsoft.com/office/drawing/2014/main" xmlns:lc="http://schemas.openxmlformats.org/drawingml/2006/lockedCanvas" id="{CB4B7822-EF37-4931-A8D6-0B0FEE717091}"/>
+                <a16:creationId xmlns:lc="http://schemas.openxmlformats.org/drawingml/2006/lockedCanvas" xmlns:a16="http://schemas.microsoft.com/office/drawing/2014/main" xmlns="" id="{CB4B7822-EF37-4931-A8D6-0B0FEE717091}"/>
               </a:ext>
             </a:extLst>
           </p:cNvPr>
@@ -29606,7 +36332,7 @@
           <p:cNvPr id="29" name="TextBox 28">
             <a:extLst>
               <a:ext uri="{FF2B5EF4-FFF2-40B4-BE49-F238E27FC236}">
-                <a16:creationId xmlns="" xmlns:a16="http://schemas.microsoft.com/office/drawing/2014/main" xmlns:lc="http://schemas.openxmlformats.org/drawingml/2006/lockedCanvas" id="{2805E700-3DE8-4013-B932-A6415E88E151}"/>
+                <a16:creationId xmlns:lc="http://schemas.openxmlformats.org/drawingml/2006/lockedCanvas" xmlns:a16="http://schemas.microsoft.com/office/drawing/2014/main" xmlns="" id="{2805E700-3DE8-4013-B932-A6415E88E151}"/>
               </a:ext>
             </a:extLst>
           </p:cNvPr>
@@ -29751,7 +36477,7 @@
           <p:cNvPr id="30" name="Group 29">
             <a:extLst>
               <a:ext uri="{FF2B5EF4-FFF2-40B4-BE49-F238E27FC236}">
-                <a16:creationId xmlns="" xmlns:a16="http://schemas.microsoft.com/office/drawing/2014/main" xmlns:lc="http://schemas.openxmlformats.org/drawingml/2006/lockedCanvas" id="{15786D88-6332-4358-AC8A-85A12B28EB62}"/>
+                <a16:creationId xmlns:lc="http://schemas.openxmlformats.org/drawingml/2006/lockedCanvas" xmlns:a16="http://schemas.microsoft.com/office/drawing/2014/main" xmlns="" id="{15786D88-6332-4358-AC8A-85A12B28EB62}"/>
               </a:ext>
             </a:extLst>
           </p:cNvPr>
@@ -29771,7 +36497,7 @@
             <p:cNvPr id="31" name="TextBox 30">
               <a:extLst>
                 <a:ext uri="{FF2B5EF4-FFF2-40B4-BE49-F238E27FC236}">
-                  <a16:creationId xmlns="" xmlns:a16="http://schemas.microsoft.com/office/drawing/2014/main" xmlns:lc="http://schemas.openxmlformats.org/drawingml/2006/lockedCanvas" id="{5579C295-493C-4EBA-9FD2-79E98BAB3ADF}"/>
+                  <a16:creationId xmlns:lc="http://schemas.openxmlformats.org/drawingml/2006/lockedCanvas" xmlns:a16="http://schemas.microsoft.com/office/drawing/2014/main" xmlns="" id="{5579C295-493C-4EBA-9FD2-79E98BAB3ADF}"/>
                 </a:ext>
               </a:extLst>
             </p:cNvPr>
@@ -29901,7 +36627,7 @@
             <p:cNvPr id="32" name="TextBox 31">
               <a:extLst>
                 <a:ext uri="{FF2B5EF4-FFF2-40B4-BE49-F238E27FC236}">
-                  <a16:creationId xmlns="" xmlns:a16="http://schemas.microsoft.com/office/drawing/2014/main" xmlns:lc="http://schemas.openxmlformats.org/drawingml/2006/lockedCanvas" id="{AED5E83D-11F3-48DB-8AE9-79F40B4BD8CC}"/>
+                  <a16:creationId xmlns:lc="http://schemas.openxmlformats.org/drawingml/2006/lockedCanvas" xmlns:a16="http://schemas.microsoft.com/office/drawing/2014/main" xmlns="" id="{AED5E83D-11F3-48DB-8AE9-79F40B4BD8CC}"/>
                 </a:ext>
               </a:extLst>
             </p:cNvPr>
@@ -30039,7 +36765,7 @@
           <p:cNvPr id="33" name="Shape">
             <a:extLst>
               <a:ext uri="{FF2B5EF4-FFF2-40B4-BE49-F238E27FC236}">
-                <a16:creationId xmlns="" xmlns:a16="http://schemas.microsoft.com/office/drawing/2014/main" xmlns:lc="http://schemas.openxmlformats.org/drawingml/2006/lockedCanvas" id="{21DF600F-8645-4591-BCF4-844BD9B7FFFD}"/>
+                <a16:creationId xmlns:lc="http://schemas.openxmlformats.org/drawingml/2006/lockedCanvas" xmlns:a16="http://schemas.microsoft.com/office/drawing/2014/main" xmlns="" id="{21DF600F-8645-4591-BCF4-844BD9B7FFFD}"/>
               </a:ext>
             </a:extLst>
           </p:cNvPr>
@@ -30263,7 +36989,7 @@
           <p:cNvPr id="34" name="Shape">
             <a:extLst>
               <a:ext uri="{FF2B5EF4-FFF2-40B4-BE49-F238E27FC236}">
-                <a16:creationId xmlns="" xmlns:a16="http://schemas.microsoft.com/office/drawing/2014/main" xmlns:lc="http://schemas.openxmlformats.org/drawingml/2006/lockedCanvas" id="{8688F983-FF5C-4724-9A63-9DA9FA5DF543}"/>
+                <a16:creationId xmlns:lc="http://schemas.openxmlformats.org/drawingml/2006/lockedCanvas" xmlns:a16="http://schemas.microsoft.com/office/drawing/2014/main" xmlns="" id="{8688F983-FF5C-4724-9A63-9DA9FA5DF543}"/>
               </a:ext>
             </a:extLst>
           </p:cNvPr>
@@ -30465,7 +37191,7 @@
           <p:cNvPr id="35" name="TextBox 21">
             <a:extLst>
               <a:ext uri="{FF2B5EF4-FFF2-40B4-BE49-F238E27FC236}">
-                <a16:creationId xmlns="" xmlns:a16="http://schemas.microsoft.com/office/drawing/2014/main" xmlns:lc="http://schemas.openxmlformats.org/drawingml/2006/lockedCanvas" id="{04DBD3F8-9A06-45B5-8DEB-EE471747AC17}"/>
+                <a16:creationId xmlns:lc="http://schemas.openxmlformats.org/drawingml/2006/lockedCanvas" xmlns:a16="http://schemas.microsoft.com/office/drawing/2014/main" xmlns="" id="{04DBD3F8-9A06-45B5-8DEB-EE471747AC17}"/>
               </a:ext>
             </a:extLst>
           </p:cNvPr>
@@ -30595,7 +37321,7 @@
           <p:cNvPr id="36" name="TextBox 25">
             <a:extLst>
               <a:ext uri="{FF2B5EF4-FFF2-40B4-BE49-F238E27FC236}">
-                <a16:creationId xmlns="" xmlns:a16="http://schemas.microsoft.com/office/drawing/2014/main" xmlns:lc="http://schemas.openxmlformats.org/drawingml/2006/lockedCanvas" id="{7EAF8EE7-FB7C-45D1-A29A-BBBA6EE86FA5}"/>
+                <a16:creationId xmlns:lc="http://schemas.openxmlformats.org/drawingml/2006/lockedCanvas" xmlns:a16="http://schemas.microsoft.com/office/drawing/2014/main" xmlns="" id="{7EAF8EE7-FB7C-45D1-A29A-BBBA6EE86FA5}"/>
               </a:ext>
             </a:extLst>
           </p:cNvPr>
@@ -30744,7 +37470,7 @@
           <p:cNvPr id="37" name="Group 36">
             <a:extLst>
               <a:ext uri="{FF2B5EF4-FFF2-40B4-BE49-F238E27FC236}">
-                <a16:creationId xmlns="" xmlns:a16="http://schemas.microsoft.com/office/drawing/2014/main" xmlns:lc="http://schemas.openxmlformats.org/drawingml/2006/lockedCanvas" id="{178E498E-E24B-4817-A35E-CBA8EAF28FA2}"/>
+                <a16:creationId xmlns:lc="http://schemas.openxmlformats.org/drawingml/2006/lockedCanvas" xmlns:a16="http://schemas.microsoft.com/office/drawing/2014/main" xmlns="" id="{178E498E-E24B-4817-A35E-CBA8EAF28FA2}"/>
               </a:ext>
             </a:extLst>
           </p:cNvPr>
@@ -30764,7 +37490,7 @@
             <p:cNvPr id="38" name="TextBox 36">
               <a:extLst>
                 <a:ext uri="{FF2B5EF4-FFF2-40B4-BE49-F238E27FC236}">
-                  <a16:creationId xmlns="" xmlns:a16="http://schemas.microsoft.com/office/drawing/2014/main" xmlns:lc="http://schemas.openxmlformats.org/drawingml/2006/lockedCanvas" id="{8CDB8FC6-E65D-4D54-A182-42D9F950C53A}"/>
+                  <a16:creationId xmlns:lc="http://schemas.openxmlformats.org/drawingml/2006/lockedCanvas" xmlns:a16="http://schemas.microsoft.com/office/drawing/2014/main" xmlns="" id="{8CDB8FC6-E65D-4D54-A182-42D9F950C53A}"/>
                 </a:ext>
               </a:extLst>
             </p:cNvPr>
@@ -30894,7 +37620,7 @@
             <p:cNvPr id="39" name="TextBox 37">
               <a:extLst>
                 <a:ext uri="{FF2B5EF4-FFF2-40B4-BE49-F238E27FC236}">
-                  <a16:creationId xmlns="" xmlns:a16="http://schemas.microsoft.com/office/drawing/2014/main" xmlns:lc="http://schemas.openxmlformats.org/drawingml/2006/lockedCanvas" id="{E1D45713-84E2-4853-9271-6987B9D13772}"/>
+                  <a16:creationId xmlns:lc="http://schemas.openxmlformats.org/drawingml/2006/lockedCanvas" xmlns:a16="http://schemas.microsoft.com/office/drawing/2014/main" xmlns="" id="{E1D45713-84E2-4853-9271-6987B9D13772}"/>
                 </a:ext>
               </a:extLst>
             </p:cNvPr>
